--- a/Nao and Pepper.pptx
+++ b/Nao and Pepper.pptx
@@ -250,7 +250,7 @@
           <a:p>
             <a:fld id="{243AB38A-B1B6-4CF4-9737-E1E5C73DA86F}" type="datetimeFigureOut">
               <a:rPr lang="nl-NL" smtClean="0"/>
-              <a:t>9-5-2019</a:t>
+              <a:t>3-5-2022</a:t>
             </a:fld>
             <a:endParaRPr lang="nl-NL"/>
           </a:p>
@@ -415,7 +415,7 @@
           <a:p>
             <a:fld id="{87012C6B-C807-4014-B6D4-CCA33426A2F8}" type="datetimeFigureOut">
               <a:rPr lang="nl-NL" smtClean="0"/>
-              <a:t>7-5-2019</a:t>
+              <a:t>3-5-2022</a:t>
             </a:fld>
             <a:endParaRPr lang="nl-NL"/>
           </a:p>
@@ -6923,7 +6923,7 @@
       </a:lvl9pPr>
     </p:otherStyle>
   </p:txStyles>
-  <p:extLst mod="1">
+  <p:extLst>
     <p:ext uri="{27BBF7A9-308A-43DC-89C8-2F10F3537804}">
       <p15:sldGuideLst xmlns:p15="http://schemas.microsoft.com/office/powerpoint/2012/main">
         <p15:guide id="1" orient="horz" pos="2879" userDrawn="1">
@@ -14384,6 +14384,72 @@
               <a:rPr lang="nl-NL" dirty="0" err="1"/>
               <a:t>library</a:t>
             </a:r>
+            <a:r>
+              <a:rPr lang="nl-NL" dirty="0"/>
+              <a:t>, </a:t>
+            </a:r>
+            <a:r>
+              <a:rPr lang="nl-NL" dirty="0" err="1"/>
+              <a:t>to</a:t>
+            </a:r>
+            <a:r>
+              <a:rPr lang="nl-NL" dirty="0"/>
+              <a:t> </a:t>
+            </a:r>
+            <a:r>
+              <a:rPr lang="nl-NL" dirty="0" err="1"/>
+              <a:t>install</a:t>
+            </a:r>
+            <a:r>
+              <a:rPr lang="nl-NL" dirty="0"/>
+              <a:t> </a:t>
+            </a:r>
+            <a:r>
+              <a:rPr lang="nl-NL" dirty="0" err="1"/>
+              <a:t>it</a:t>
+            </a:r>
+            <a:r>
+              <a:rPr lang="nl-NL" dirty="0"/>
+              <a:t> </a:t>
+            </a:r>
+            <a:r>
+              <a:rPr lang="nl-NL" dirty="0" err="1"/>
+              <a:t>using</a:t>
+            </a:r>
+            <a:r>
+              <a:rPr lang="nl-NL" dirty="0"/>
+              <a:t> pip </a:t>
+            </a:r>
+            <a:r>
+              <a:rPr lang="nl-NL" dirty="0" err="1"/>
+              <a:t>version</a:t>
+            </a:r>
+            <a:r>
+              <a:rPr lang="nl-NL" dirty="0"/>
+              <a:t> 20 (</a:t>
+            </a:r>
+            <a:r>
+              <a:rPr lang="en-GB" sz="1800" dirty="0" err="1">
+                <a:solidFill>
+                  <a:srgbClr val="000000"/>
+                </a:solidFill>
+                <a:effectLst/>
+                <a:latin typeface="Times New Roman" panose="02020603050405020304" pitchFamily="18" charset="0"/>
+                <a:ea typeface="Times New Roman" panose="02020603050405020304" pitchFamily="18" charset="0"/>
+              </a:rPr>
+              <a:t>easy_install</a:t>
+            </a:r>
+            <a:r>
+              <a:rPr lang="en-GB" sz="1800" dirty="0">
+                <a:solidFill>
+                  <a:srgbClr val="000000"/>
+                </a:solidFill>
+                <a:effectLst/>
+                <a:latin typeface="Times New Roman" panose="02020603050405020304" pitchFamily="18" charset="0"/>
+                <a:ea typeface="Times New Roman" panose="02020603050405020304" pitchFamily="18" charset="0"/>
+              </a:rPr>
+              <a:t> pip==20), type:</a:t>
+            </a:r>
             <a:endParaRPr lang="nl-NL" dirty="0"/>
           </a:p>
           <a:p>
@@ -14392,8 +14458,12 @@
               <a:buChar char="•"/>
             </a:pPr>
             <a:r>
-              <a:rPr lang="nl-NL" dirty="0" err="1"/>
-              <a:t>You</a:t>
+              <a:rPr lang="nl-NL" dirty="0"/>
+              <a:t>pip </a:t>
+            </a:r>
+            <a:r>
+              <a:rPr lang="nl-NL" dirty="0" err="1"/>
+              <a:t>installl</a:t>
             </a:r>
             <a:r>
               <a:rPr lang="nl-NL" dirty="0"/>
@@ -14401,75 +14471,11 @@
             </a:r>
             <a:r>
               <a:rPr lang="nl-NL" dirty="0" err="1"/>
-              <a:t>can</a:t>
-            </a:r>
-            <a:r>
-              <a:rPr lang="nl-NL" dirty="0"/>
-              <a:t> </a:t>
-            </a:r>
-            <a:r>
-              <a:rPr lang="nl-NL" dirty="0" err="1"/>
-              <a:t>try</a:t>
-            </a:r>
-            <a:r>
-              <a:rPr lang="nl-NL" dirty="0"/>
-              <a:t> </a:t>
-            </a:r>
-            <a:r>
-              <a:rPr lang="nl-NL" dirty="0" err="1"/>
-              <a:t>to</a:t>
-            </a:r>
-            <a:r>
-              <a:rPr lang="nl-NL" dirty="0"/>
-              <a:t> </a:t>
-            </a:r>
-            <a:r>
-              <a:rPr lang="nl-NL" dirty="0" err="1"/>
-              <a:t>find</a:t>
-            </a:r>
-            <a:r>
-              <a:rPr lang="nl-NL" dirty="0"/>
-              <a:t> </a:t>
-            </a:r>
-            <a:r>
-              <a:rPr lang="nl-NL" dirty="0" err="1"/>
-              <a:t>an</a:t>
-            </a:r>
-            <a:r>
-              <a:rPr lang="nl-NL" dirty="0"/>
-              <a:t> </a:t>
-            </a:r>
-            <a:r>
-              <a:rPr lang="nl-NL" dirty="0" err="1"/>
-              <a:t>installer</a:t>
-            </a:r>
-            <a:r>
-              <a:rPr lang="nl-NL" dirty="0"/>
-              <a:t> </a:t>
-            </a:r>
-            <a:r>
-              <a:rPr lang="nl-NL" dirty="0" err="1"/>
-              <a:t>for</a:t>
-            </a:r>
-            <a:r>
-              <a:rPr lang="nl-NL" dirty="0"/>
-              <a:t> </a:t>
-            </a:r>
-            <a:r>
-              <a:rPr lang="nl-NL" dirty="0" err="1"/>
-              <a:t>windows</a:t>
-            </a:r>
-            <a:r>
-              <a:rPr lang="nl-NL" dirty="0"/>
-              <a:t> (</a:t>
-            </a:r>
-            <a:r>
-              <a:rPr lang="nl-NL" dirty="0" err="1"/>
-              <a:t>previous</a:t>
-            </a:r>
-            <a:r>
-              <a:rPr lang="nl-NL" dirty="0"/>
-              <a:t> slides)</a:t>
+              <a:t>opencv</a:t>
+            </a:r>
+            <a:r>
+              <a:rPr lang="nl-NL" dirty="0"/>
+              <a:t>-python==4.2.0.32</a:t>
             </a:r>
           </a:p>
           <a:p>
@@ -14477,25 +14483,148 @@
               <a:buFont typeface="Arial" panose="020B0604020202020204" pitchFamily="34" charset="0"/>
               <a:buChar char="•"/>
             </a:pPr>
+            <a:endParaRPr lang="nl-NL" dirty="0"/>
+          </a:p>
+          <a:p>
+            <a:pPr marL="285750" indent="-285750">
+              <a:buFont typeface="Arial" panose="020B0604020202020204" pitchFamily="34" charset="0"/>
+              <a:buChar char="•"/>
+            </a:pPr>
             <a:r>
               <a:rPr lang="nl-NL" dirty="0"/>
               <a:t>Or, </a:t>
             </a:r>
             <a:r>
               <a:rPr lang="nl-NL" dirty="0" err="1"/>
-              <a:t>you</a:t>
-            </a:r>
-            <a:r>
-              <a:rPr lang="nl-NL" dirty="0"/>
-              <a:t> download </a:t>
-            </a:r>
-            <a:r>
-              <a:rPr lang="nl-NL" dirty="0" err="1"/>
-              <a:t>it</a:t>
-            </a:r>
-            <a:r>
-              <a:rPr lang="nl-NL" dirty="0"/>
-              <a:t> form opencv.org</a:t>
+              <a:t>You</a:t>
+            </a:r>
+            <a:r>
+              <a:rPr lang="nl-NL" dirty="0"/>
+              <a:t> </a:t>
+            </a:r>
+            <a:r>
+              <a:rPr lang="nl-NL" dirty="0" err="1"/>
+              <a:t>can</a:t>
+            </a:r>
+            <a:r>
+              <a:rPr lang="nl-NL" dirty="0"/>
+              <a:t> </a:t>
+            </a:r>
+            <a:r>
+              <a:rPr lang="nl-NL" dirty="0" err="1"/>
+              <a:t>try</a:t>
+            </a:r>
+            <a:r>
+              <a:rPr lang="nl-NL" dirty="0"/>
+              <a:t> </a:t>
+            </a:r>
+            <a:r>
+              <a:rPr lang="nl-NL" dirty="0" err="1"/>
+              <a:t>to</a:t>
+            </a:r>
+            <a:r>
+              <a:rPr lang="nl-NL" dirty="0"/>
+              <a:t> </a:t>
+            </a:r>
+            <a:r>
+              <a:rPr lang="nl-NL" dirty="0" err="1"/>
+              <a:t>find</a:t>
+            </a:r>
+            <a:r>
+              <a:rPr lang="nl-NL" dirty="0"/>
+              <a:t> </a:t>
+            </a:r>
+            <a:r>
+              <a:rPr lang="nl-NL" dirty="0" err="1"/>
+              <a:t>an</a:t>
+            </a:r>
+            <a:r>
+              <a:rPr lang="nl-NL" dirty="0"/>
+              <a:t> </a:t>
+            </a:r>
+            <a:r>
+              <a:rPr lang="nl-NL" dirty="0" err="1"/>
+              <a:t>installer</a:t>
+            </a:r>
+            <a:r>
+              <a:rPr lang="nl-NL" dirty="0"/>
+              <a:t> for </a:t>
+            </a:r>
+            <a:r>
+              <a:rPr lang="nl-NL" dirty="0" err="1"/>
+              <a:t>windows</a:t>
+            </a:r>
+            <a:r>
+              <a:rPr lang="nl-NL" dirty="0"/>
+              <a:t> (</a:t>
+            </a:r>
+            <a:r>
+              <a:rPr lang="nl-NL" dirty="0" err="1"/>
+              <a:t>from</a:t>
+            </a:r>
+            <a:r>
+              <a:rPr lang="nl-NL" dirty="0"/>
+              <a:t> </a:t>
+            </a:r>
+            <a:r>
+              <a:rPr lang="nl-NL" dirty="0">
+                <a:hlinkClick r:id="rId3"/>
+              </a:rPr>
+              <a:t>https://opencv.org/releases/</a:t>
+            </a:r>
+            <a:r>
+              <a:rPr lang="nl-NL" dirty="0"/>
+              <a:t> )</a:t>
+            </a:r>
+          </a:p>
+          <a:p>
+            <a:pPr marL="285750" indent="-285750">
+              <a:buFont typeface="Arial" panose="020B0604020202020204" pitchFamily="34" charset="0"/>
+              <a:buChar char="•"/>
+            </a:pPr>
+            <a:r>
+              <a:rPr lang="nl-NL" dirty="0"/>
+              <a:t>Make </a:t>
+            </a:r>
+            <a:r>
+              <a:rPr lang="nl-NL" dirty="0" err="1"/>
+              <a:t>sure</a:t>
+            </a:r>
+            <a:r>
+              <a:rPr lang="nl-NL" dirty="0"/>
+              <a:t> </a:t>
+            </a:r>
+            <a:r>
+              <a:rPr lang="nl-NL" dirty="0" err="1"/>
+              <a:t>the</a:t>
+            </a:r>
+            <a:r>
+              <a:rPr lang="nl-NL" dirty="0"/>
+              <a:t> </a:t>
+            </a:r>
+            <a:r>
+              <a:rPr lang="nl-NL" dirty="0" err="1"/>
+              <a:t>version</a:t>
+            </a:r>
+            <a:r>
+              <a:rPr lang="nl-NL" dirty="0"/>
+              <a:t> is </a:t>
+            </a:r>
+            <a:r>
+              <a:rPr lang="nl-NL" dirty="0" err="1"/>
+              <a:t>less</a:t>
+            </a:r>
+            <a:r>
+              <a:rPr lang="nl-NL" dirty="0"/>
+              <a:t> </a:t>
+            </a:r>
+            <a:r>
+              <a:rPr lang="nl-NL" dirty="0" err="1"/>
+              <a:t>than</a:t>
+            </a:r>
+            <a:r>
+              <a:rPr lang="nl-NL" dirty="0"/>
+              <a:t> &lt;= 4.2.0.32</a:t>
             </a:r>
           </a:p>
           <a:p>
@@ -15096,53 +15225,133 @@
               <a:buFont typeface="Arial" panose="020B0604020202020204" pitchFamily="34" charset="0"/>
               <a:buChar char="•"/>
             </a:pPr>
-            <a:r>
-              <a:rPr lang="nl-NL" dirty="0"/>
-              <a:t>We </a:t>
-            </a:r>
-            <a:r>
-              <a:rPr lang="nl-NL" dirty="0" err="1"/>
-              <a:t>often</a:t>
-            </a:r>
-            <a:r>
-              <a:rPr lang="nl-NL" dirty="0"/>
-              <a:t> </a:t>
-            </a:r>
-            <a:r>
-              <a:rPr lang="nl-NL" dirty="0" err="1"/>
-              <a:t>use</a:t>
-            </a:r>
-            <a:r>
-              <a:rPr lang="nl-NL" dirty="0"/>
-              <a:t> cv </a:t>
-            </a:r>
-            <a:r>
-              <a:rPr lang="nl-NL" dirty="0" err="1"/>
-              <a:t>rather</a:t>
-            </a:r>
-            <a:r>
-              <a:rPr lang="nl-NL" dirty="0"/>
-              <a:t> </a:t>
-            </a:r>
-            <a:r>
-              <a:rPr lang="nl-NL" dirty="0" err="1"/>
-              <a:t>than</a:t>
-            </a:r>
-            <a:r>
-              <a:rPr lang="nl-NL" dirty="0"/>
-              <a:t> cv2:</a:t>
-            </a:r>
-          </a:p>
-          <a:p>
-            <a:pPr marL="342900" lvl="1" indent="-342900">
+            <a:endParaRPr lang="nl-NL" dirty="0"/>
+          </a:p>
+          <a:p>
+            <a:pPr marL="285750" indent="-285750">
               <a:buFont typeface="Arial" panose="020B0604020202020204" pitchFamily="34" charset="0"/>
               <a:buChar char="•"/>
             </a:pPr>
             <a:r>
-              <a:rPr lang="nl-NL" sz="1600" dirty="0"/>
-              <a:t>import cv2.cv as cv</a:t>
-            </a:r>
-            <a:endParaRPr lang="en-US" sz="1600" dirty="0"/>
+              <a:rPr lang="nl-NL" dirty="0" err="1"/>
+              <a:t>Sometimes</a:t>
+            </a:r>
+            <a:r>
+              <a:rPr lang="nl-NL" dirty="0"/>
+              <a:t> </a:t>
+            </a:r>
+            <a:r>
+              <a:rPr lang="nl-NL" dirty="0" err="1"/>
+              <a:t>old</a:t>
+            </a:r>
+            <a:r>
+              <a:rPr lang="nl-NL" dirty="0"/>
+              <a:t> code </a:t>
+            </a:r>
+            <a:r>
+              <a:rPr lang="nl-NL" dirty="0" err="1"/>
+              <a:t>uses</a:t>
+            </a:r>
+            <a:r>
+              <a:rPr lang="nl-NL" dirty="0"/>
+              <a:t> cv </a:t>
+            </a:r>
+            <a:r>
+              <a:rPr lang="nl-NL" dirty="0" err="1"/>
+              <a:t>rather</a:t>
+            </a:r>
+            <a:r>
+              <a:rPr lang="nl-NL" dirty="0"/>
+              <a:t> </a:t>
+            </a:r>
+            <a:r>
+              <a:rPr lang="nl-NL" dirty="0" err="1"/>
+              <a:t>than</a:t>
+            </a:r>
+            <a:r>
+              <a:rPr lang="nl-NL" dirty="0"/>
+              <a:t> cv2:</a:t>
+            </a:r>
+          </a:p>
+          <a:p>
+            <a:pPr marL="545400" lvl="2" indent="-342900"/>
+            <a:r>
+              <a:rPr lang="nl-NL" dirty="0"/>
+              <a:t>import cv2.cv as cv (</a:t>
+            </a:r>
+            <a:r>
+              <a:rPr lang="nl-NL" dirty="0" err="1"/>
+              <a:t>this</a:t>
+            </a:r>
+            <a:r>
+              <a:rPr lang="nl-NL" dirty="0"/>
+              <a:t> </a:t>
+            </a:r>
+            <a:r>
+              <a:rPr lang="nl-NL" dirty="0" err="1"/>
+              <a:t>will</a:t>
+            </a:r>
+            <a:r>
+              <a:rPr lang="nl-NL" dirty="0"/>
+              <a:t> </a:t>
+            </a:r>
+            <a:r>
+              <a:rPr lang="nl-NL" dirty="0" err="1"/>
+              <a:t>not</a:t>
+            </a:r>
+            <a:r>
+              <a:rPr lang="nl-NL" dirty="0"/>
+              <a:t> </a:t>
+            </a:r>
+            <a:r>
+              <a:rPr lang="nl-NL" dirty="0" err="1"/>
+              <a:t>work</a:t>
+            </a:r>
+            <a:r>
+              <a:rPr lang="nl-NL" dirty="0"/>
+              <a:t> for </a:t>
+            </a:r>
+            <a:r>
+              <a:rPr lang="nl-NL" dirty="0" err="1"/>
+              <a:t>newer</a:t>
+            </a:r>
+            <a:r>
+              <a:rPr lang="nl-NL" dirty="0"/>
+              <a:t> </a:t>
+            </a:r>
+            <a:r>
+              <a:rPr lang="nl-NL" dirty="0" err="1"/>
+              <a:t>versions</a:t>
+            </a:r>
+            <a:r>
+              <a:rPr lang="nl-NL" dirty="0"/>
+              <a:t> of cv2, </a:t>
+            </a:r>
+            <a:r>
+              <a:rPr lang="nl-NL" dirty="0" err="1"/>
+              <a:t>only</a:t>
+            </a:r>
+            <a:r>
+              <a:rPr lang="nl-NL" dirty="0"/>
+              <a:t> for </a:t>
+            </a:r>
+            <a:r>
+              <a:rPr lang="nl-NL" dirty="0" err="1"/>
+              <a:t>old</a:t>
+            </a:r>
+            <a:r>
+              <a:rPr lang="nl-NL" dirty="0"/>
+              <a:t> </a:t>
+            </a:r>
+            <a:r>
+              <a:rPr lang="nl-NL" dirty="0" err="1"/>
+              <a:t>versions</a:t>
+            </a:r>
+            <a:r>
+              <a:rPr lang="nl-NL" dirty="0"/>
+              <a:t> like 2.4)</a:t>
+            </a:r>
+            <a:endParaRPr lang="en-US" dirty="0"/>
           </a:p>
           <a:p>
             <a:pPr marL="342900" lvl="1" indent="-342900">
@@ -15152,10 +15361,7 @@
             <a:endParaRPr lang="nl-NL" dirty="0"/>
           </a:p>
           <a:p>
-            <a:pPr marL="285750" indent="-285750">
-              <a:buFont typeface="Arial" panose="020B0604020202020204" pitchFamily="34" charset="0"/>
-              <a:buChar char="•"/>
-            </a:pPr>
+            <a:pPr marL="488250" lvl="2" indent="-285750"/>
             <a:r>
               <a:rPr lang="nl-NL" dirty="0" err="1"/>
               <a:t>To</a:t>
@@ -15238,10 +15444,7 @@
             </a:r>
           </a:p>
           <a:p>
-            <a:pPr marL="342900" lvl="1" indent="-342900">
-              <a:buFont typeface="Arial" panose="020B0604020202020204" pitchFamily="34" charset="0"/>
-              <a:buChar char="•"/>
-            </a:pPr>
+            <a:pPr marL="488250" lvl="2" indent="-285750"/>
             <a:r>
               <a:rPr lang="nl-NL" sz="1600" dirty="0" err="1"/>
               <a:t>from</a:t>
@@ -15252,10 +15455,7 @@
             </a:r>
           </a:p>
           <a:p>
-            <a:pPr marL="285750" indent="-285750">
-              <a:buFont typeface="Arial" panose="020B0604020202020204" pitchFamily="34" charset="0"/>
-              <a:buChar char="•"/>
-            </a:pPr>
+            <a:pPr marL="488250" lvl="2" indent="-285750"/>
             <a:r>
               <a:rPr lang="nl-NL" dirty="0" err="1"/>
               <a:t>This</a:t>

--- a/Nao and Pepper.pptx
+++ b/Nao and Pepper.pptx
@@ -250,7 +250,7 @@
           <a:p>
             <a:fld id="{243AB38A-B1B6-4CF4-9737-E1E5C73DA86F}" type="datetimeFigureOut">
               <a:rPr lang="nl-NL" smtClean="0"/>
-              <a:t>9-5-2019</a:t>
+              <a:t>23-04-2024</a:t>
             </a:fld>
             <a:endParaRPr lang="nl-NL"/>
           </a:p>
@@ -415,7 +415,7 @@
           <a:p>
             <a:fld id="{87012C6B-C807-4014-B6D4-CCA33426A2F8}" type="datetimeFigureOut">
               <a:rPr lang="nl-NL" smtClean="0"/>
-              <a:t>7-5-2019</a:t>
+              <a:t>23-04-2024</a:t>
             </a:fld>
             <a:endParaRPr lang="nl-NL"/>
           </a:p>
@@ -6923,7 +6923,7 @@
       </a:lvl9pPr>
     </p:otherStyle>
   </p:txStyles>
-  <p:extLst mod="1">
+  <p:extLst>
     <p:ext uri="{27BBF7A9-308A-43DC-89C8-2F10F3537804}">
       <p15:sldGuideLst xmlns:p15="http://schemas.microsoft.com/office/powerpoint/2012/main">
         <p15:guide id="1" orient="horz" pos="2879" userDrawn="1">
@@ -14851,12 +14851,20 @@
               <a:t> 			</a:t>
             </a:r>
             <a:r>
-              <a:rPr lang="en-US" dirty="0">
+              <a:rPr lang="en-US" strike="sngStrike" dirty="0">
                 <a:solidFill>
                   <a:srgbClr val="F8AD18"/>
                 </a:solidFill>
               </a:rPr>
-              <a:t>Marvin</a:t>
+              <a:t>Marvin </a:t>
+            </a:r>
+            <a:r>
+              <a:rPr lang="en-US" dirty="0">
+                <a:solidFill>
+                  <a:schemeClr val="tx1"/>
+                </a:solidFill>
+              </a:rPr>
+              <a:t>???</a:t>
             </a:r>
           </a:p>
           <a:p>

--- a/Nao and Pepper.pptx
+++ b/Nao and Pepper.pptx
@@ -5,10 +5,10 @@
     <p:sldMasterId id="2147483648" r:id="rId1"/>
   </p:sldMasterIdLst>
   <p:notesMasterIdLst>
-    <p:notesMasterId r:id="rId39"/>
+    <p:notesMasterId r:id="rId41"/>
   </p:notesMasterIdLst>
   <p:handoutMasterIdLst>
-    <p:handoutMasterId r:id="rId40"/>
+    <p:handoutMasterId r:id="rId42"/>
   </p:handoutMasterIdLst>
   <p:sldIdLst>
     <p:sldId id="271" r:id="rId2"/>
@@ -21,33 +21,35 @@
     <p:sldId id="349" r:id="rId9"/>
     <p:sldId id="344" r:id="rId10"/>
     <p:sldId id="350" r:id="rId11"/>
-    <p:sldId id="351" r:id="rId12"/>
-    <p:sldId id="360" r:id="rId13"/>
-    <p:sldId id="352" r:id="rId14"/>
-    <p:sldId id="353" r:id="rId15"/>
-    <p:sldId id="354" r:id="rId16"/>
-    <p:sldId id="355" r:id="rId17"/>
-    <p:sldId id="358" r:id="rId18"/>
-    <p:sldId id="357" r:id="rId19"/>
-    <p:sldId id="356" r:id="rId20"/>
-    <p:sldId id="371" r:id="rId21"/>
-    <p:sldId id="372" r:id="rId22"/>
-    <p:sldId id="370" r:id="rId23"/>
-    <p:sldId id="373" r:id="rId24"/>
-    <p:sldId id="361" r:id="rId25"/>
-    <p:sldId id="359" r:id="rId26"/>
-    <p:sldId id="374" r:id="rId27"/>
-    <p:sldId id="362" r:id="rId28"/>
-    <p:sldId id="363" r:id="rId29"/>
-    <p:sldId id="364" r:id="rId30"/>
-    <p:sldId id="365" r:id="rId31"/>
-    <p:sldId id="367" r:id="rId32"/>
-    <p:sldId id="368" r:id="rId33"/>
-    <p:sldId id="375" r:id="rId34"/>
-    <p:sldId id="378" r:id="rId35"/>
-    <p:sldId id="379" r:id="rId36"/>
-    <p:sldId id="380" r:id="rId37"/>
-    <p:sldId id="369" r:id="rId38"/>
+    <p:sldId id="382" r:id="rId12"/>
+    <p:sldId id="351" r:id="rId13"/>
+    <p:sldId id="360" r:id="rId14"/>
+    <p:sldId id="352" r:id="rId15"/>
+    <p:sldId id="353" r:id="rId16"/>
+    <p:sldId id="354" r:id="rId17"/>
+    <p:sldId id="355" r:id="rId18"/>
+    <p:sldId id="358" r:id="rId19"/>
+    <p:sldId id="357" r:id="rId20"/>
+    <p:sldId id="356" r:id="rId21"/>
+    <p:sldId id="371" r:id="rId22"/>
+    <p:sldId id="381" r:id="rId23"/>
+    <p:sldId id="372" r:id="rId24"/>
+    <p:sldId id="370" r:id="rId25"/>
+    <p:sldId id="373" r:id="rId26"/>
+    <p:sldId id="361" r:id="rId27"/>
+    <p:sldId id="359" r:id="rId28"/>
+    <p:sldId id="374" r:id="rId29"/>
+    <p:sldId id="362" r:id="rId30"/>
+    <p:sldId id="363" r:id="rId31"/>
+    <p:sldId id="364" r:id="rId32"/>
+    <p:sldId id="365" r:id="rId33"/>
+    <p:sldId id="367" r:id="rId34"/>
+    <p:sldId id="368" r:id="rId35"/>
+    <p:sldId id="375" r:id="rId36"/>
+    <p:sldId id="378" r:id="rId37"/>
+    <p:sldId id="379" r:id="rId38"/>
+    <p:sldId id="380" r:id="rId39"/>
+    <p:sldId id="369" r:id="rId40"/>
   </p:sldIdLst>
   <p:sldSz cx="9144000" cy="5143500" type="screen16x9"/>
   <p:notesSz cx="6858000" cy="9144000"/>
@@ -250,7 +252,7 @@
           <a:p>
             <a:fld id="{243AB38A-B1B6-4CF4-9737-E1E5C73DA86F}" type="datetimeFigureOut">
               <a:rPr lang="nl-NL" smtClean="0"/>
-              <a:t>23-04-2024</a:t>
+              <a:t>13-02-2025</a:t>
             </a:fld>
             <a:endParaRPr lang="nl-NL"/>
           </a:p>
@@ -415,7 +417,7 @@
           <a:p>
             <a:fld id="{87012C6B-C807-4014-B6D4-CCA33426A2F8}" type="datetimeFigureOut">
               <a:rPr lang="nl-NL" smtClean="0"/>
-              <a:t>23-04-2024</a:t>
+              <a:t>13-02-2025</a:t>
             </a:fld>
             <a:endParaRPr lang="nl-NL"/>
           </a:p>
@@ -868,7 +870,13 @@
   <p:cSld>
     <p:spTree>
       <p:nvGrpSpPr>
-        <p:cNvPr id="1" name=""/>
+        <p:cNvPr id="1" name="">
+          <a:extLst>
+            <a:ext uri="{FF2B5EF4-FFF2-40B4-BE49-F238E27FC236}">
+              <a16:creationId xmlns:a16="http://schemas.microsoft.com/office/drawing/2014/main" id="{ECFE4AED-6C6B-6FB2-4E9A-744839B95B45}"/>
+            </a:ext>
+          </a:extLst>
+        </p:cNvPr>
         <p:cNvGrpSpPr/>
         <p:nvPr/>
       </p:nvGrpSpPr>
@@ -882,7 +890,13 @@
       </p:grpSpPr>
       <p:sp>
         <p:nvSpPr>
-          <p:cNvPr id="2" name="Tijdelijke aanduiding voor dia-afbeelding 1"/>
+          <p:cNvPr id="2" name="Tijdelijke aanduiding voor dia-afbeelding 1">
+            <a:extLst>
+              <a:ext uri="{FF2B5EF4-FFF2-40B4-BE49-F238E27FC236}">
+                <a16:creationId xmlns:a16="http://schemas.microsoft.com/office/drawing/2014/main" id="{7EF069AD-E0DB-09FB-5FE6-31C6C24B9132}"/>
+              </a:ext>
+            </a:extLst>
+          </p:cNvPr>
           <p:cNvSpPr>
             <a:spLocks noGrp="1" noRot="1" noChangeAspect="1"/>
           </p:cNvSpPr>
@@ -899,7 +913,13 @@
       </p:sp>
       <p:sp>
         <p:nvSpPr>
-          <p:cNvPr id="3" name="Tijdelijke aanduiding voor notities 2"/>
+          <p:cNvPr id="3" name="Tijdelijke aanduiding voor notities 2">
+            <a:extLst>
+              <a:ext uri="{FF2B5EF4-FFF2-40B4-BE49-F238E27FC236}">
+                <a16:creationId xmlns:a16="http://schemas.microsoft.com/office/drawing/2014/main" id="{C8E94007-E8C9-CD4E-381B-F0F12721A980}"/>
+              </a:ext>
+            </a:extLst>
+          </p:cNvPr>
           <p:cNvSpPr>
             <a:spLocks noGrp="1"/>
           </p:cNvSpPr>
@@ -921,7 +941,13 @@
       </p:sp>
       <p:sp>
         <p:nvSpPr>
-          <p:cNvPr id="4" name="Tijdelijke aanduiding voor dianummer 3"/>
+          <p:cNvPr id="4" name="Tijdelijke aanduiding voor dianummer 3">
+            <a:extLst>
+              <a:ext uri="{FF2B5EF4-FFF2-40B4-BE49-F238E27FC236}">
+                <a16:creationId xmlns:a16="http://schemas.microsoft.com/office/drawing/2014/main" id="{BC2383FC-7A46-0E00-96F8-5AE796E892F0}"/>
+              </a:ext>
+            </a:extLst>
+          </p:cNvPr>
           <p:cNvSpPr>
             <a:spLocks noGrp="1"/>
           </p:cNvSpPr>
@@ -945,7 +971,7 @@
     </p:spTree>
     <p:extLst>
       <p:ext uri="{BB962C8B-B14F-4D97-AF65-F5344CB8AC3E}">
-        <p14:creationId xmlns:p14="http://schemas.microsoft.com/office/powerpoint/2010/main" val="3986931187"/>
+        <p14:creationId xmlns:p14="http://schemas.microsoft.com/office/powerpoint/2010/main" val="3738815898"/>
       </p:ext>
     </p:extLst>
   </p:cSld>
@@ -1037,7 +1063,7 @@
     </p:spTree>
     <p:extLst>
       <p:ext uri="{BB962C8B-B14F-4D97-AF65-F5344CB8AC3E}">
-        <p14:creationId xmlns:p14="http://schemas.microsoft.com/office/powerpoint/2010/main" val="196424675"/>
+        <p14:creationId xmlns:p14="http://schemas.microsoft.com/office/powerpoint/2010/main" val="3986931187"/>
       </p:ext>
     </p:extLst>
   </p:cSld>
@@ -1129,7 +1155,7 @@
     </p:spTree>
     <p:extLst>
       <p:ext uri="{BB962C8B-B14F-4D97-AF65-F5344CB8AC3E}">
-        <p14:creationId xmlns:p14="http://schemas.microsoft.com/office/powerpoint/2010/main" val="998850404"/>
+        <p14:creationId xmlns:p14="http://schemas.microsoft.com/office/powerpoint/2010/main" val="196424675"/>
       </p:ext>
     </p:extLst>
   </p:cSld>
@@ -1221,7 +1247,7 @@
     </p:spTree>
     <p:extLst>
       <p:ext uri="{BB962C8B-B14F-4D97-AF65-F5344CB8AC3E}">
-        <p14:creationId xmlns:p14="http://schemas.microsoft.com/office/powerpoint/2010/main" val="1523283964"/>
+        <p14:creationId xmlns:p14="http://schemas.microsoft.com/office/powerpoint/2010/main" val="998850404"/>
       </p:ext>
     </p:extLst>
   </p:cSld>
@@ -1313,7 +1339,7 @@
     </p:spTree>
     <p:extLst>
       <p:ext uri="{BB962C8B-B14F-4D97-AF65-F5344CB8AC3E}">
-        <p14:creationId xmlns:p14="http://schemas.microsoft.com/office/powerpoint/2010/main" val="1031146334"/>
+        <p14:creationId xmlns:p14="http://schemas.microsoft.com/office/powerpoint/2010/main" val="1523283964"/>
       </p:ext>
     </p:extLst>
   </p:cSld>
@@ -1405,7 +1431,7 @@
     </p:spTree>
     <p:extLst>
       <p:ext uri="{BB962C8B-B14F-4D97-AF65-F5344CB8AC3E}">
-        <p14:creationId xmlns:p14="http://schemas.microsoft.com/office/powerpoint/2010/main" val="3446836446"/>
+        <p14:creationId xmlns:p14="http://schemas.microsoft.com/office/powerpoint/2010/main" val="1031146334"/>
       </p:ext>
     </p:extLst>
   </p:cSld>
@@ -1497,7 +1523,7 @@
     </p:spTree>
     <p:extLst>
       <p:ext uri="{BB962C8B-B14F-4D97-AF65-F5344CB8AC3E}">
-        <p14:creationId xmlns:p14="http://schemas.microsoft.com/office/powerpoint/2010/main" val="3390274745"/>
+        <p14:creationId xmlns:p14="http://schemas.microsoft.com/office/powerpoint/2010/main" val="3446836446"/>
       </p:ext>
     </p:extLst>
   </p:cSld>
@@ -1589,7 +1615,7 @@
     </p:spTree>
     <p:extLst>
       <p:ext uri="{BB962C8B-B14F-4D97-AF65-F5344CB8AC3E}">
-        <p14:creationId xmlns:p14="http://schemas.microsoft.com/office/powerpoint/2010/main" val="2510082046"/>
+        <p14:creationId xmlns:p14="http://schemas.microsoft.com/office/powerpoint/2010/main" val="3390274745"/>
       </p:ext>
     </p:extLst>
   </p:cSld>
@@ -1681,7 +1707,7 @@
     </p:spTree>
     <p:extLst>
       <p:ext uri="{BB962C8B-B14F-4D97-AF65-F5344CB8AC3E}">
-        <p14:creationId xmlns:p14="http://schemas.microsoft.com/office/powerpoint/2010/main" val="1597934851"/>
+        <p14:creationId xmlns:p14="http://schemas.microsoft.com/office/powerpoint/2010/main" val="2510082046"/>
       </p:ext>
     </p:extLst>
   </p:cSld>
@@ -1856,7 +1882,7 @@
           <a:p>
             <a:fld id="{E05A9740-BD37-4DCA-BDC4-7DBBAE15FA30}" type="slidenum">
               <a:rPr lang="en-US" smtClean="0"/>
-              <a:t>24</a:t>
+              <a:t>20</a:t>
             </a:fld>
             <a:endParaRPr lang="en-US" dirty="0"/>
           </a:p>
@@ -1865,7 +1891,7 @@
     </p:spTree>
     <p:extLst>
       <p:ext uri="{BB962C8B-B14F-4D97-AF65-F5344CB8AC3E}">
-        <p14:creationId xmlns:p14="http://schemas.microsoft.com/office/powerpoint/2010/main" val="2030335954"/>
+        <p14:creationId xmlns:p14="http://schemas.microsoft.com/office/powerpoint/2010/main" val="1597934851"/>
       </p:ext>
     </p:extLst>
   </p:cSld>
@@ -1948,7 +1974,7 @@
           <a:p>
             <a:fld id="{E05A9740-BD37-4DCA-BDC4-7DBBAE15FA30}" type="slidenum">
               <a:rPr lang="en-US" smtClean="0"/>
-              <a:t>25</a:t>
+              <a:t>26</a:t>
             </a:fld>
             <a:endParaRPr lang="en-US" dirty="0"/>
           </a:p>
@@ -1957,7 +1983,7 @@
     </p:spTree>
     <p:extLst>
       <p:ext uri="{BB962C8B-B14F-4D97-AF65-F5344CB8AC3E}">
-        <p14:creationId xmlns:p14="http://schemas.microsoft.com/office/powerpoint/2010/main" val="3889613162"/>
+        <p14:creationId xmlns:p14="http://schemas.microsoft.com/office/powerpoint/2010/main" val="2030335954"/>
       </p:ext>
     </p:extLst>
   </p:cSld>
@@ -2049,7 +2075,7 @@
     </p:spTree>
     <p:extLst>
       <p:ext uri="{BB962C8B-B14F-4D97-AF65-F5344CB8AC3E}">
-        <p14:creationId xmlns:p14="http://schemas.microsoft.com/office/powerpoint/2010/main" val="2795259812"/>
+        <p14:creationId xmlns:p14="http://schemas.microsoft.com/office/powerpoint/2010/main" val="3889613162"/>
       </p:ext>
     </p:extLst>
   </p:cSld>
@@ -2132,7 +2158,7 @@
           <a:p>
             <a:fld id="{E05A9740-BD37-4DCA-BDC4-7DBBAE15FA30}" type="slidenum">
               <a:rPr lang="en-US" smtClean="0"/>
-              <a:t>28</a:t>
+              <a:t>29</a:t>
             </a:fld>
             <a:endParaRPr lang="en-US" dirty="0"/>
           </a:p>
@@ -2141,7 +2167,7 @@
     </p:spTree>
     <p:extLst>
       <p:ext uri="{BB962C8B-B14F-4D97-AF65-F5344CB8AC3E}">
-        <p14:creationId xmlns:p14="http://schemas.microsoft.com/office/powerpoint/2010/main" val="1194349380"/>
+        <p14:creationId xmlns:p14="http://schemas.microsoft.com/office/powerpoint/2010/main" val="2795259812"/>
       </p:ext>
     </p:extLst>
   </p:cSld>
@@ -2224,7 +2250,7 @@
           <a:p>
             <a:fld id="{E05A9740-BD37-4DCA-BDC4-7DBBAE15FA30}" type="slidenum">
               <a:rPr lang="en-US" smtClean="0"/>
-              <a:t>29</a:t>
+              <a:t>30</a:t>
             </a:fld>
             <a:endParaRPr lang="en-US" dirty="0"/>
           </a:p>
@@ -2233,7 +2259,7 @@
     </p:spTree>
     <p:extLst>
       <p:ext uri="{BB962C8B-B14F-4D97-AF65-F5344CB8AC3E}">
-        <p14:creationId xmlns:p14="http://schemas.microsoft.com/office/powerpoint/2010/main" val="4122991365"/>
+        <p14:creationId xmlns:p14="http://schemas.microsoft.com/office/powerpoint/2010/main" val="1194349380"/>
       </p:ext>
     </p:extLst>
   </p:cSld>
@@ -2316,7 +2342,7 @@
           <a:p>
             <a:fld id="{E05A9740-BD37-4DCA-BDC4-7DBBAE15FA30}" type="slidenum">
               <a:rPr lang="en-US" smtClean="0"/>
-              <a:t>30</a:t>
+              <a:t>31</a:t>
             </a:fld>
             <a:endParaRPr lang="en-US" dirty="0"/>
           </a:p>
@@ -2325,7 +2351,7 @@
     </p:spTree>
     <p:extLst>
       <p:ext uri="{BB962C8B-B14F-4D97-AF65-F5344CB8AC3E}">
-        <p14:creationId xmlns:p14="http://schemas.microsoft.com/office/powerpoint/2010/main" val="2772319575"/>
+        <p14:creationId xmlns:p14="http://schemas.microsoft.com/office/powerpoint/2010/main" val="4122991365"/>
       </p:ext>
     </p:extLst>
   </p:cSld>
@@ -2408,7 +2434,7 @@
           <a:p>
             <a:fld id="{E05A9740-BD37-4DCA-BDC4-7DBBAE15FA30}" type="slidenum">
               <a:rPr lang="en-US" smtClean="0"/>
-              <a:t>31</a:t>
+              <a:t>32</a:t>
             </a:fld>
             <a:endParaRPr lang="en-US" dirty="0"/>
           </a:p>
@@ -2417,7 +2443,7 @@
     </p:spTree>
     <p:extLst>
       <p:ext uri="{BB962C8B-B14F-4D97-AF65-F5344CB8AC3E}">
-        <p14:creationId xmlns:p14="http://schemas.microsoft.com/office/powerpoint/2010/main" val="963013518"/>
+        <p14:creationId xmlns:p14="http://schemas.microsoft.com/office/powerpoint/2010/main" val="2772319575"/>
       </p:ext>
     </p:extLst>
   </p:cSld>
@@ -2500,7 +2526,7 @@
           <a:p>
             <a:fld id="{E05A9740-BD37-4DCA-BDC4-7DBBAE15FA30}" type="slidenum">
               <a:rPr lang="en-US" smtClean="0"/>
-              <a:t>32</a:t>
+              <a:t>33</a:t>
             </a:fld>
             <a:endParaRPr lang="en-US" dirty="0"/>
           </a:p>
@@ -2509,7 +2535,7 @@
     </p:spTree>
     <p:extLst>
       <p:ext uri="{BB962C8B-B14F-4D97-AF65-F5344CB8AC3E}">
-        <p14:creationId xmlns:p14="http://schemas.microsoft.com/office/powerpoint/2010/main" val="4199799485"/>
+        <p14:creationId xmlns:p14="http://schemas.microsoft.com/office/powerpoint/2010/main" val="963013518"/>
       </p:ext>
     </p:extLst>
   </p:cSld>
@@ -2592,7 +2618,99 @@
           <a:p>
             <a:fld id="{E05A9740-BD37-4DCA-BDC4-7DBBAE15FA30}" type="slidenum">
               <a:rPr lang="en-US" smtClean="0"/>
-              <a:t>37</a:t>
+              <a:t>34</a:t>
+            </a:fld>
+            <a:endParaRPr lang="en-US" dirty="0"/>
+          </a:p>
+        </p:txBody>
+      </p:sp>
+    </p:spTree>
+    <p:extLst>
+      <p:ext uri="{BB962C8B-B14F-4D97-AF65-F5344CB8AC3E}">
+        <p14:creationId xmlns:p14="http://schemas.microsoft.com/office/powerpoint/2010/main" val="4199799485"/>
+      </p:ext>
+    </p:extLst>
+  </p:cSld>
+  <p:clrMapOvr>
+    <a:masterClrMapping/>
+  </p:clrMapOvr>
+</p:notes>
+</file>
+
+<file path=ppt/notesSlides/notesSlide29.xml><?xml version="1.0" encoding="utf-8"?>
+<p:notes xmlns:a="http://schemas.openxmlformats.org/drawingml/2006/main" xmlns:r="http://schemas.openxmlformats.org/officeDocument/2006/relationships" xmlns:p="http://schemas.openxmlformats.org/presentationml/2006/main">
+  <p:cSld>
+    <p:spTree>
+      <p:nvGrpSpPr>
+        <p:cNvPr id="1" name=""/>
+        <p:cNvGrpSpPr/>
+        <p:nvPr/>
+      </p:nvGrpSpPr>
+      <p:grpSpPr>
+        <a:xfrm>
+          <a:off x="0" y="0"/>
+          <a:ext cx="0" cy="0"/>
+          <a:chOff x="0" y="0"/>
+          <a:chExt cx="0" cy="0"/>
+        </a:xfrm>
+      </p:grpSpPr>
+      <p:sp>
+        <p:nvSpPr>
+          <p:cNvPr id="2" name="Tijdelijke aanduiding voor dia-afbeelding 1"/>
+          <p:cNvSpPr>
+            <a:spLocks noGrp="1" noRot="1" noChangeAspect="1"/>
+          </p:cNvSpPr>
+          <p:nvPr>
+            <p:ph type="sldImg"/>
+          </p:nvPr>
+        </p:nvSpPr>
+        <p:spPr>
+          <a:xfrm>
+            <a:off x="685800" y="1143000"/>
+            <a:ext cx="5486400" cy="3086100"/>
+          </a:xfrm>
+        </p:spPr>
+      </p:sp>
+      <p:sp>
+        <p:nvSpPr>
+          <p:cNvPr id="3" name="Tijdelijke aanduiding voor notities 2"/>
+          <p:cNvSpPr>
+            <a:spLocks noGrp="1"/>
+          </p:cNvSpPr>
+          <p:nvPr>
+            <p:ph type="body" idx="1"/>
+          </p:nvPr>
+        </p:nvSpPr>
+        <p:spPr/>
+        <p:txBody>
+          <a:bodyPr/>
+          <a:lstStyle/>
+          <a:p>
+            <a:endParaRPr lang="en-US" baseline="0" dirty="0"/>
+          </a:p>
+          <a:p>
+            <a:endParaRPr lang="en-US" dirty="0"/>
+          </a:p>
+        </p:txBody>
+      </p:sp>
+      <p:sp>
+        <p:nvSpPr>
+          <p:cNvPr id="4" name="Tijdelijke aanduiding voor dianummer 3"/>
+          <p:cNvSpPr>
+            <a:spLocks noGrp="1"/>
+          </p:cNvSpPr>
+          <p:nvPr>
+            <p:ph type="sldNum" sz="quarter" idx="10"/>
+          </p:nvPr>
+        </p:nvSpPr>
+        <p:spPr/>
+        <p:txBody>
+          <a:bodyPr/>
+          <a:lstStyle/>
+          <a:p>
+            <a:fld id="{E05A9740-BD37-4DCA-BDC4-7DBBAE15FA30}" type="slidenum">
+              <a:rPr lang="en-US" smtClean="0"/>
+              <a:t>39</a:t>
             </a:fld>
             <a:endParaRPr lang="en-US" dirty="0"/>
           </a:p>
@@ -7426,150 +7544,90 @@
               <a:buNone/>
             </a:pPr>
             <a:r>
-              <a:rPr lang="en-US" dirty="0"/>
-              <a:t>Send a meeting request to one of the robots:</a:t>
+              <a:rPr lang="en-US" sz="2000" b="1" dirty="0"/>
+              <a:t>NOT necessary for course 0HVR00 and 0HM280!</a:t>
             </a:r>
           </a:p>
           <a:p>
             <a:pPr marL="0" lvl="2" indent="0">
               <a:buNone/>
             </a:pPr>
+            <a:endParaRPr lang="en-US" sz="2000" dirty="0"/>
+          </a:p>
+          <a:p>
+            <a:pPr marL="342900" lvl="2" indent="-342900">
+              <a:buFont typeface="+mj-lt"/>
+              <a:buAutoNum type="arabicPeriod"/>
+            </a:pPr>
+            <a:r>
+              <a:rPr lang="en-US" dirty="0"/>
+              <a:t>Complete the Robot Tutorial Workshop and we will register your name</a:t>
+            </a:r>
+          </a:p>
+          <a:p>
+            <a:pPr marL="342900" lvl="2" indent="-342900">
+              <a:buFont typeface="+mj-lt"/>
+              <a:buAutoNum type="arabicPeriod"/>
+            </a:pPr>
+            <a:r>
+              <a:rPr lang="en-US" dirty="0"/>
+              <a:t>Go to cluster market, login with your student account at </a:t>
+            </a:r>
             <a:r>
               <a:rPr lang="en-US" dirty="0">
                 <a:hlinkClick r:id="rId3"/>
               </a:rPr>
-              <a:t>Hti.pepper.eve@tue.nl</a:t>
-            </a:r>
-            <a:endParaRPr lang="en-US" dirty="0"/>
-          </a:p>
-          <a:p>
-            <a:pPr marL="0" lvl="2" indent="0">
-              <a:buNone/>
+              <a:t>https://clustermarket.com</a:t>
+            </a:r>
+            <a:endParaRPr lang="en-US" dirty="0"/>
+          </a:p>
+          <a:p>
+            <a:pPr lvl="3"/>
+            <a:r>
+              <a:rPr lang="en-US" dirty="0"/>
+              <a:t>Choose H&amp;T Labs Reservation System and select the robot from Equipment</a:t>
+            </a:r>
+          </a:p>
+          <a:p>
+            <a:pPr lvl="3"/>
+            <a:r>
+              <a:rPr lang="en-US" dirty="0"/>
+              <a:t>Schedule a time slot</a:t>
+            </a:r>
+          </a:p>
+          <a:p>
+            <a:pPr marL="342900" indent="-342900">
+              <a:buFont typeface="+mj-lt"/>
+              <a:buAutoNum type="arabicPeriod" startAt="3"/>
             </a:pPr>
             <a:r>
-              <a:rPr lang="en-US" dirty="0">
-                <a:hlinkClick r:id="rId4"/>
-              </a:rPr>
-              <a:t>Hti.nao.bender@tue.nl</a:t>
-            </a:r>
-            <a:endParaRPr lang="en-US" dirty="0"/>
-          </a:p>
-          <a:p>
-            <a:pPr marL="0" lvl="2" indent="0">
-              <a:buNone/>
+              <a:rPr lang="en-US" dirty="0"/>
+              <a:t>Reserve a lab/room (Atlas building only) for using the robot using cluster market</a:t>
+            </a:r>
+          </a:p>
+          <a:p>
+            <a:pPr marL="545400" lvl="2" indent="-342900"/>
+            <a:r>
+              <a:rPr lang="en-US" dirty="0"/>
+              <a:t>Works the same as equipment</a:t>
+            </a:r>
+          </a:p>
+          <a:p>
+            <a:pPr marL="342900" indent="-342900">
+              <a:buFont typeface="+mj-lt"/>
+              <a:buAutoNum type="arabicPeriod" startAt="3"/>
             </a:pPr>
             <a:r>
-              <a:rPr lang="en-US" dirty="0">
-                <a:hlinkClick r:id="rId5"/>
-              </a:rPr>
-              <a:t>Hti.nao.marvin@tue.nl</a:t>
-            </a:r>
-            <a:endParaRPr lang="en-US" dirty="0"/>
-          </a:p>
-          <a:p>
-            <a:pPr marL="0" lvl="2" indent="0">
-              <a:buNone/>
-            </a:pPr>
-            <a:endParaRPr lang="en-US" dirty="0"/>
-          </a:p>
-          <a:p>
-            <a:pPr marL="0" lvl="2" indent="0">
-              <a:buNone/>
-            </a:pPr>
-            <a:r>
-              <a:rPr lang="en-US" dirty="0"/>
-              <a:t>Include in your meeting request:</a:t>
-            </a:r>
-          </a:p>
-          <a:p>
-            <a:pPr lvl="2"/>
-            <a:r>
-              <a:rPr lang="en-US" dirty="0"/>
-              <a:t>Names of people who will work with the robot</a:t>
-            </a:r>
-          </a:p>
-          <a:p>
-            <a:pPr lvl="2"/>
-            <a:r>
-              <a:rPr lang="en-US" dirty="0"/>
-              <a:t>Location in Atlas</a:t>
-            </a:r>
-          </a:p>
-          <a:p>
-            <a:pPr lvl="3"/>
-            <a:r>
-              <a:rPr lang="en-US" dirty="0"/>
-              <a:t>preferably the social robotics lab (also needs to be reserved)</a:t>
-            </a:r>
-          </a:p>
-          <a:p>
-            <a:pPr lvl="3"/>
-            <a:r>
-              <a:rPr lang="en-US" dirty="0"/>
-              <a:t>Preferable on the 8</a:t>
-            </a:r>
-            <a:r>
-              <a:rPr lang="en-US" baseline="30000" dirty="0"/>
-              <a:t>th</a:t>
-            </a:r>
-            <a:r>
-              <a:rPr lang="en-US" dirty="0"/>
-              <a:t> or 9</a:t>
-            </a:r>
-            <a:r>
-              <a:rPr lang="en-US" baseline="30000" dirty="0"/>
-              <a:t>th</a:t>
-            </a:r>
-            <a:r>
-              <a:rPr lang="en-US" dirty="0"/>
-              <a:t> floor</a:t>
-            </a:r>
-          </a:p>
-          <a:p>
-            <a:pPr lvl="2"/>
-            <a:r>
-              <a:rPr lang="en-US" dirty="0"/>
-              <a:t>Reason of reservation (experiment or testing)</a:t>
-            </a:r>
-          </a:p>
-          <a:p>
-            <a:pPr lvl="2"/>
-            <a:r>
-              <a:rPr lang="en-US" dirty="0"/>
-              <a:t>Phone number of one of the students who is using it.</a:t>
-            </a:r>
-          </a:p>
-          <a:p>
-            <a:pPr marL="0" lvl="2" indent="0">
-              <a:buNone/>
-            </a:pPr>
-            <a:endParaRPr lang="en-US" dirty="0"/>
-          </a:p>
-          <a:p>
-            <a:pPr marL="0" lvl="2" indent="0">
-              <a:buNone/>
-            </a:pPr>
-            <a:endParaRPr lang="en-US" dirty="0"/>
-          </a:p>
-          <a:p>
-            <a:pPr marL="0" lvl="2" indent="0">
-              <a:buNone/>
-            </a:pPr>
-            <a:endParaRPr lang="en-US" dirty="0"/>
-          </a:p>
-          <a:p>
-            <a:pPr marL="0" lvl="2" indent="0">
-              <a:buNone/>
-            </a:pPr>
-            <a:endParaRPr lang="en-US" dirty="0"/>
-          </a:p>
-          <a:p>
-            <a:pPr lvl="2"/>
-            <a:endParaRPr lang="en-US" dirty="0"/>
-          </a:p>
-          <a:p>
-            <a:pPr lvl="2"/>
-            <a:endParaRPr lang="en-US" dirty="0"/>
+              <a:rPr lang="en-US" dirty="0"/>
+              <a:t>Notify the appropriate HTI staff member/Lab support</a:t>
+            </a:r>
+          </a:p>
+          <a:p>
+            <a:pPr marL="545400" lvl="2" indent="-342900"/>
+            <a:r>
+              <a:rPr lang="en-US" dirty="0"/>
+              <a:t>Only when it is accepted you an receive the robot(s)</a:t>
+            </a:r>
           </a:p>
           <a:p>
             <a:pPr marL="0" lvl="2" indent="0">
@@ -7655,7 +7713,13 @@
   <p:cSld>
     <p:spTree>
       <p:nvGrpSpPr>
-        <p:cNvPr id="1" name=""/>
+        <p:cNvPr id="1" name="">
+          <a:extLst>
+            <a:ext uri="{FF2B5EF4-FFF2-40B4-BE49-F238E27FC236}">
+              <a16:creationId xmlns:a16="http://schemas.microsoft.com/office/drawing/2014/main" id="{41EF562C-36BE-4D3C-DE9D-45A1CAE13B39}"/>
+            </a:ext>
+          </a:extLst>
+        </p:cNvPr>
         <p:cNvGrpSpPr/>
         <p:nvPr/>
       </p:nvGrpSpPr>
@@ -7669,39 +7733,188 @@
       </p:grpSpPr>
       <p:sp>
         <p:nvSpPr>
-          <p:cNvPr id="2" name="Titel 1"/>
+          <p:cNvPr id="2" name="Titel 1">
+            <a:extLst>
+              <a:ext uri="{FF2B5EF4-FFF2-40B4-BE49-F238E27FC236}">
+                <a16:creationId xmlns:a16="http://schemas.microsoft.com/office/drawing/2014/main" id="{396A341B-C6D0-FCFB-28FB-2864665A64EE}"/>
+              </a:ext>
+            </a:extLst>
+          </p:cNvPr>
           <p:cNvSpPr>
             <a:spLocks noGrp="1"/>
           </p:cNvSpPr>
           <p:nvPr>
             <p:ph type="title"/>
+          </p:nvPr>
+        </p:nvSpPr>
+        <p:spPr/>
+        <p:txBody>
+          <a:bodyPr/>
+          <a:lstStyle/>
+          <a:p>
+            <a:r>
+              <a:rPr lang="en-US" dirty="0"/>
+              <a:t>Reserving the robots</a:t>
+            </a:r>
+          </a:p>
+        </p:txBody>
+      </p:sp>
+      <p:sp>
+        <p:nvSpPr>
+          <p:cNvPr id="3" name="Tijdelijke aanduiding voor inhoud 2">
+            <a:extLst>
+              <a:ext uri="{FF2B5EF4-FFF2-40B4-BE49-F238E27FC236}">
+                <a16:creationId xmlns:a16="http://schemas.microsoft.com/office/drawing/2014/main" id="{E45D41FA-E888-4A7A-BC38-413D5A03FD59}"/>
+              </a:ext>
+            </a:extLst>
+          </p:cNvPr>
+          <p:cNvSpPr>
+            <a:spLocks noGrp="1"/>
+          </p:cNvSpPr>
+          <p:nvPr>
+            <p:ph idx="1"/>
           </p:nvPr>
         </p:nvSpPr>
         <p:spPr>
           <a:xfrm>
-            <a:off x="609938" y="3325528"/>
-            <a:ext cx="7923213" cy="394448"/>
+            <a:off x="610099" y="1073150"/>
+            <a:ext cx="7825978" cy="3496469"/>
           </a:xfrm>
         </p:spPr>
         <p:txBody>
           <a:bodyPr/>
           <a:lstStyle/>
           <a:p>
-            <a:r>
-              <a:rPr lang="en-US" dirty="0"/>
-              <a:t>Using </a:t>
-            </a:r>
-            <a:r>
-              <a:rPr lang="en-US" dirty="0" err="1"/>
-              <a:t>Choregraphe</a:t>
-            </a:r>
-            <a:endParaRPr lang="en-US" dirty="0"/>
-          </a:p>
-        </p:txBody>
-      </p:sp>
-      <p:sp>
-        <p:nvSpPr>
-          <p:cNvPr id="4" name="Tijdelijke aanduiding voor voettekst 3"/>
+            <a:pPr marL="0" lvl="2" indent="0">
+              <a:buNone/>
+            </a:pPr>
+            <a:r>
+              <a:rPr lang="en-US" sz="2000" b="1" dirty="0"/>
+              <a:t>NOT necessary for course 0HVR00 and 0HM280!</a:t>
+            </a:r>
+          </a:p>
+          <a:p>
+            <a:pPr marL="0" lvl="2" indent="0">
+              <a:buNone/>
+            </a:pPr>
+            <a:endParaRPr lang="en-US" dirty="0"/>
+          </a:p>
+          <a:p>
+            <a:pPr marL="0" lvl="2" indent="0">
+              <a:buNone/>
+            </a:pPr>
+            <a:r>
+              <a:rPr lang="en-US" dirty="0"/>
+              <a:t>Include in your cluster market time slot:</a:t>
+            </a:r>
+          </a:p>
+          <a:p>
+            <a:pPr lvl="2"/>
+            <a:r>
+              <a:rPr lang="en-US" dirty="0"/>
+              <a:t>Names of people who will work with the robot</a:t>
+            </a:r>
+          </a:p>
+          <a:p>
+            <a:pPr lvl="2"/>
+            <a:r>
+              <a:rPr lang="en-US" dirty="0"/>
+              <a:t>Location in Atlas</a:t>
+            </a:r>
+          </a:p>
+          <a:p>
+            <a:pPr lvl="3"/>
+            <a:r>
+              <a:rPr lang="en-US" dirty="0"/>
+              <a:t>preferably the social robotics lab (also needs to be reserved)</a:t>
+            </a:r>
+          </a:p>
+          <a:p>
+            <a:pPr lvl="3"/>
+            <a:r>
+              <a:rPr lang="en-US" dirty="0"/>
+              <a:t>Preferably on the 8</a:t>
+            </a:r>
+            <a:r>
+              <a:rPr lang="en-US" baseline="30000" dirty="0"/>
+              <a:t>th</a:t>
+            </a:r>
+            <a:r>
+              <a:rPr lang="en-US" dirty="0"/>
+              <a:t> or 9</a:t>
+            </a:r>
+            <a:r>
+              <a:rPr lang="en-US" baseline="30000" dirty="0"/>
+              <a:t>th</a:t>
+            </a:r>
+            <a:r>
+              <a:rPr lang="en-US" dirty="0"/>
+              <a:t> floor</a:t>
+            </a:r>
+          </a:p>
+          <a:p>
+            <a:pPr lvl="2"/>
+            <a:r>
+              <a:rPr lang="en-US" dirty="0"/>
+              <a:t>Reason of reservation (experiment or testing code or education for &lt;course name&gt;)</a:t>
+            </a:r>
+          </a:p>
+          <a:p>
+            <a:pPr lvl="2"/>
+            <a:r>
+              <a:rPr lang="en-US" dirty="0"/>
+              <a:t>Phone number of one of the students who are using it.</a:t>
+            </a:r>
+          </a:p>
+          <a:p>
+            <a:pPr marL="0" lvl="2" indent="0">
+              <a:buNone/>
+            </a:pPr>
+            <a:endParaRPr lang="en-US" dirty="0"/>
+          </a:p>
+          <a:p>
+            <a:pPr marL="0" lvl="2" indent="0">
+              <a:buNone/>
+            </a:pPr>
+            <a:endParaRPr lang="en-US" dirty="0"/>
+          </a:p>
+          <a:p>
+            <a:pPr marL="0" lvl="2" indent="0">
+              <a:buNone/>
+            </a:pPr>
+            <a:endParaRPr lang="en-US" dirty="0"/>
+          </a:p>
+          <a:p>
+            <a:pPr marL="0" lvl="2" indent="0">
+              <a:buNone/>
+            </a:pPr>
+            <a:endParaRPr lang="en-US" dirty="0"/>
+          </a:p>
+          <a:p>
+            <a:pPr lvl="2"/>
+            <a:endParaRPr lang="en-US" dirty="0"/>
+          </a:p>
+          <a:p>
+            <a:pPr lvl="2"/>
+            <a:endParaRPr lang="en-US" dirty="0"/>
+          </a:p>
+          <a:p>
+            <a:pPr marL="0" lvl="2" indent="0">
+              <a:buNone/>
+            </a:pPr>
+            <a:endParaRPr lang="en-US" dirty="0"/>
+          </a:p>
+        </p:txBody>
+      </p:sp>
+      <p:sp>
+        <p:nvSpPr>
+          <p:cNvPr id="4" name="Tijdelijke aanduiding voor voettekst 3">
+            <a:extLst>
+              <a:ext uri="{FF2B5EF4-FFF2-40B4-BE49-F238E27FC236}">
+                <a16:creationId xmlns:a16="http://schemas.microsoft.com/office/drawing/2014/main" id="{6D4D54B6-333C-3E41-AC48-DD12A93ECCE5}"/>
+              </a:ext>
+            </a:extLst>
+          </p:cNvPr>
           <p:cNvSpPr>
             <a:spLocks noGrp="1"/>
           </p:cNvSpPr>
@@ -7723,7 +7936,13 @@
       </p:sp>
       <p:sp>
         <p:nvSpPr>
-          <p:cNvPr id="5" name="Tijdelijke aanduiding voor dianummer 4"/>
+          <p:cNvPr id="5" name="Tijdelijke aanduiding voor dianummer 4">
+            <a:extLst>
+              <a:ext uri="{FF2B5EF4-FFF2-40B4-BE49-F238E27FC236}">
+                <a16:creationId xmlns:a16="http://schemas.microsoft.com/office/drawing/2014/main" id="{0B50E2E8-8C9E-0ED2-A3C4-222C898B92D6}"/>
+              </a:ext>
+            </a:extLst>
+          </p:cNvPr>
           <p:cNvSpPr>
             <a:spLocks noGrp="1"/>
           </p:cNvSpPr>
@@ -7748,20 +7967,20 @@
     </p:spTree>
     <p:extLst>
       <p:ext uri="{BB962C8B-B14F-4D97-AF65-F5344CB8AC3E}">
-        <p14:creationId xmlns:p14="http://schemas.microsoft.com/office/powerpoint/2010/main" val="34913793"/>
+        <p14:creationId xmlns:p14="http://schemas.microsoft.com/office/powerpoint/2010/main" val="2862114015"/>
       </p:ext>
     </p:extLst>
   </p:cSld>
   <p:clrMapOvr>
     <a:masterClrMapping/>
   </p:clrMapOvr>
-  <mc:AlternateContent xmlns:mc="http://schemas.openxmlformats.org/markup-compatibility/2006" xmlns:p14="http://schemas.microsoft.com/office/powerpoint/2010/main">
-    <mc:Choice Requires="p14">
+  <mc:AlternateContent xmlns:mc="http://schemas.openxmlformats.org/markup-compatibility/2006">
+    <mc:Choice xmlns:p14="http://schemas.microsoft.com/office/powerpoint/2010/main" Requires="p14">
       <p:transition spd="med" p14:dur="700">
         <p:fade/>
       </p:transition>
     </mc:Choice>
-    <mc:Fallback xmlns="">
+    <mc:Fallback>
       <p:transition spd="med">
         <p:fade/>
       </p:transition>
@@ -7797,138 +8016,24 @@
             <p:ph type="title"/>
           </p:nvPr>
         </p:nvSpPr>
-        <p:spPr/>
-        <p:txBody>
-          <a:bodyPr/>
-          <a:lstStyle/>
-          <a:p>
-            <a:r>
-              <a:rPr lang="en-US" dirty="0"/>
-              <a:t>Installation</a:t>
-            </a:r>
-          </a:p>
-        </p:txBody>
-      </p:sp>
-      <p:sp>
-        <p:nvSpPr>
-          <p:cNvPr id="3" name="Tijdelijke aanduiding voor inhoud 2"/>
-          <p:cNvSpPr>
-            <a:spLocks noGrp="1"/>
-          </p:cNvSpPr>
-          <p:nvPr>
-            <p:ph idx="1"/>
-          </p:nvPr>
-        </p:nvSpPr>
         <p:spPr>
           <a:xfrm>
-            <a:off x="610099" y="1073150"/>
-            <a:ext cx="7825978" cy="3496469"/>
+            <a:off x="609938" y="3325528"/>
+            <a:ext cx="7923213" cy="394448"/>
           </a:xfrm>
         </p:spPr>
         <p:txBody>
           <a:bodyPr/>
           <a:lstStyle/>
           <a:p>
-            <a:pPr lvl="2"/>
-            <a:r>
-              <a:rPr lang="en-US" dirty="0"/>
-              <a:t>Install </a:t>
+            <a:r>
+              <a:rPr lang="en-US" dirty="0"/>
+              <a:t>Using </a:t>
             </a:r>
             <a:r>
               <a:rPr lang="en-US" dirty="0" err="1"/>
               <a:t>Choregraphe</a:t>
             </a:r>
-            <a:r>
-              <a:rPr lang="en-US" dirty="0"/>
-              <a:t> 2.1.4 for NAO and </a:t>
-            </a:r>
-            <a:r>
-              <a:rPr lang="en-US" dirty="0" err="1"/>
-              <a:t>Choregraphe</a:t>
-            </a:r>
-            <a:r>
-              <a:rPr lang="en-US" dirty="0"/>
-              <a:t> 2.5.10 for Pepper</a:t>
-            </a:r>
-          </a:p>
-          <a:p>
-            <a:pPr lvl="3"/>
-            <a:r>
-              <a:rPr lang="en-US" dirty="0">
-                <a:hlinkClick r:id="rId3"/>
-              </a:rPr>
-              <a:t>https://community.ald.softbankrobotics.com/en/resources/software/language/en-gb</a:t>
-            </a:r>
-            <a:endParaRPr lang="en-US" dirty="0"/>
-          </a:p>
-          <a:p>
-            <a:pPr lvl="3"/>
-            <a:r>
-              <a:rPr lang="en-US" dirty="0"/>
-              <a:t>Create an account</a:t>
-            </a:r>
-          </a:p>
-          <a:p>
-            <a:pPr lvl="3"/>
-            <a:r>
-              <a:rPr lang="en-US" dirty="0"/>
-              <a:t>License is on the same site</a:t>
-            </a:r>
-          </a:p>
-          <a:p>
-            <a:pPr lvl="3"/>
-            <a:endParaRPr lang="en-US" dirty="0"/>
-          </a:p>
-          <a:p>
-            <a:pPr lvl="3"/>
-            <a:endParaRPr lang="en-US" dirty="0"/>
-          </a:p>
-          <a:p>
-            <a:pPr lvl="2"/>
-            <a:endParaRPr lang="en-US" dirty="0"/>
-          </a:p>
-          <a:p>
-            <a:pPr marL="0" lvl="2" indent="0">
-              <a:buNone/>
-            </a:pPr>
-            <a:endParaRPr lang="en-US" dirty="0"/>
-          </a:p>
-          <a:p>
-            <a:pPr marL="202500" lvl="3" indent="0">
-              <a:buNone/>
-            </a:pPr>
-            <a:endParaRPr lang="en-US" dirty="0"/>
-          </a:p>
-          <a:p>
-            <a:pPr marL="0" lvl="2" indent="0">
-              <a:buNone/>
-            </a:pPr>
-            <a:endParaRPr lang="en-US" dirty="0"/>
-          </a:p>
-          <a:p>
-            <a:pPr marL="0" lvl="2" indent="0">
-              <a:buNone/>
-            </a:pPr>
-            <a:endParaRPr lang="en-US" dirty="0"/>
-          </a:p>
-          <a:p>
-            <a:pPr marL="0" lvl="2" indent="0">
-              <a:buNone/>
-            </a:pPr>
-            <a:endParaRPr lang="en-US" dirty="0"/>
-          </a:p>
-          <a:p>
-            <a:pPr lvl="2"/>
-            <a:endParaRPr lang="en-US" dirty="0"/>
-          </a:p>
-          <a:p>
-            <a:pPr lvl="2"/>
-            <a:endParaRPr lang="en-US" dirty="0"/>
-          </a:p>
-          <a:p>
-            <a:pPr marL="0" lvl="2" indent="0">
-              <a:buNone/>
-            </a:pPr>
             <a:endParaRPr lang="en-US" dirty="0"/>
           </a:p>
         </p:txBody>
@@ -7982,7 +8087,7 @@
     </p:spTree>
     <p:extLst>
       <p:ext uri="{BB962C8B-B14F-4D97-AF65-F5344CB8AC3E}">
-        <p14:creationId xmlns:p14="http://schemas.microsoft.com/office/powerpoint/2010/main" val="1167011940"/>
+        <p14:creationId xmlns:p14="http://schemas.microsoft.com/office/powerpoint/2010/main" val="34913793"/>
       </p:ext>
     </p:extLst>
   </p:cSld>
@@ -8038,13 +8143,8 @@
           <a:p>
             <a:r>
               <a:rPr lang="en-US" dirty="0"/>
-              <a:t>Using </a:t>
-            </a:r>
-            <a:r>
-              <a:rPr lang="en-US" dirty="0" err="1"/>
-              <a:t>Choregraphe</a:t>
-            </a:r>
-            <a:endParaRPr lang="en-US" dirty="0"/>
+              <a:t>Installation</a:t>
+            </a:r>
           </a:p>
         </p:txBody>
       </p:sp>
@@ -8068,9 +8168,108 @@
           <a:bodyPr/>
           <a:lstStyle/>
           <a:p>
-            <a:pPr marL="202500" lvl="3" indent="0">
-              <a:buNone/>
-            </a:pPr>
+            <a:pPr lvl="2"/>
+            <a:r>
+              <a:rPr lang="en-US" dirty="0"/>
+              <a:t>Install </a:t>
+            </a:r>
+            <a:r>
+              <a:rPr lang="en-US" dirty="0" err="1"/>
+              <a:t>Choregraphe</a:t>
+            </a:r>
+            <a:r>
+              <a:rPr lang="en-US" dirty="0"/>
+              <a:t> 2.1.4 for NAO v4 and v5</a:t>
+            </a:r>
+          </a:p>
+          <a:p>
+            <a:pPr lvl="3"/>
+            <a:r>
+              <a:rPr lang="en-US" dirty="0"/>
+              <a:t>Go to canvas and download</a:t>
+            </a:r>
+          </a:p>
+          <a:p>
+            <a:pPr lvl="3"/>
+            <a:endParaRPr lang="en-US" dirty="0"/>
+          </a:p>
+          <a:p>
+            <a:pPr lvl="2"/>
+            <a:r>
+              <a:rPr lang="en-US" dirty="0" err="1"/>
+              <a:t>Choregraphe</a:t>
+            </a:r>
+            <a:r>
+              <a:rPr lang="en-US" dirty="0"/>
+              <a:t> 2.5.10 for Pepper</a:t>
+            </a:r>
+          </a:p>
+          <a:p>
+            <a:pPr lvl="3"/>
+            <a:r>
+              <a:rPr lang="en-US" dirty="0"/>
+              <a:t>Works also with Nao v4 v5</a:t>
+            </a:r>
+          </a:p>
+          <a:p>
+            <a:pPr lvl="3"/>
+            <a:r>
+              <a:rPr lang="en-US" dirty="0">
+                <a:hlinkClick r:id="rId3"/>
+              </a:rPr>
+              <a:t>https://aldebaran.com/support/kb/softwares/pepper-2-5-downloads/</a:t>
+            </a:r>
+            <a:endParaRPr lang="en-US" dirty="0"/>
+          </a:p>
+          <a:p>
+            <a:pPr lvl="3"/>
+            <a:r>
+              <a:rPr lang="en-US" dirty="0"/>
+              <a:t>License is on the same site</a:t>
+            </a:r>
+          </a:p>
+          <a:p>
+            <a:pPr lvl="3"/>
+            <a:endParaRPr lang="en-US" dirty="0"/>
+          </a:p>
+          <a:p>
+            <a:pPr lvl="2"/>
+            <a:r>
+              <a:rPr lang="en-US" dirty="0" err="1"/>
+              <a:t>Choregraphe</a:t>
+            </a:r>
+            <a:r>
+              <a:rPr lang="en-US" dirty="0"/>
+              <a:t> 2.8.8 for Nao v6 (Robby)</a:t>
+            </a:r>
+          </a:p>
+          <a:p>
+            <a:pPr lvl="3"/>
+            <a:r>
+              <a:rPr lang="en-US" dirty="0">
+                <a:hlinkClick r:id="rId4"/>
+              </a:rPr>
+              <a:t>https://aldebaran.com/support/kb/nao6/downloads/nao6-software-downloads/</a:t>
+            </a:r>
+            <a:endParaRPr lang="en-US" dirty="0"/>
+          </a:p>
+          <a:p>
+            <a:pPr lvl="3"/>
+            <a:r>
+              <a:rPr lang="en-US" dirty="0"/>
+              <a:t>License is on the same site</a:t>
+            </a:r>
+          </a:p>
+          <a:p>
+            <a:pPr lvl="3"/>
+            <a:endParaRPr lang="en-US" dirty="0"/>
+          </a:p>
+          <a:p>
+            <a:pPr lvl="3"/>
+            <a:endParaRPr lang="en-US" dirty="0"/>
+          </a:p>
+          <a:p>
+            <a:pPr lvl="3"/>
             <a:endParaRPr lang="en-US" dirty="0"/>
           </a:p>
           <a:p>
@@ -8169,209 +8368,10 @@
           </a:p>
         </p:txBody>
       </p:sp>
-      <p:pic>
-        <p:nvPicPr>
-          <p:cNvPr id="6" name="Picture 5"/>
-          <p:cNvPicPr>
-            <a:picLocks noChangeAspect="1"/>
-          </p:cNvPicPr>
-          <p:nvPr/>
-        </p:nvPicPr>
-        <p:blipFill>
-          <a:blip r:embed="rId3"/>
-          <a:stretch>
-            <a:fillRect/>
-          </a:stretch>
-        </p:blipFill>
-        <p:spPr>
-          <a:xfrm>
-            <a:off x="2377439" y="1071931"/>
-            <a:ext cx="4541521" cy="3376458"/>
-          </a:xfrm>
-          <a:prstGeom prst="rect">
-            <a:avLst/>
-          </a:prstGeom>
-        </p:spPr>
-      </p:pic>
-      <p:sp>
-        <p:nvSpPr>
-          <p:cNvPr id="7" name="TextBox 6"/>
-          <p:cNvSpPr txBox="1"/>
-          <p:nvPr/>
-        </p:nvSpPr>
-        <p:spPr>
-          <a:xfrm>
-            <a:off x="2872741" y="1019361"/>
-            <a:ext cx="990600" cy="369332"/>
-          </a:xfrm>
-          <a:prstGeom prst="rect">
-            <a:avLst/>
-          </a:prstGeom>
-          <a:noFill/>
-        </p:spPr>
-        <p:txBody>
-          <a:bodyPr wrap="square" rtlCol="0">
-            <a:spAutoFit/>
-          </a:bodyPr>
-          <a:lstStyle/>
-          <a:p>
-            <a:r>
-              <a:rPr lang="en-US" dirty="0">
-                <a:solidFill>
-                  <a:schemeClr val="tx2"/>
-                </a:solidFill>
-              </a:rPr>
-              <a:t>Connect</a:t>
-            </a:r>
-          </a:p>
-        </p:txBody>
-      </p:sp>
-      <p:sp>
-        <p:nvSpPr>
-          <p:cNvPr id="8" name="TextBox 7"/>
-          <p:cNvSpPr txBox="1"/>
-          <p:nvPr/>
-        </p:nvSpPr>
-        <p:spPr>
-          <a:xfrm>
-            <a:off x="5640054" y="1013157"/>
-            <a:ext cx="1774208" cy="369332"/>
-          </a:xfrm>
-          <a:prstGeom prst="rect">
-            <a:avLst/>
-          </a:prstGeom>
-          <a:noFill/>
-        </p:spPr>
-        <p:txBody>
-          <a:bodyPr wrap="square" rtlCol="0">
-            <a:spAutoFit/>
-          </a:bodyPr>
-          <a:lstStyle/>
-          <a:p>
-            <a:r>
-              <a:rPr lang="en-US" dirty="0">
-                <a:solidFill>
-                  <a:schemeClr val="tx2"/>
-                </a:solidFill>
-              </a:rPr>
-              <a:t>Autonomous life</a:t>
-            </a:r>
-          </a:p>
-        </p:txBody>
-      </p:sp>
-      <p:sp>
-        <p:nvSpPr>
-          <p:cNvPr id="9" name="TextBox 8"/>
-          <p:cNvSpPr txBox="1"/>
-          <p:nvPr/>
-        </p:nvSpPr>
-        <p:spPr>
-          <a:xfrm>
-            <a:off x="5579094" y="1663846"/>
-            <a:ext cx="1774208" cy="369332"/>
-          </a:xfrm>
-          <a:prstGeom prst="rect">
-            <a:avLst/>
-          </a:prstGeom>
-          <a:noFill/>
-        </p:spPr>
-        <p:txBody>
-          <a:bodyPr wrap="square" rtlCol="0">
-            <a:spAutoFit/>
-          </a:bodyPr>
-          <a:lstStyle/>
-          <a:p>
-            <a:r>
-              <a:rPr lang="en-US" dirty="0">
-                <a:solidFill>
-                  <a:schemeClr val="tx2"/>
-                </a:solidFill>
-              </a:rPr>
-              <a:t>Robot view</a:t>
-            </a:r>
-          </a:p>
-        </p:txBody>
-      </p:sp>
-      <p:sp>
-        <p:nvSpPr>
-          <p:cNvPr id="10" name="TextBox 9"/>
-          <p:cNvSpPr txBox="1"/>
-          <p:nvPr/>
-        </p:nvSpPr>
-        <p:spPr>
-          <a:xfrm>
-            <a:off x="1296654" y="3797446"/>
-            <a:ext cx="1774208" cy="369332"/>
-          </a:xfrm>
-          <a:prstGeom prst="rect">
-            <a:avLst/>
-          </a:prstGeom>
-          <a:noFill/>
-        </p:spPr>
-        <p:txBody>
-          <a:bodyPr wrap="square" rtlCol="0">
-            <a:spAutoFit/>
-          </a:bodyPr>
-          <a:lstStyle/>
-          <a:p>
-            <a:r>
-              <a:rPr lang="en-US" dirty="0">
-                <a:solidFill>
-                  <a:schemeClr val="tx2"/>
-                </a:solidFill>
-              </a:rPr>
-              <a:t>Behaviors</a:t>
-            </a:r>
-          </a:p>
-        </p:txBody>
-      </p:sp>
-      <p:sp>
-        <p:nvSpPr>
-          <p:cNvPr id="11" name="TextBox 10"/>
-          <p:cNvSpPr txBox="1"/>
-          <p:nvPr/>
-        </p:nvSpPr>
-        <p:spPr>
-          <a:xfrm>
-            <a:off x="3538815" y="2436994"/>
-            <a:ext cx="1774208" cy="646331"/>
-          </a:xfrm>
-          <a:prstGeom prst="rect">
-            <a:avLst/>
-          </a:prstGeom>
-          <a:noFill/>
-        </p:spPr>
-        <p:txBody>
-          <a:bodyPr wrap="square" rtlCol="0">
-            <a:spAutoFit/>
-          </a:bodyPr>
-          <a:lstStyle/>
-          <a:p>
-            <a:r>
-              <a:rPr lang="en-US" dirty="0">
-                <a:solidFill>
-                  <a:schemeClr val="tx2"/>
-                </a:solidFill>
-              </a:rPr>
-              <a:t>Drag behaviors</a:t>
-            </a:r>
-          </a:p>
-          <a:p>
-            <a:r>
-              <a:rPr lang="en-US" dirty="0">
-                <a:solidFill>
-                  <a:schemeClr val="tx2"/>
-                </a:solidFill>
-              </a:rPr>
-              <a:t>here</a:t>
-            </a:r>
-          </a:p>
-        </p:txBody>
-      </p:sp>
     </p:spTree>
     <p:extLst>
       <p:ext uri="{BB962C8B-B14F-4D97-AF65-F5344CB8AC3E}">
-        <p14:creationId xmlns:p14="http://schemas.microsoft.com/office/powerpoint/2010/main" val="2007743151"/>
+        <p14:creationId xmlns:p14="http://schemas.microsoft.com/office/powerpoint/2010/main" val="1167011940"/>
       </p:ext>
     </p:extLst>
   </p:cSld>
@@ -8426,6 +8426,395 @@
           <a:lstStyle/>
           <a:p>
             <a:r>
+              <a:rPr lang="en-US" dirty="0"/>
+              <a:t>Using </a:t>
+            </a:r>
+            <a:r>
+              <a:rPr lang="en-US" dirty="0" err="1"/>
+              <a:t>Choregraphe</a:t>
+            </a:r>
+            <a:endParaRPr lang="en-US" dirty="0"/>
+          </a:p>
+        </p:txBody>
+      </p:sp>
+      <p:sp>
+        <p:nvSpPr>
+          <p:cNvPr id="3" name="Tijdelijke aanduiding voor inhoud 2"/>
+          <p:cNvSpPr>
+            <a:spLocks noGrp="1"/>
+          </p:cNvSpPr>
+          <p:nvPr>
+            <p:ph idx="1"/>
+          </p:nvPr>
+        </p:nvSpPr>
+        <p:spPr>
+          <a:xfrm>
+            <a:off x="610099" y="1073150"/>
+            <a:ext cx="7825978" cy="3496469"/>
+          </a:xfrm>
+        </p:spPr>
+        <p:txBody>
+          <a:bodyPr/>
+          <a:lstStyle/>
+          <a:p>
+            <a:pPr marL="202500" lvl="3" indent="0">
+              <a:buNone/>
+            </a:pPr>
+            <a:endParaRPr lang="en-US" dirty="0"/>
+          </a:p>
+          <a:p>
+            <a:pPr lvl="2"/>
+            <a:endParaRPr lang="en-US" dirty="0"/>
+          </a:p>
+          <a:p>
+            <a:pPr marL="0" lvl="2" indent="0">
+              <a:buNone/>
+            </a:pPr>
+            <a:endParaRPr lang="en-US" dirty="0"/>
+          </a:p>
+          <a:p>
+            <a:pPr marL="202500" lvl="3" indent="0">
+              <a:buNone/>
+            </a:pPr>
+            <a:endParaRPr lang="en-US" dirty="0"/>
+          </a:p>
+          <a:p>
+            <a:pPr marL="0" lvl="2" indent="0">
+              <a:buNone/>
+            </a:pPr>
+            <a:endParaRPr lang="en-US" dirty="0"/>
+          </a:p>
+          <a:p>
+            <a:pPr marL="0" lvl="2" indent="0">
+              <a:buNone/>
+            </a:pPr>
+            <a:endParaRPr lang="en-US" dirty="0"/>
+          </a:p>
+          <a:p>
+            <a:pPr marL="0" lvl="2" indent="0">
+              <a:buNone/>
+            </a:pPr>
+            <a:endParaRPr lang="en-US" dirty="0"/>
+          </a:p>
+          <a:p>
+            <a:pPr lvl="2"/>
+            <a:endParaRPr lang="en-US" dirty="0"/>
+          </a:p>
+          <a:p>
+            <a:pPr lvl="2"/>
+            <a:endParaRPr lang="en-US" dirty="0"/>
+          </a:p>
+          <a:p>
+            <a:pPr marL="0" lvl="2" indent="0">
+              <a:buNone/>
+            </a:pPr>
+            <a:endParaRPr lang="en-US" dirty="0"/>
+          </a:p>
+        </p:txBody>
+      </p:sp>
+      <p:sp>
+        <p:nvSpPr>
+          <p:cNvPr id="4" name="Tijdelijke aanduiding voor voettekst 3"/>
+          <p:cNvSpPr>
+            <a:spLocks noGrp="1"/>
+          </p:cNvSpPr>
+          <p:nvPr>
+            <p:ph type="ftr" sz="quarter" idx="11"/>
+          </p:nvPr>
+        </p:nvSpPr>
+        <p:spPr/>
+        <p:txBody>
+          <a:bodyPr/>
+          <a:lstStyle/>
+          <a:p>
+            <a:r>
+              <a:rPr lang="en-US" dirty="0"/>
+              <a:t>NAO and Pepper Tutorial</a:t>
+            </a:r>
+          </a:p>
+        </p:txBody>
+      </p:sp>
+      <p:sp>
+        <p:nvSpPr>
+          <p:cNvPr id="5" name="Tijdelijke aanduiding voor dianummer 4"/>
+          <p:cNvSpPr>
+            <a:spLocks noGrp="1"/>
+          </p:cNvSpPr>
+          <p:nvPr>
+            <p:ph type="sldNum" sz="quarter" idx="12"/>
+          </p:nvPr>
+        </p:nvSpPr>
+        <p:spPr/>
+        <p:txBody>
+          <a:bodyPr/>
+          <a:lstStyle/>
+          <a:p>
+            <a:fld id="{B7CEC10D-CD46-426F-915E-6C78530279CB}" type="slidenum">
+              <a:rPr lang="en-US" smtClean="0"/>
+              <a:pPr/>
+              <a:t>14</a:t>
+            </a:fld>
+            <a:endParaRPr lang="en-US" dirty="0"/>
+          </a:p>
+        </p:txBody>
+      </p:sp>
+      <p:pic>
+        <p:nvPicPr>
+          <p:cNvPr id="6" name="Picture 5"/>
+          <p:cNvPicPr>
+            <a:picLocks noChangeAspect="1"/>
+          </p:cNvPicPr>
+          <p:nvPr/>
+        </p:nvPicPr>
+        <p:blipFill>
+          <a:blip r:embed="rId3"/>
+          <a:stretch>
+            <a:fillRect/>
+          </a:stretch>
+        </p:blipFill>
+        <p:spPr>
+          <a:xfrm>
+            <a:off x="2377439" y="1071931"/>
+            <a:ext cx="4541521" cy="3376458"/>
+          </a:xfrm>
+          <a:prstGeom prst="rect">
+            <a:avLst/>
+          </a:prstGeom>
+        </p:spPr>
+      </p:pic>
+      <p:sp>
+        <p:nvSpPr>
+          <p:cNvPr id="7" name="TextBox 6"/>
+          <p:cNvSpPr txBox="1"/>
+          <p:nvPr/>
+        </p:nvSpPr>
+        <p:spPr>
+          <a:xfrm>
+            <a:off x="2872741" y="1019361"/>
+            <a:ext cx="990600" cy="369332"/>
+          </a:xfrm>
+          <a:prstGeom prst="rect">
+            <a:avLst/>
+          </a:prstGeom>
+          <a:noFill/>
+        </p:spPr>
+        <p:txBody>
+          <a:bodyPr wrap="square" rtlCol="0">
+            <a:spAutoFit/>
+          </a:bodyPr>
+          <a:lstStyle/>
+          <a:p>
+            <a:r>
+              <a:rPr lang="en-US" dirty="0">
+                <a:solidFill>
+                  <a:schemeClr val="tx2"/>
+                </a:solidFill>
+              </a:rPr>
+              <a:t>Connect</a:t>
+            </a:r>
+          </a:p>
+        </p:txBody>
+      </p:sp>
+      <p:sp>
+        <p:nvSpPr>
+          <p:cNvPr id="8" name="TextBox 7"/>
+          <p:cNvSpPr txBox="1"/>
+          <p:nvPr/>
+        </p:nvSpPr>
+        <p:spPr>
+          <a:xfrm>
+            <a:off x="5640054" y="1013157"/>
+            <a:ext cx="1774208" cy="369332"/>
+          </a:xfrm>
+          <a:prstGeom prst="rect">
+            <a:avLst/>
+          </a:prstGeom>
+          <a:noFill/>
+        </p:spPr>
+        <p:txBody>
+          <a:bodyPr wrap="square" rtlCol="0">
+            <a:spAutoFit/>
+          </a:bodyPr>
+          <a:lstStyle/>
+          <a:p>
+            <a:r>
+              <a:rPr lang="en-US" dirty="0">
+                <a:solidFill>
+                  <a:schemeClr val="tx2"/>
+                </a:solidFill>
+              </a:rPr>
+              <a:t>Autonomous life</a:t>
+            </a:r>
+          </a:p>
+        </p:txBody>
+      </p:sp>
+      <p:sp>
+        <p:nvSpPr>
+          <p:cNvPr id="9" name="TextBox 8"/>
+          <p:cNvSpPr txBox="1"/>
+          <p:nvPr/>
+        </p:nvSpPr>
+        <p:spPr>
+          <a:xfrm>
+            <a:off x="5579094" y="1663846"/>
+            <a:ext cx="1774208" cy="369332"/>
+          </a:xfrm>
+          <a:prstGeom prst="rect">
+            <a:avLst/>
+          </a:prstGeom>
+          <a:noFill/>
+        </p:spPr>
+        <p:txBody>
+          <a:bodyPr wrap="square" rtlCol="0">
+            <a:spAutoFit/>
+          </a:bodyPr>
+          <a:lstStyle/>
+          <a:p>
+            <a:r>
+              <a:rPr lang="en-US" dirty="0">
+                <a:solidFill>
+                  <a:schemeClr val="tx2"/>
+                </a:solidFill>
+              </a:rPr>
+              <a:t>Robot view</a:t>
+            </a:r>
+          </a:p>
+        </p:txBody>
+      </p:sp>
+      <p:sp>
+        <p:nvSpPr>
+          <p:cNvPr id="10" name="TextBox 9"/>
+          <p:cNvSpPr txBox="1"/>
+          <p:nvPr/>
+        </p:nvSpPr>
+        <p:spPr>
+          <a:xfrm>
+            <a:off x="1296654" y="3797446"/>
+            <a:ext cx="1774208" cy="369332"/>
+          </a:xfrm>
+          <a:prstGeom prst="rect">
+            <a:avLst/>
+          </a:prstGeom>
+          <a:noFill/>
+        </p:spPr>
+        <p:txBody>
+          <a:bodyPr wrap="square" rtlCol="0">
+            <a:spAutoFit/>
+          </a:bodyPr>
+          <a:lstStyle/>
+          <a:p>
+            <a:r>
+              <a:rPr lang="en-US" dirty="0">
+                <a:solidFill>
+                  <a:schemeClr val="tx2"/>
+                </a:solidFill>
+              </a:rPr>
+              <a:t>Behaviors</a:t>
+            </a:r>
+          </a:p>
+        </p:txBody>
+      </p:sp>
+      <p:sp>
+        <p:nvSpPr>
+          <p:cNvPr id="11" name="TextBox 10"/>
+          <p:cNvSpPr txBox="1"/>
+          <p:nvPr/>
+        </p:nvSpPr>
+        <p:spPr>
+          <a:xfrm>
+            <a:off x="3538815" y="2436994"/>
+            <a:ext cx="1774208" cy="646331"/>
+          </a:xfrm>
+          <a:prstGeom prst="rect">
+            <a:avLst/>
+          </a:prstGeom>
+          <a:noFill/>
+        </p:spPr>
+        <p:txBody>
+          <a:bodyPr wrap="square" rtlCol="0">
+            <a:spAutoFit/>
+          </a:bodyPr>
+          <a:lstStyle/>
+          <a:p>
+            <a:r>
+              <a:rPr lang="en-US" dirty="0">
+                <a:solidFill>
+                  <a:schemeClr val="tx2"/>
+                </a:solidFill>
+              </a:rPr>
+              <a:t>Drag behaviors</a:t>
+            </a:r>
+          </a:p>
+          <a:p>
+            <a:r>
+              <a:rPr lang="en-US" dirty="0">
+                <a:solidFill>
+                  <a:schemeClr val="tx2"/>
+                </a:solidFill>
+              </a:rPr>
+              <a:t>here</a:t>
+            </a:r>
+          </a:p>
+        </p:txBody>
+      </p:sp>
+    </p:spTree>
+    <p:extLst>
+      <p:ext uri="{BB962C8B-B14F-4D97-AF65-F5344CB8AC3E}">
+        <p14:creationId xmlns:p14="http://schemas.microsoft.com/office/powerpoint/2010/main" val="2007743151"/>
+      </p:ext>
+    </p:extLst>
+  </p:cSld>
+  <p:clrMapOvr>
+    <a:masterClrMapping/>
+  </p:clrMapOvr>
+  <mc:AlternateContent xmlns:mc="http://schemas.openxmlformats.org/markup-compatibility/2006" xmlns:p14="http://schemas.microsoft.com/office/powerpoint/2010/main">
+    <mc:Choice Requires="p14">
+      <p:transition spd="med" p14:dur="700">
+        <p:fade/>
+      </p:transition>
+    </mc:Choice>
+    <mc:Fallback xmlns="">
+      <p:transition spd="med">
+        <p:fade/>
+      </p:transition>
+    </mc:Fallback>
+  </mc:AlternateContent>
+</p:sld>
+</file>
+
+<file path=ppt/slides/slide15.xml><?xml version="1.0" encoding="utf-8"?>
+<p:sld xmlns:a="http://schemas.openxmlformats.org/drawingml/2006/main" xmlns:r="http://schemas.openxmlformats.org/officeDocument/2006/relationships" xmlns:p="http://schemas.openxmlformats.org/presentationml/2006/main">
+  <p:cSld>
+    <p:spTree>
+      <p:nvGrpSpPr>
+        <p:cNvPr id="1" name=""/>
+        <p:cNvGrpSpPr/>
+        <p:nvPr/>
+      </p:nvGrpSpPr>
+      <p:grpSpPr>
+        <a:xfrm>
+          <a:off x="0" y="0"/>
+          <a:ext cx="0" cy="0"/>
+          <a:chOff x="0" y="0"/>
+          <a:chExt cx="0" cy="0"/>
+        </a:xfrm>
+      </p:grpSpPr>
+      <p:sp>
+        <p:nvSpPr>
+          <p:cNvPr id="2" name="Titel 1"/>
+          <p:cNvSpPr>
+            <a:spLocks noGrp="1"/>
+          </p:cNvSpPr>
+          <p:nvPr>
+            <p:ph type="title"/>
+          </p:nvPr>
+        </p:nvSpPr>
+        <p:spPr/>
+        <p:txBody>
+          <a:bodyPr/>
+          <a:lstStyle/>
+          <a:p>
+            <a:r>
               <a:rPr lang="en-US" dirty="0" err="1"/>
               <a:t>Behaviours</a:t>
             </a:r>
@@ -8548,7 +8937,7 @@
             <a:fld id="{B7CEC10D-CD46-426F-915E-6C78530279CB}" type="slidenum">
               <a:rPr lang="en-US" smtClean="0"/>
               <a:pPr/>
-              <a:t>14</a:t>
+              <a:t>15</a:t>
             </a:fld>
             <a:endParaRPr lang="en-US" dirty="0"/>
           </a:p>
@@ -8603,7 +8992,7 @@
 </p:sld>
 </file>
 
-<file path=ppt/slides/slide15.xml><?xml version="1.0" encoding="utf-8"?>
+<file path=ppt/slides/slide16.xml><?xml version="1.0" encoding="utf-8"?>
 <p:sld xmlns:a="http://schemas.openxmlformats.org/drawingml/2006/main" xmlns:r="http://schemas.openxmlformats.org/officeDocument/2006/relationships" xmlns:p="http://schemas.openxmlformats.org/presentationml/2006/main">
   <p:cSld>
     <p:spTree>
@@ -8757,7 +9146,7 @@
             <a:fld id="{B7CEC10D-CD46-426F-915E-6C78530279CB}" type="slidenum">
               <a:rPr lang="en-US" smtClean="0"/>
               <a:pPr/>
-              <a:t>15</a:t>
+              <a:t>16</a:t>
             </a:fld>
             <a:endParaRPr lang="en-US" dirty="0"/>
           </a:p>
@@ -8820,7 +9209,7 @@
 </p:sld>
 </file>
 
-<file path=ppt/slides/slide16.xml><?xml version="1.0" encoding="utf-8"?>
+<file path=ppt/slides/slide17.xml><?xml version="1.0" encoding="utf-8"?>
 <p:sld xmlns:a="http://schemas.openxmlformats.org/drawingml/2006/main" xmlns:r="http://schemas.openxmlformats.org/officeDocument/2006/relationships" xmlns:p="http://schemas.openxmlformats.org/presentationml/2006/main">
   <p:cSld>
     <p:spTree>
@@ -8974,7 +9363,7 @@
             <a:fld id="{B7CEC10D-CD46-426F-915E-6C78530279CB}" type="slidenum">
               <a:rPr lang="en-US" smtClean="0"/>
               <a:pPr/>
-              <a:t>16</a:t>
+              <a:t>17</a:t>
             </a:fld>
             <a:endParaRPr lang="en-US" dirty="0"/>
           </a:p>
@@ -9037,7 +9426,7 @@
 </p:sld>
 </file>
 
-<file path=ppt/slides/slide17.xml><?xml version="1.0" encoding="utf-8"?>
+<file path=ppt/slides/slide18.xml><?xml version="1.0" encoding="utf-8"?>
 <p:sld xmlns:a="http://schemas.openxmlformats.org/drawingml/2006/main" xmlns:r="http://schemas.openxmlformats.org/officeDocument/2006/relationships" xmlns:p="http://schemas.openxmlformats.org/presentationml/2006/main">
   <p:cSld>
     <p:spTree>
@@ -9191,7 +9580,7 @@
             <a:fld id="{B7CEC10D-CD46-426F-915E-6C78530279CB}" type="slidenum">
               <a:rPr lang="en-US" smtClean="0"/>
               <a:pPr/>
-              <a:t>17</a:t>
+              <a:t>18</a:t>
             </a:fld>
             <a:endParaRPr lang="en-US" dirty="0"/>
           </a:p>
@@ -9817,7 +10206,7 @@
 </p:sld>
 </file>
 
-<file path=ppt/slides/slide18.xml><?xml version="1.0" encoding="utf-8"?>
+<file path=ppt/slides/slide19.xml><?xml version="1.0" encoding="utf-8"?>
 <p:sld xmlns:a="http://schemas.openxmlformats.org/drawingml/2006/main" xmlns:r="http://schemas.openxmlformats.org/officeDocument/2006/relationships" xmlns:p="http://schemas.openxmlformats.org/presentationml/2006/main">
   <p:cSld>
     <p:spTree>
@@ -9971,7 +10360,7 @@
             <a:fld id="{B7CEC10D-CD46-426F-915E-6C78530279CB}" type="slidenum">
               <a:rPr lang="en-US" smtClean="0"/>
               <a:pPr/>
-              <a:t>18</a:t>
+              <a:t>19</a:t>
             </a:fld>
             <a:endParaRPr lang="en-US" dirty="0"/>
           </a:p>
@@ -10336,553 +10725,6 @@
     <p:extLst>
       <p:ext uri="{BB962C8B-B14F-4D97-AF65-F5344CB8AC3E}">
         <p14:creationId xmlns:p14="http://schemas.microsoft.com/office/powerpoint/2010/main" val="634549359"/>
-      </p:ext>
-    </p:extLst>
-  </p:cSld>
-  <p:clrMapOvr>
-    <a:masterClrMapping/>
-  </p:clrMapOvr>
-  <mc:AlternateContent xmlns:mc="http://schemas.openxmlformats.org/markup-compatibility/2006" xmlns:p14="http://schemas.microsoft.com/office/powerpoint/2010/main">
-    <mc:Choice Requires="p14">
-      <p:transition spd="med" p14:dur="700">
-        <p:fade/>
-      </p:transition>
-    </mc:Choice>
-    <mc:Fallback xmlns="">
-      <p:transition spd="med">
-        <p:fade/>
-      </p:transition>
-    </mc:Fallback>
-  </mc:AlternateContent>
-</p:sld>
-</file>
-
-<file path=ppt/slides/slide19.xml><?xml version="1.0" encoding="utf-8"?>
-<p:sld xmlns:a="http://schemas.openxmlformats.org/drawingml/2006/main" xmlns:r="http://schemas.openxmlformats.org/officeDocument/2006/relationships" xmlns:p="http://schemas.openxmlformats.org/presentationml/2006/main">
-  <p:cSld>
-    <p:spTree>
-      <p:nvGrpSpPr>
-        <p:cNvPr id="1" name=""/>
-        <p:cNvGrpSpPr/>
-        <p:nvPr/>
-      </p:nvGrpSpPr>
-      <p:grpSpPr>
-        <a:xfrm>
-          <a:off x="0" y="0"/>
-          <a:ext cx="0" cy="0"/>
-          <a:chOff x="0" y="0"/>
-          <a:chExt cx="0" cy="0"/>
-        </a:xfrm>
-      </p:grpSpPr>
-      <p:sp>
-        <p:nvSpPr>
-          <p:cNvPr id="2" name="Titel 1"/>
-          <p:cNvSpPr>
-            <a:spLocks noGrp="1"/>
-          </p:cNvSpPr>
-          <p:nvPr>
-            <p:ph type="title"/>
-          </p:nvPr>
-        </p:nvSpPr>
-        <p:spPr/>
-        <p:txBody>
-          <a:bodyPr/>
-          <a:lstStyle/>
-          <a:p>
-            <a:r>
-              <a:rPr lang="en-US" dirty="0"/>
-              <a:t>Timeline</a:t>
-            </a:r>
-          </a:p>
-        </p:txBody>
-      </p:sp>
-      <p:sp>
-        <p:nvSpPr>
-          <p:cNvPr id="3" name="Tijdelijke aanduiding voor inhoud 2"/>
-          <p:cNvSpPr>
-            <a:spLocks noGrp="1"/>
-          </p:cNvSpPr>
-          <p:nvPr>
-            <p:ph idx="1"/>
-          </p:nvPr>
-        </p:nvSpPr>
-        <p:spPr>
-          <a:xfrm>
-            <a:off x="440504" y="1019361"/>
-            <a:ext cx="7825978" cy="3496469"/>
-          </a:xfrm>
-        </p:spPr>
-        <p:txBody>
-          <a:bodyPr/>
-          <a:lstStyle/>
-          <a:p>
-            <a:pPr marL="202500" lvl="3" indent="0">
-              <a:buNone/>
-            </a:pPr>
-            <a:endParaRPr lang="en-US" dirty="0"/>
-          </a:p>
-          <a:p>
-            <a:pPr lvl="2"/>
-            <a:endParaRPr lang="en-US" dirty="0"/>
-          </a:p>
-          <a:p>
-            <a:pPr marL="0" lvl="2" indent="0">
-              <a:buNone/>
-            </a:pPr>
-            <a:endParaRPr lang="en-US" dirty="0"/>
-          </a:p>
-          <a:p>
-            <a:pPr marL="202500" lvl="3" indent="0">
-              <a:buNone/>
-            </a:pPr>
-            <a:endParaRPr lang="en-US" dirty="0"/>
-          </a:p>
-          <a:p>
-            <a:pPr marL="0" lvl="2" indent="0">
-              <a:buNone/>
-            </a:pPr>
-            <a:endParaRPr lang="en-US" dirty="0"/>
-          </a:p>
-          <a:p>
-            <a:pPr marL="0" lvl="2" indent="0">
-              <a:buNone/>
-            </a:pPr>
-            <a:endParaRPr lang="en-US" dirty="0"/>
-          </a:p>
-          <a:p>
-            <a:pPr marL="0" lvl="2" indent="0">
-              <a:buNone/>
-            </a:pPr>
-            <a:endParaRPr lang="en-US" dirty="0"/>
-          </a:p>
-          <a:p>
-            <a:pPr lvl="2"/>
-            <a:endParaRPr lang="en-US" dirty="0"/>
-          </a:p>
-          <a:p>
-            <a:pPr lvl="2"/>
-            <a:endParaRPr lang="en-US" dirty="0"/>
-          </a:p>
-          <a:p>
-            <a:pPr marL="0" lvl="2" indent="0">
-              <a:buNone/>
-            </a:pPr>
-            <a:endParaRPr lang="en-US" dirty="0"/>
-          </a:p>
-          <a:p>
-            <a:pPr marL="0" lvl="2" indent="0">
-              <a:buNone/>
-            </a:pPr>
-            <a:endParaRPr lang="en-US" dirty="0"/>
-          </a:p>
-        </p:txBody>
-      </p:sp>
-      <p:sp>
-        <p:nvSpPr>
-          <p:cNvPr id="4" name="Tijdelijke aanduiding voor voettekst 3"/>
-          <p:cNvSpPr>
-            <a:spLocks noGrp="1"/>
-          </p:cNvSpPr>
-          <p:nvPr>
-            <p:ph type="ftr" sz="quarter" idx="11"/>
-          </p:nvPr>
-        </p:nvSpPr>
-        <p:spPr/>
-        <p:txBody>
-          <a:bodyPr/>
-          <a:lstStyle/>
-          <a:p>
-            <a:r>
-              <a:rPr lang="en-US" dirty="0"/>
-              <a:t>NAO and Pepper Tutorial</a:t>
-            </a:r>
-          </a:p>
-        </p:txBody>
-      </p:sp>
-      <p:sp>
-        <p:nvSpPr>
-          <p:cNvPr id="5" name="Tijdelijke aanduiding voor dianummer 4"/>
-          <p:cNvSpPr>
-            <a:spLocks noGrp="1"/>
-          </p:cNvSpPr>
-          <p:nvPr>
-            <p:ph type="sldNum" sz="quarter" idx="12"/>
-          </p:nvPr>
-        </p:nvSpPr>
-        <p:spPr/>
-        <p:txBody>
-          <a:bodyPr/>
-          <a:lstStyle/>
-          <a:p>
-            <a:fld id="{B7CEC10D-CD46-426F-915E-6C78530279CB}" type="slidenum">
-              <a:rPr lang="en-US" smtClean="0"/>
-              <a:pPr/>
-              <a:t>19</a:t>
-            </a:fld>
-            <a:endParaRPr lang="en-US" dirty="0"/>
-          </a:p>
-        </p:txBody>
-      </p:sp>
-      <p:pic>
-        <p:nvPicPr>
-          <p:cNvPr id="6" name="Picture 5"/>
-          <p:cNvPicPr>
-            <a:picLocks noChangeAspect="1"/>
-          </p:cNvPicPr>
-          <p:nvPr/>
-        </p:nvPicPr>
-        <p:blipFill>
-          <a:blip r:embed="rId3"/>
-          <a:stretch>
-            <a:fillRect/>
-          </a:stretch>
-        </p:blipFill>
-        <p:spPr>
-          <a:xfrm>
-            <a:off x="678180" y="1195227"/>
-            <a:ext cx="1485900" cy="1276350"/>
-          </a:xfrm>
-          <a:prstGeom prst="rect">
-            <a:avLst/>
-          </a:prstGeom>
-        </p:spPr>
-      </p:pic>
-      <p:pic>
-        <p:nvPicPr>
-          <p:cNvPr id="9" name="Picture 3"/>
-          <p:cNvPicPr>
-            <a:picLocks noChangeAspect="1" noChangeArrowheads="1"/>
-          </p:cNvPicPr>
-          <p:nvPr/>
-        </p:nvPicPr>
-        <p:blipFill>
-          <a:blip r:embed="rId4" cstate="print"/>
-          <a:srcRect/>
-          <a:stretch>
-            <a:fillRect/>
-          </a:stretch>
-        </p:blipFill>
-        <p:spPr bwMode="auto">
-          <a:xfrm>
-            <a:off x="2638663" y="1195227"/>
-            <a:ext cx="5865495" cy="947646"/>
-          </a:xfrm>
-          <a:prstGeom prst="rect">
-            <a:avLst/>
-          </a:prstGeom>
-          <a:noFill/>
-          <a:ln w="9525">
-            <a:noFill/>
-            <a:miter lim="800000"/>
-            <a:headEnd/>
-            <a:tailEnd/>
-          </a:ln>
-        </p:spPr>
-      </p:pic>
-      <p:sp>
-        <p:nvSpPr>
-          <p:cNvPr id="10" name="Tijdelijke aanduiding voor inhoud 2"/>
-          <p:cNvSpPr txBox="1">
-            <a:spLocks/>
-          </p:cNvSpPr>
-          <p:nvPr/>
-        </p:nvSpPr>
-        <p:spPr>
-          <a:xfrm>
-            <a:off x="610099" y="2647443"/>
-            <a:ext cx="7825978" cy="1922176"/>
-          </a:xfrm>
-          <a:prstGeom prst="rect">
-            <a:avLst/>
-          </a:prstGeom>
-        </p:spPr>
-        <p:txBody>
-          <a:bodyPr vert="horz" lIns="0" tIns="0" rIns="0" bIns="0" rtlCol="0">
-            <a:noAutofit/>
-          </a:bodyPr>
-          <a:lstStyle>
-            <a:lvl1pPr marL="0" indent="0" algn="l" defTabSz="514350" rtl="0" eaLnBrk="1" latinLnBrk="0" hangingPunct="1">
-              <a:lnSpc>
-                <a:spcPts val="1800"/>
-              </a:lnSpc>
-              <a:spcBef>
-                <a:spcPts val="413"/>
-              </a:spcBef>
-              <a:spcAft>
-                <a:spcPts val="413"/>
-              </a:spcAft>
-              <a:buFont typeface="Arial" panose="020B0604020202020204" pitchFamily="34" charset="0"/>
-              <a:buNone/>
-              <a:defRPr sz="1650" kern="1200">
-                <a:solidFill>
-                  <a:schemeClr val="bg2"/>
-                </a:solidFill>
-                <a:latin typeface="+mn-lt"/>
-                <a:ea typeface="+mn-ea"/>
-                <a:cs typeface="+mn-cs"/>
-              </a:defRPr>
-            </a:lvl1pPr>
-            <a:lvl2pPr marL="0" indent="0" algn="l" defTabSz="514350" rtl="0" eaLnBrk="1" latinLnBrk="0" hangingPunct="1">
-              <a:lnSpc>
-                <a:spcPts val="1800"/>
-              </a:lnSpc>
-              <a:spcBef>
-                <a:spcPts val="413"/>
-              </a:spcBef>
-              <a:spcAft>
-                <a:spcPts val="413"/>
-              </a:spcAft>
-              <a:buFont typeface="Arial" panose="020B0604020202020204" pitchFamily="34" charset="0"/>
-              <a:buNone/>
-              <a:defRPr sz="1950" kern="1200">
-                <a:solidFill>
-                  <a:schemeClr val="bg2"/>
-                </a:solidFill>
-                <a:latin typeface="+mn-lt"/>
-                <a:ea typeface="+mn-ea"/>
-                <a:cs typeface="+mn-cs"/>
-              </a:defRPr>
-            </a:lvl2pPr>
-            <a:lvl3pPr marL="202500" indent="-202500" algn="l" defTabSz="514350" rtl="0" eaLnBrk="1" latinLnBrk="0" hangingPunct="1">
-              <a:lnSpc>
-                <a:spcPts val="1800"/>
-              </a:lnSpc>
-              <a:spcBef>
-                <a:spcPts val="413"/>
-              </a:spcBef>
-              <a:buClr>
-                <a:schemeClr val="bg2"/>
-              </a:buClr>
-              <a:buSzPct val="100000"/>
-              <a:buFont typeface="Arial" panose="020B0604020202020204" pitchFamily="34" charset="0"/>
-              <a:buChar char="•"/>
-              <a:defRPr sz="1650" kern="1200">
-                <a:solidFill>
-                  <a:schemeClr val="bg2"/>
-                </a:solidFill>
-                <a:latin typeface="+mn-lt"/>
-                <a:ea typeface="+mn-ea"/>
-                <a:cs typeface="+mn-cs"/>
-              </a:defRPr>
-            </a:lvl3pPr>
-            <a:lvl4pPr marL="405000" indent="-202500" algn="l" defTabSz="514350" rtl="0" eaLnBrk="1" latinLnBrk="0" hangingPunct="1">
-              <a:lnSpc>
-                <a:spcPts val="1650"/>
-              </a:lnSpc>
-              <a:spcBef>
-                <a:spcPts val="0"/>
-              </a:spcBef>
-              <a:buClr>
-                <a:schemeClr val="bg2"/>
-              </a:buClr>
-              <a:buFont typeface="Arial" panose="020B0604020202020204" pitchFamily="34" charset="0"/>
-              <a:buChar char="•"/>
-              <a:defRPr sz="1500" kern="1200">
-                <a:solidFill>
-                  <a:schemeClr val="bg2"/>
-                </a:solidFill>
-                <a:latin typeface="+mn-lt"/>
-                <a:ea typeface="+mn-ea"/>
-                <a:cs typeface="+mn-cs"/>
-              </a:defRPr>
-            </a:lvl4pPr>
-            <a:lvl5pPr marL="607500" indent="-202500" algn="l" defTabSz="514350" rtl="0" eaLnBrk="1" latinLnBrk="0" hangingPunct="1">
-              <a:lnSpc>
-                <a:spcPts val="1500"/>
-              </a:lnSpc>
-              <a:spcBef>
-                <a:spcPts val="0"/>
-              </a:spcBef>
-              <a:buFont typeface="Arial" panose="020B0604020202020204" pitchFamily="34" charset="0"/>
-              <a:buChar char="•"/>
-              <a:defRPr sz="1350" kern="1200">
-                <a:solidFill>
-                  <a:schemeClr val="bg2"/>
-                </a:solidFill>
-                <a:latin typeface="+mn-lt"/>
-                <a:ea typeface="+mn-ea"/>
-                <a:cs typeface="+mn-cs"/>
-              </a:defRPr>
-            </a:lvl5pPr>
-            <a:lvl6pPr marL="1414463" indent="-128588" algn="l" defTabSz="514350" rtl="0" eaLnBrk="1" latinLnBrk="0" hangingPunct="1">
-              <a:lnSpc>
-                <a:spcPct val="90000"/>
-              </a:lnSpc>
-              <a:spcBef>
-                <a:spcPts val="281"/>
-              </a:spcBef>
-              <a:buFont typeface="Arial" panose="020B0604020202020204" pitchFamily="34" charset="0"/>
-              <a:buChar char="•"/>
-              <a:defRPr sz="1013" kern="1200">
-                <a:solidFill>
-                  <a:schemeClr val="tx1"/>
-                </a:solidFill>
-                <a:latin typeface="+mn-lt"/>
-                <a:ea typeface="+mn-ea"/>
-                <a:cs typeface="+mn-cs"/>
-              </a:defRPr>
-            </a:lvl6pPr>
-            <a:lvl7pPr marL="1671638" indent="-128588" algn="l" defTabSz="514350" rtl="0" eaLnBrk="1" latinLnBrk="0" hangingPunct="1">
-              <a:lnSpc>
-                <a:spcPct val="90000"/>
-              </a:lnSpc>
-              <a:spcBef>
-                <a:spcPts val="281"/>
-              </a:spcBef>
-              <a:buFont typeface="Arial" panose="020B0604020202020204" pitchFamily="34" charset="0"/>
-              <a:buChar char="•"/>
-              <a:defRPr sz="1013" kern="1200">
-                <a:solidFill>
-                  <a:schemeClr val="tx1"/>
-                </a:solidFill>
-                <a:latin typeface="+mn-lt"/>
-                <a:ea typeface="+mn-ea"/>
-                <a:cs typeface="+mn-cs"/>
-              </a:defRPr>
-            </a:lvl7pPr>
-            <a:lvl8pPr marL="1928813" indent="-128588" algn="l" defTabSz="514350" rtl="0" eaLnBrk="1" latinLnBrk="0" hangingPunct="1">
-              <a:lnSpc>
-                <a:spcPct val="90000"/>
-              </a:lnSpc>
-              <a:spcBef>
-                <a:spcPts val="281"/>
-              </a:spcBef>
-              <a:buFont typeface="Arial" panose="020B0604020202020204" pitchFamily="34" charset="0"/>
-              <a:buChar char="•"/>
-              <a:defRPr sz="1013" kern="1200">
-                <a:solidFill>
-                  <a:schemeClr val="tx1"/>
-                </a:solidFill>
-                <a:latin typeface="+mn-lt"/>
-                <a:ea typeface="+mn-ea"/>
-                <a:cs typeface="+mn-cs"/>
-              </a:defRPr>
-            </a:lvl8pPr>
-            <a:lvl9pPr marL="2185988" indent="-128588" algn="l" defTabSz="514350" rtl="0" eaLnBrk="1" latinLnBrk="0" hangingPunct="1">
-              <a:lnSpc>
-                <a:spcPct val="90000"/>
-              </a:lnSpc>
-              <a:spcBef>
-                <a:spcPts val="281"/>
-              </a:spcBef>
-              <a:buFont typeface="Arial" panose="020B0604020202020204" pitchFamily="34" charset="0"/>
-              <a:buChar char="•"/>
-              <a:defRPr sz="1013" kern="1200">
-                <a:solidFill>
-                  <a:schemeClr val="tx1"/>
-                </a:solidFill>
-                <a:latin typeface="+mn-lt"/>
-                <a:ea typeface="+mn-ea"/>
-                <a:cs typeface="+mn-cs"/>
-              </a:defRPr>
-            </a:lvl9pPr>
-          </a:lstStyle>
-          <a:p>
-            <a:pPr lvl="3"/>
-            <a:r>
-              <a:rPr lang="en-US" dirty="0"/>
-              <a:t>(1) Upper part timeline with numbered frames. Lower part contains the </a:t>
-            </a:r>
-            <a:r>
-              <a:rPr lang="en-US" dirty="0" err="1"/>
-              <a:t>keyframes</a:t>
-            </a:r>
-            <a:endParaRPr lang="en-US" dirty="0"/>
-          </a:p>
-          <a:p>
-            <a:pPr lvl="3"/>
-            <a:r>
-              <a:rPr lang="en-US" dirty="0"/>
-              <a:t>(2) list of parallel behaviors</a:t>
-            </a:r>
-          </a:p>
-          <a:p>
-            <a:pPr lvl="3"/>
-            <a:r>
-              <a:rPr lang="en-US" dirty="0"/>
-              <a:t>(3) timeline edit button, the current frame indicator, and the general timeline scrollbar.</a:t>
-            </a:r>
-          </a:p>
-          <a:p>
-            <a:pPr lvl="3"/>
-            <a:endParaRPr lang="en-US" dirty="0"/>
-          </a:p>
-          <a:p>
-            <a:pPr lvl="3"/>
-            <a:endParaRPr lang="en-US" dirty="0"/>
-          </a:p>
-          <a:p>
-            <a:pPr lvl="2"/>
-            <a:endParaRPr lang="en-US" dirty="0"/>
-          </a:p>
-          <a:p>
-            <a:pPr lvl="3"/>
-            <a:endParaRPr lang="en-US" dirty="0"/>
-          </a:p>
-          <a:p>
-            <a:pPr lvl="3"/>
-            <a:endParaRPr lang="en-US" dirty="0"/>
-          </a:p>
-          <a:p>
-            <a:pPr lvl="2"/>
-            <a:endParaRPr lang="en-US" dirty="0"/>
-          </a:p>
-          <a:p>
-            <a:pPr marL="0" lvl="2" indent="0">
-              <a:buFont typeface="Arial" panose="020B0604020202020204" pitchFamily="34" charset="0"/>
-              <a:buNone/>
-            </a:pPr>
-            <a:endParaRPr lang="en-US" dirty="0"/>
-          </a:p>
-          <a:p>
-            <a:pPr marL="202500" lvl="3" indent="0">
-              <a:buFont typeface="Arial" panose="020B0604020202020204" pitchFamily="34" charset="0"/>
-              <a:buNone/>
-            </a:pPr>
-            <a:endParaRPr lang="en-US" dirty="0"/>
-          </a:p>
-          <a:p>
-            <a:pPr marL="0" lvl="2" indent="0">
-              <a:buFont typeface="Arial" panose="020B0604020202020204" pitchFamily="34" charset="0"/>
-              <a:buNone/>
-            </a:pPr>
-            <a:endParaRPr lang="en-US" dirty="0"/>
-          </a:p>
-          <a:p>
-            <a:pPr marL="0" lvl="2" indent="0">
-              <a:buFont typeface="Arial" panose="020B0604020202020204" pitchFamily="34" charset="0"/>
-              <a:buNone/>
-            </a:pPr>
-            <a:endParaRPr lang="en-US" dirty="0"/>
-          </a:p>
-          <a:p>
-            <a:pPr marL="0" lvl="2" indent="0">
-              <a:buFont typeface="Arial" panose="020B0604020202020204" pitchFamily="34" charset="0"/>
-              <a:buNone/>
-            </a:pPr>
-            <a:endParaRPr lang="en-US" dirty="0"/>
-          </a:p>
-          <a:p>
-            <a:pPr lvl="2"/>
-            <a:endParaRPr lang="en-US" dirty="0"/>
-          </a:p>
-          <a:p>
-            <a:pPr lvl="2"/>
-            <a:endParaRPr lang="en-US" dirty="0"/>
-          </a:p>
-          <a:p>
-            <a:pPr marL="0" lvl="2" indent="0">
-              <a:buFont typeface="Arial" panose="020B0604020202020204" pitchFamily="34" charset="0"/>
-              <a:buNone/>
-            </a:pPr>
-            <a:endParaRPr lang="en-US" dirty="0"/>
-          </a:p>
-        </p:txBody>
-      </p:sp>
-    </p:spTree>
-    <p:extLst>
-      <p:ext uri="{BB962C8B-B14F-4D97-AF65-F5344CB8AC3E}">
-        <p14:creationId xmlns:p14="http://schemas.microsoft.com/office/powerpoint/2010/main" val="508062845"/>
       </p:ext>
     </p:extLst>
   </p:cSld>
@@ -11439,6 +11281,553 @@
       </p:grpSpPr>
       <p:sp>
         <p:nvSpPr>
+          <p:cNvPr id="2" name="Titel 1"/>
+          <p:cNvSpPr>
+            <a:spLocks noGrp="1"/>
+          </p:cNvSpPr>
+          <p:nvPr>
+            <p:ph type="title"/>
+          </p:nvPr>
+        </p:nvSpPr>
+        <p:spPr/>
+        <p:txBody>
+          <a:bodyPr/>
+          <a:lstStyle/>
+          <a:p>
+            <a:r>
+              <a:rPr lang="en-US" dirty="0"/>
+              <a:t>Timeline</a:t>
+            </a:r>
+          </a:p>
+        </p:txBody>
+      </p:sp>
+      <p:sp>
+        <p:nvSpPr>
+          <p:cNvPr id="3" name="Tijdelijke aanduiding voor inhoud 2"/>
+          <p:cNvSpPr>
+            <a:spLocks noGrp="1"/>
+          </p:cNvSpPr>
+          <p:nvPr>
+            <p:ph idx="1"/>
+          </p:nvPr>
+        </p:nvSpPr>
+        <p:spPr>
+          <a:xfrm>
+            <a:off x="440504" y="1019361"/>
+            <a:ext cx="7825978" cy="3496469"/>
+          </a:xfrm>
+        </p:spPr>
+        <p:txBody>
+          <a:bodyPr/>
+          <a:lstStyle/>
+          <a:p>
+            <a:pPr marL="202500" lvl="3" indent="0">
+              <a:buNone/>
+            </a:pPr>
+            <a:endParaRPr lang="en-US" dirty="0"/>
+          </a:p>
+          <a:p>
+            <a:pPr lvl="2"/>
+            <a:endParaRPr lang="en-US" dirty="0"/>
+          </a:p>
+          <a:p>
+            <a:pPr marL="0" lvl="2" indent="0">
+              <a:buNone/>
+            </a:pPr>
+            <a:endParaRPr lang="en-US" dirty="0"/>
+          </a:p>
+          <a:p>
+            <a:pPr marL="202500" lvl="3" indent="0">
+              <a:buNone/>
+            </a:pPr>
+            <a:endParaRPr lang="en-US" dirty="0"/>
+          </a:p>
+          <a:p>
+            <a:pPr marL="0" lvl="2" indent="0">
+              <a:buNone/>
+            </a:pPr>
+            <a:endParaRPr lang="en-US" dirty="0"/>
+          </a:p>
+          <a:p>
+            <a:pPr marL="0" lvl="2" indent="0">
+              <a:buNone/>
+            </a:pPr>
+            <a:endParaRPr lang="en-US" dirty="0"/>
+          </a:p>
+          <a:p>
+            <a:pPr marL="0" lvl="2" indent="0">
+              <a:buNone/>
+            </a:pPr>
+            <a:endParaRPr lang="en-US" dirty="0"/>
+          </a:p>
+          <a:p>
+            <a:pPr lvl="2"/>
+            <a:endParaRPr lang="en-US" dirty="0"/>
+          </a:p>
+          <a:p>
+            <a:pPr lvl="2"/>
+            <a:endParaRPr lang="en-US" dirty="0"/>
+          </a:p>
+          <a:p>
+            <a:pPr marL="0" lvl="2" indent="0">
+              <a:buNone/>
+            </a:pPr>
+            <a:endParaRPr lang="en-US" dirty="0"/>
+          </a:p>
+          <a:p>
+            <a:pPr marL="0" lvl="2" indent="0">
+              <a:buNone/>
+            </a:pPr>
+            <a:endParaRPr lang="en-US" dirty="0"/>
+          </a:p>
+        </p:txBody>
+      </p:sp>
+      <p:sp>
+        <p:nvSpPr>
+          <p:cNvPr id="4" name="Tijdelijke aanduiding voor voettekst 3"/>
+          <p:cNvSpPr>
+            <a:spLocks noGrp="1"/>
+          </p:cNvSpPr>
+          <p:nvPr>
+            <p:ph type="ftr" sz="quarter" idx="11"/>
+          </p:nvPr>
+        </p:nvSpPr>
+        <p:spPr/>
+        <p:txBody>
+          <a:bodyPr/>
+          <a:lstStyle/>
+          <a:p>
+            <a:r>
+              <a:rPr lang="en-US" dirty="0"/>
+              <a:t>NAO and Pepper Tutorial</a:t>
+            </a:r>
+          </a:p>
+        </p:txBody>
+      </p:sp>
+      <p:sp>
+        <p:nvSpPr>
+          <p:cNvPr id="5" name="Tijdelijke aanduiding voor dianummer 4"/>
+          <p:cNvSpPr>
+            <a:spLocks noGrp="1"/>
+          </p:cNvSpPr>
+          <p:nvPr>
+            <p:ph type="sldNum" sz="quarter" idx="12"/>
+          </p:nvPr>
+        </p:nvSpPr>
+        <p:spPr/>
+        <p:txBody>
+          <a:bodyPr/>
+          <a:lstStyle/>
+          <a:p>
+            <a:fld id="{B7CEC10D-CD46-426F-915E-6C78530279CB}" type="slidenum">
+              <a:rPr lang="en-US" smtClean="0"/>
+              <a:pPr/>
+              <a:t>20</a:t>
+            </a:fld>
+            <a:endParaRPr lang="en-US" dirty="0"/>
+          </a:p>
+        </p:txBody>
+      </p:sp>
+      <p:pic>
+        <p:nvPicPr>
+          <p:cNvPr id="6" name="Picture 5"/>
+          <p:cNvPicPr>
+            <a:picLocks noChangeAspect="1"/>
+          </p:cNvPicPr>
+          <p:nvPr/>
+        </p:nvPicPr>
+        <p:blipFill>
+          <a:blip r:embed="rId3"/>
+          <a:stretch>
+            <a:fillRect/>
+          </a:stretch>
+        </p:blipFill>
+        <p:spPr>
+          <a:xfrm>
+            <a:off x="678180" y="1195227"/>
+            <a:ext cx="1485900" cy="1276350"/>
+          </a:xfrm>
+          <a:prstGeom prst="rect">
+            <a:avLst/>
+          </a:prstGeom>
+        </p:spPr>
+      </p:pic>
+      <p:pic>
+        <p:nvPicPr>
+          <p:cNvPr id="9" name="Picture 3"/>
+          <p:cNvPicPr>
+            <a:picLocks noChangeAspect="1" noChangeArrowheads="1"/>
+          </p:cNvPicPr>
+          <p:nvPr/>
+        </p:nvPicPr>
+        <p:blipFill>
+          <a:blip r:embed="rId4" cstate="print"/>
+          <a:srcRect/>
+          <a:stretch>
+            <a:fillRect/>
+          </a:stretch>
+        </p:blipFill>
+        <p:spPr bwMode="auto">
+          <a:xfrm>
+            <a:off x="2638663" y="1195227"/>
+            <a:ext cx="5865495" cy="947646"/>
+          </a:xfrm>
+          <a:prstGeom prst="rect">
+            <a:avLst/>
+          </a:prstGeom>
+          <a:noFill/>
+          <a:ln w="9525">
+            <a:noFill/>
+            <a:miter lim="800000"/>
+            <a:headEnd/>
+            <a:tailEnd/>
+          </a:ln>
+        </p:spPr>
+      </p:pic>
+      <p:sp>
+        <p:nvSpPr>
+          <p:cNvPr id="10" name="Tijdelijke aanduiding voor inhoud 2"/>
+          <p:cNvSpPr txBox="1">
+            <a:spLocks/>
+          </p:cNvSpPr>
+          <p:nvPr/>
+        </p:nvSpPr>
+        <p:spPr>
+          <a:xfrm>
+            <a:off x="610099" y="2647443"/>
+            <a:ext cx="7825978" cy="1922176"/>
+          </a:xfrm>
+          <a:prstGeom prst="rect">
+            <a:avLst/>
+          </a:prstGeom>
+        </p:spPr>
+        <p:txBody>
+          <a:bodyPr vert="horz" lIns="0" tIns="0" rIns="0" bIns="0" rtlCol="0">
+            <a:noAutofit/>
+          </a:bodyPr>
+          <a:lstStyle>
+            <a:lvl1pPr marL="0" indent="0" algn="l" defTabSz="514350" rtl="0" eaLnBrk="1" latinLnBrk="0" hangingPunct="1">
+              <a:lnSpc>
+                <a:spcPts val="1800"/>
+              </a:lnSpc>
+              <a:spcBef>
+                <a:spcPts val="413"/>
+              </a:spcBef>
+              <a:spcAft>
+                <a:spcPts val="413"/>
+              </a:spcAft>
+              <a:buFont typeface="Arial" panose="020B0604020202020204" pitchFamily="34" charset="0"/>
+              <a:buNone/>
+              <a:defRPr sz="1650" kern="1200">
+                <a:solidFill>
+                  <a:schemeClr val="bg2"/>
+                </a:solidFill>
+                <a:latin typeface="+mn-lt"/>
+                <a:ea typeface="+mn-ea"/>
+                <a:cs typeface="+mn-cs"/>
+              </a:defRPr>
+            </a:lvl1pPr>
+            <a:lvl2pPr marL="0" indent="0" algn="l" defTabSz="514350" rtl="0" eaLnBrk="1" latinLnBrk="0" hangingPunct="1">
+              <a:lnSpc>
+                <a:spcPts val="1800"/>
+              </a:lnSpc>
+              <a:spcBef>
+                <a:spcPts val="413"/>
+              </a:spcBef>
+              <a:spcAft>
+                <a:spcPts val="413"/>
+              </a:spcAft>
+              <a:buFont typeface="Arial" panose="020B0604020202020204" pitchFamily="34" charset="0"/>
+              <a:buNone/>
+              <a:defRPr sz="1950" kern="1200">
+                <a:solidFill>
+                  <a:schemeClr val="bg2"/>
+                </a:solidFill>
+                <a:latin typeface="+mn-lt"/>
+                <a:ea typeface="+mn-ea"/>
+                <a:cs typeface="+mn-cs"/>
+              </a:defRPr>
+            </a:lvl2pPr>
+            <a:lvl3pPr marL="202500" indent="-202500" algn="l" defTabSz="514350" rtl="0" eaLnBrk="1" latinLnBrk="0" hangingPunct="1">
+              <a:lnSpc>
+                <a:spcPts val="1800"/>
+              </a:lnSpc>
+              <a:spcBef>
+                <a:spcPts val="413"/>
+              </a:spcBef>
+              <a:buClr>
+                <a:schemeClr val="bg2"/>
+              </a:buClr>
+              <a:buSzPct val="100000"/>
+              <a:buFont typeface="Arial" panose="020B0604020202020204" pitchFamily="34" charset="0"/>
+              <a:buChar char="•"/>
+              <a:defRPr sz="1650" kern="1200">
+                <a:solidFill>
+                  <a:schemeClr val="bg2"/>
+                </a:solidFill>
+                <a:latin typeface="+mn-lt"/>
+                <a:ea typeface="+mn-ea"/>
+                <a:cs typeface="+mn-cs"/>
+              </a:defRPr>
+            </a:lvl3pPr>
+            <a:lvl4pPr marL="405000" indent="-202500" algn="l" defTabSz="514350" rtl="0" eaLnBrk="1" latinLnBrk="0" hangingPunct="1">
+              <a:lnSpc>
+                <a:spcPts val="1650"/>
+              </a:lnSpc>
+              <a:spcBef>
+                <a:spcPts val="0"/>
+              </a:spcBef>
+              <a:buClr>
+                <a:schemeClr val="bg2"/>
+              </a:buClr>
+              <a:buFont typeface="Arial" panose="020B0604020202020204" pitchFamily="34" charset="0"/>
+              <a:buChar char="•"/>
+              <a:defRPr sz="1500" kern="1200">
+                <a:solidFill>
+                  <a:schemeClr val="bg2"/>
+                </a:solidFill>
+                <a:latin typeface="+mn-lt"/>
+                <a:ea typeface="+mn-ea"/>
+                <a:cs typeface="+mn-cs"/>
+              </a:defRPr>
+            </a:lvl4pPr>
+            <a:lvl5pPr marL="607500" indent="-202500" algn="l" defTabSz="514350" rtl="0" eaLnBrk="1" latinLnBrk="0" hangingPunct="1">
+              <a:lnSpc>
+                <a:spcPts val="1500"/>
+              </a:lnSpc>
+              <a:spcBef>
+                <a:spcPts val="0"/>
+              </a:spcBef>
+              <a:buFont typeface="Arial" panose="020B0604020202020204" pitchFamily="34" charset="0"/>
+              <a:buChar char="•"/>
+              <a:defRPr sz="1350" kern="1200">
+                <a:solidFill>
+                  <a:schemeClr val="bg2"/>
+                </a:solidFill>
+                <a:latin typeface="+mn-lt"/>
+                <a:ea typeface="+mn-ea"/>
+                <a:cs typeface="+mn-cs"/>
+              </a:defRPr>
+            </a:lvl5pPr>
+            <a:lvl6pPr marL="1414463" indent="-128588" algn="l" defTabSz="514350" rtl="0" eaLnBrk="1" latinLnBrk="0" hangingPunct="1">
+              <a:lnSpc>
+                <a:spcPct val="90000"/>
+              </a:lnSpc>
+              <a:spcBef>
+                <a:spcPts val="281"/>
+              </a:spcBef>
+              <a:buFont typeface="Arial" panose="020B0604020202020204" pitchFamily="34" charset="0"/>
+              <a:buChar char="•"/>
+              <a:defRPr sz="1013" kern="1200">
+                <a:solidFill>
+                  <a:schemeClr val="tx1"/>
+                </a:solidFill>
+                <a:latin typeface="+mn-lt"/>
+                <a:ea typeface="+mn-ea"/>
+                <a:cs typeface="+mn-cs"/>
+              </a:defRPr>
+            </a:lvl6pPr>
+            <a:lvl7pPr marL="1671638" indent="-128588" algn="l" defTabSz="514350" rtl="0" eaLnBrk="1" latinLnBrk="0" hangingPunct="1">
+              <a:lnSpc>
+                <a:spcPct val="90000"/>
+              </a:lnSpc>
+              <a:spcBef>
+                <a:spcPts val="281"/>
+              </a:spcBef>
+              <a:buFont typeface="Arial" panose="020B0604020202020204" pitchFamily="34" charset="0"/>
+              <a:buChar char="•"/>
+              <a:defRPr sz="1013" kern="1200">
+                <a:solidFill>
+                  <a:schemeClr val="tx1"/>
+                </a:solidFill>
+                <a:latin typeface="+mn-lt"/>
+                <a:ea typeface="+mn-ea"/>
+                <a:cs typeface="+mn-cs"/>
+              </a:defRPr>
+            </a:lvl7pPr>
+            <a:lvl8pPr marL="1928813" indent="-128588" algn="l" defTabSz="514350" rtl="0" eaLnBrk="1" latinLnBrk="0" hangingPunct="1">
+              <a:lnSpc>
+                <a:spcPct val="90000"/>
+              </a:lnSpc>
+              <a:spcBef>
+                <a:spcPts val="281"/>
+              </a:spcBef>
+              <a:buFont typeface="Arial" panose="020B0604020202020204" pitchFamily="34" charset="0"/>
+              <a:buChar char="•"/>
+              <a:defRPr sz="1013" kern="1200">
+                <a:solidFill>
+                  <a:schemeClr val="tx1"/>
+                </a:solidFill>
+                <a:latin typeface="+mn-lt"/>
+                <a:ea typeface="+mn-ea"/>
+                <a:cs typeface="+mn-cs"/>
+              </a:defRPr>
+            </a:lvl8pPr>
+            <a:lvl9pPr marL="2185988" indent="-128588" algn="l" defTabSz="514350" rtl="0" eaLnBrk="1" latinLnBrk="0" hangingPunct="1">
+              <a:lnSpc>
+                <a:spcPct val="90000"/>
+              </a:lnSpc>
+              <a:spcBef>
+                <a:spcPts val="281"/>
+              </a:spcBef>
+              <a:buFont typeface="Arial" panose="020B0604020202020204" pitchFamily="34" charset="0"/>
+              <a:buChar char="•"/>
+              <a:defRPr sz="1013" kern="1200">
+                <a:solidFill>
+                  <a:schemeClr val="tx1"/>
+                </a:solidFill>
+                <a:latin typeface="+mn-lt"/>
+                <a:ea typeface="+mn-ea"/>
+                <a:cs typeface="+mn-cs"/>
+              </a:defRPr>
+            </a:lvl9pPr>
+          </a:lstStyle>
+          <a:p>
+            <a:pPr lvl="3"/>
+            <a:r>
+              <a:rPr lang="en-US" dirty="0"/>
+              <a:t>(1) Upper part timeline with numbered frames. Lower part contains the </a:t>
+            </a:r>
+            <a:r>
+              <a:rPr lang="en-US" dirty="0" err="1"/>
+              <a:t>keyframes</a:t>
+            </a:r>
+            <a:endParaRPr lang="en-US" dirty="0"/>
+          </a:p>
+          <a:p>
+            <a:pPr lvl="3"/>
+            <a:r>
+              <a:rPr lang="en-US" dirty="0"/>
+              <a:t>(2) list of parallel behaviors</a:t>
+            </a:r>
+          </a:p>
+          <a:p>
+            <a:pPr lvl="3"/>
+            <a:r>
+              <a:rPr lang="en-US" dirty="0"/>
+              <a:t>(3) timeline edit button, the current frame indicator, and the general timeline scrollbar.</a:t>
+            </a:r>
+          </a:p>
+          <a:p>
+            <a:pPr lvl="3"/>
+            <a:endParaRPr lang="en-US" dirty="0"/>
+          </a:p>
+          <a:p>
+            <a:pPr lvl="3"/>
+            <a:endParaRPr lang="en-US" dirty="0"/>
+          </a:p>
+          <a:p>
+            <a:pPr lvl="2"/>
+            <a:endParaRPr lang="en-US" dirty="0"/>
+          </a:p>
+          <a:p>
+            <a:pPr lvl="3"/>
+            <a:endParaRPr lang="en-US" dirty="0"/>
+          </a:p>
+          <a:p>
+            <a:pPr lvl="3"/>
+            <a:endParaRPr lang="en-US" dirty="0"/>
+          </a:p>
+          <a:p>
+            <a:pPr lvl="2"/>
+            <a:endParaRPr lang="en-US" dirty="0"/>
+          </a:p>
+          <a:p>
+            <a:pPr marL="0" lvl="2" indent="0">
+              <a:buFont typeface="Arial" panose="020B0604020202020204" pitchFamily="34" charset="0"/>
+              <a:buNone/>
+            </a:pPr>
+            <a:endParaRPr lang="en-US" dirty="0"/>
+          </a:p>
+          <a:p>
+            <a:pPr marL="202500" lvl="3" indent="0">
+              <a:buFont typeface="Arial" panose="020B0604020202020204" pitchFamily="34" charset="0"/>
+              <a:buNone/>
+            </a:pPr>
+            <a:endParaRPr lang="en-US" dirty="0"/>
+          </a:p>
+          <a:p>
+            <a:pPr marL="0" lvl="2" indent="0">
+              <a:buFont typeface="Arial" panose="020B0604020202020204" pitchFamily="34" charset="0"/>
+              <a:buNone/>
+            </a:pPr>
+            <a:endParaRPr lang="en-US" dirty="0"/>
+          </a:p>
+          <a:p>
+            <a:pPr marL="0" lvl="2" indent="0">
+              <a:buFont typeface="Arial" panose="020B0604020202020204" pitchFamily="34" charset="0"/>
+              <a:buNone/>
+            </a:pPr>
+            <a:endParaRPr lang="en-US" dirty="0"/>
+          </a:p>
+          <a:p>
+            <a:pPr marL="0" lvl="2" indent="0">
+              <a:buFont typeface="Arial" panose="020B0604020202020204" pitchFamily="34" charset="0"/>
+              <a:buNone/>
+            </a:pPr>
+            <a:endParaRPr lang="en-US" dirty="0"/>
+          </a:p>
+          <a:p>
+            <a:pPr lvl="2"/>
+            <a:endParaRPr lang="en-US" dirty="0"/>
+          </a:p>
+          <a:p>
+            <a:pPr lvl="2"/>
+            <a:endParaRPr lang="en-US" dirty="0"/>
+          </a:p>
+          <a:p>
+            <a:pPr marL="0" lvl="2" indent="0">
+              <a:buFont typeface="Arial" panose="020B0604020202020204" pitchFamily="34" charset="0"/>
+              <a:buNone/>
+            </a:pPr>
+            <a:endParaRPr lang="en-US" dirty="0"/>
+          </a:p>
+        </p:txBody>
+      </p:sp>
+    </p:spTree>
+    <p:extLst>
+      <p:ext uri="{BB962C8B-B14F-4D97-AF65-F5344CB8AC3E}">
+        <p14:creationId xmlns:p14="http://schemas.microsoft.com/office/powerpoint/2010/main" val="508062845"/>
+      </p:ext>
+    </p:extLst>
+  </p:cSld>
+  <p:clrMapOvr>
+    <a:masterClrMapping/>
+  </p:clrMapOvr>
+  <mc:AlternateContent xmlns:mc="http://schemas.openxmlformats.org/markup-compatibility/2006" xmlns:p14="http://schemas.microsoft.com/office/powerpoint/2010/main">
+    <mc:Choice Requires="p14">
+      <p:transition spd="med" p14:dur="700">
+        <p:fade/>
+      </p:transition>
+    </mc:Choice>
+    <mc:Fallback xmlns="">
+      <p:transition spd="med">
+        <p:fade/>
+      </p:transition>
+    </mc:Fallback>
+  </mc:AlternateContent>
+</p:sld>
+</file>
+
+<file path=ppt/slides/slide21.xml><?xml version="1.0" encoding="utf-8"?>
+<p:sld xmlns:a="http://schemas.openxmlformats.org/drawingml/2006/main" xmlns:r="http://schemas.openxmlformats.org/officeDocument/2006/relationships" xmlns:p="http://schemas.openxmlformats.org/presentationml/2006/main">
+  <p:cSld>
+    <p:spTree>
+      <p:nvGrpSpPr>
+        <p:cNvPr id="1" name=""/>
+        <p:cNvGrpSpPr/>
+        <p:nvPr/>
+      </p:nvGrpSpPr>
+      <p:grpSpPr>
+        <a:xfrm>
+          <a:off x="0" y="0"/>
+          <a:ext cx="0" cy="0"/>
+          <a:chOff x="0" y="0"/>
+          <a:chExt cx="0" cy="0"/>
+        </a:xfrm>
+      </p:grpSpPr>
+      <p:sp>
+        <p:nvSpPr>
           <p:cNvPr id="2" name="Title 1">
             <a:extLst>
               <a:ext uri="{FF2B5EF4-FFF2-40B4-BE49-F238E27FC236}">
@@ -11579,7 +11968,7 @@
           <a:p>
             <a:fld id="{B7CEC10D-CD46-426F-915E-6C78530279CB}" type="slidenum">
               <a:rPr lang="en-US" smtClean="0"/>
-              <a:t>20</a:t>
+              <a:t>21</a:t>
             </a:fld>
             <a:endParaRPr lang="en-US" dirty="0"/>
           </a:p>
@@ -12020,7 +12409,7 @@
 </p:sld>
 </file>
 
-<file path=ppt/slides/slide21.xml><?xml version="1.0" encoding="utf-8"?>
+<file path=ppt/slides/slide22.xml><?xml version="1.0" encoding="utf-8"?>
 <p:sld xmlns:a="http://schemas.openxmlformats.org/drawingml/2006/main" xmlns:r="http://schemas.openxmlformats.org/officeDocument/2006/relationships" xmlns:p="http://schemas.openxmlformats.org/presentationml/2006/main">
   <p:cSld>
     <p:spTree>
@@ -12042,6 +12431,214 @@
           <p:cNvPr id="2" name="Title 1">
             <a:extLst>
               <a:ext uri="{FF2B5EF4-FFF2-40B4-BE49-F238E27FC236}">
+                <a16:creationId xmlns:a16="http://schemas.microsoft.com/office/drawing/2014/main" id="{579CA77E-DBB0-A013-4223-D1DA1E76F865}"/>
+              </a:ext>
+            </a:extLst>
+          </p:cNvPr>
+          <p:cNvSpPr>
+            <a:spLocks noGrp="1"/>
+          </p:cNvSpPr>
+          <p:nvPr>
+            <p:ph type="title"/>
+          </p:nvPr>
+        </p:nvSpPr>
+        <p:spPr/>
+        <p:txBody>
+          <a:bodyPr/>
+          <a:lstStyle/>
+          <a:p>
+            <a:endParaRPr lang="en-NL"/>
+          </a:p>
+        </p:txBody>
+      </p:sp>
+      <p:sp>
+        <p:nvSpPr>
+          <p:cNvPr id="3" name="Content Placeholder 2">
+            <a:extLst>
+              <a:ext uri="{FF2B5EF4-FFF2-40B4-BE49-F238E27FC236}">
+                <a16:creationId xmlns:a16="http://schemas.microsoft.com/office/drawing/2014/main" id="{ABBC38BB-E8A8-A8E7-8B77-2D270DB7DB23}"/>
+              </a:ext>
+            </a:extLst>
+          </p:cNvPr>
+          <p:cNvSpPr>
+            <a:spLocks noGrp="1"/>
+          </p:cNvSpPr>
+          <p:nvPr>
+            <p:ph idx="1"/>
+          </p:nvPr>
+        </p:nvSpPr>
+        <p:spPr/>
+        <p:txBody>
+          <a:bodyPr/>
+          <a:lstStyle/>
+          <a:p>
+            <a:r>
+              <a:rPr lang="en-NL" dirty="0"/>
+              <a:t>Right click on t</a:t>
+            </a:r>
+            <a:r>
+              <a:rPr lang="en-GB" dirty="0"/>
+              <a:t>he</a:t>
+            </a:r>
+            <a:r>
+              <a:rPr lang="en-NL" dirty="0"/>
+              <a:t> timeline gives acces to store joints and to export it to python/c++</a:t>
+            </a:r>
+          </a:p>
+        </p:txBody>
+      </p:sp>
+      <p:sp>
+        <p:nvSpPr>
+          <p:cNvPr id="4" name="Footer Placeholder 3">
+            <a:extLst>
+              <a:ext uri="{FF2B5EF4-FFF2-40B4-BE49-F238E27FC236}">
+                <a16:creationId xmlns:a16="http://schemas.microsoft.com/office/drawing/2014/main" id="{69342692-1371-B096-41CE-F4B19649EC1E}"/>
+              </a:ext>
+            </a:extLst>
+          </p:cNvPr>
+          <p:cNvSpPr>
+            <a:spLocks noGrp="1"/>
+          </p:cNvSpPr>
+          <p:nvPr>
+            <p:ph type="ftr" sz="quarter" idx="11"/>
+          </p:nvPr>
+        </p:nvSpPr>
+        <p:spPr/>
+        <p:txBody>
+          <a:bodyPr/>
+          <a:lstStyle/>
+          <a:p>
+            <a:r>
+              <a:rPr lang="en-US"/>
+              <a:t>Title of Presentation – by Insert Header and Footer text</a:t>
+            </a:r>
+            <a:endParaRPr lang="en-US" dirty="0"/>
+          </a:p>
+        </p:txBody>
+      </p:sp>
+      <p:sp>
+        <p:nvSpPr>
+          <p:cNvPr id="5" name="Slide Number Placeholder 4">
+            <a:extLst>
+              <a:ext uri="{FF2B5EF4-FFF2-40B4-BE49-F238E27FC236}">
+                <a16:creationId xmlns:a16="http://schemas.microsoft.com/office/drawing/2014/main" id="{E6A733DC-CFA3-406C-1134-EB6B1DCB35EF}"/>
+              </a:ext>
+            </a:extLst>
+          </p:cNvPr>
+          <p:cNvSpPr>
+            <a:spLocks noGrp="1"/>
+          </p:cNvSpPr>
+          <p:nvPr>
+            <p:ph type="sldNum" sz="quarter" idx="12"/>
+          </p:nvPr>
+        </p:nvSpPr>
+        <p:spPr/>
+        <p:txBody>
+          <a:bodyPr/>
+          <a:lstStyle/>
+          <a:p>
+            <a:fld id="{B7CEC10D-CD46-426F-915E-6C78530279CB}" type="slidenum">
+              <a:rPr lang="en-US" smtClean="0"/>
+              <a:t>22</a:t>
+            </a:fld>
+            <a:endParaRPr lang="en-US" dirty="0"/>
+          </a:p>
+        </p:txBody>
+      </p:sp>
+      <p:pic>
+        <p:nvPicPr>
+          <p:cNvPr id="2050" name="Picture 2">
+            <a:extLst>
+              <a:ext uri="{FF2B5EF4-FFF2-40B4-BE49-F238E27FC236}">
+                <a16:creationId xmlns:a16="http://schemas.microsoft.com/office/drawing/2014/main" id="{F25F3661-C771-B157-17A7-58A127724E03}"/>
+              </a:ext>
+            </a:extLst>
+          </p:cNvPr>
+          <p:cNvPicPr>
+            <a:picLocks noChangeAspect="1" noChangeArrowheads="1"/>
+          </p:cNvPicPr>
+          <p:nvPr/>
+        </p:nvPicPr>
+        <p:blipFill>
+          <a:blip r:embed="rId2">
+            <a:extLst>
+              <a:ext uri="{28A0092B-C50C-407E-A947-70E740481C1C}">
+                <a14:useLocalDpi xmlns:a14="http://schemas.microsoft.com/office/drawing/2010/main" val="0"/>
+              </a:ext>
+            </a:extLst>
+          </a:blip>
+          <a:srcRect/>
+          <a:stretch>
+            <a:fillRect/>
+          </a:stretch>
+        </p:blipFill>
+        <p:spPr bwMode="auto">
+          <a:xfrm>
+            <a:off x="2555171" y="1708739"/>
+            <a:ext cx="4032069" cy="2541043"/>
+          </a:xfrm>
+          <a:prstGeom prst="rect">
+            <a:avLst/>
+          </a:prstGeom>
+          <a:noFill/>
+          <a:extLst>
+            <a:ext uri="{909E8E84-426E-40DD-AFC4-6F175D3DCCD1}">
+              <a14:hiddenFill xmlns:a14="http://schemas.microsoft.com/office/drawing/2010/main">
+                <a:solidFill>
+                  <a:srgbClr val="FFFFFF"/>
+                </a:solidFill>
+              </a14:hiddenFill>
+            </a:ext>
+          </a:extLst>
+        </p:spPr>
+      </p:pic>
+    </p:spTree>
+    <p:extLst>
+      <p:ext uri="{BB962C8B-B14F-4D97-AF65-F5344CB8AC3E}">
+        <p14:creationId xmlns:p14="http://schemas.microsoft.com/office/powerpoint/2010/main" val="3433928130"/>
+      </p:ext>
+    </p:extLst>
+  </p:cSld>
+  <p:clrMapOvr>
+    <a:masterClrMapping/>
+  </p:clrMapOvr>
+  <mc:AlternateContent xmlns:mc="http://schemas.openxmlformats.org/markup-compatibility/2006" xmlns:p14="http://schemas.microsoft.com/office/powerpoint/2010/main">
+    <mc:Choice Requires="p14">
+      <p:transition spd="med" p14:dur="700">
+        <p:fade/>
+      </p:transition>
+    </mc:Choice>
+    <mc:Fallback xmlns="">
+      <p:transition spd="med">
+        <p:fade/>
+      </p:transition>
+    </mc:Fallback>
+  </mc:AlternateContent>
+</p:sld>
+</file>
+
+<file path=ppt/slides/slide23.xml><?xml version="1.0" encoding="utf-8"?>
+<p:sld xmlns:a="http://schemas.openxmlformats.org/drawingml/2006/main" xmlns:r="http://schemas.openxmlformats.org/officeDocument/2006/relationships" xmlns:p="http://schemas.openxmlformats.org/presentationml/2006/main">
+  <p:cSld>
+    <p:spTree>
+      <p:nvGrpSpPr>
+        <p:cNvPr id="1" name=""/>
+        <p:cNvGrpSpPr/>
+        <p:nvPr/>
+      </p:nvGrpSpPr>
+      <p:grpSpPr>
+        <a:xfrm>
+          <a:off x="0" y="0"/>
+          <a:ext cx="0" cy="0"/>
+          <a:chOff x="0" y="0"/>
+          <a:chExt cx="0" cy="0"/>
+        </a:xfrm>
+      </p:grpSpPr>
+      <p:sp>
+        <p:nvSpPr>
+          <p:cNvPr id="2" name="Title 1">
+            <a:extLst>
+              <a:ext uri="{FF2B5EF4-FFF2-40B4-BE49-F238E27FC236}">
                 <a16:creationId xmlns:a16="http://schemas.microsoft.com/office/drawing/2014/main" id="{3DBD02A8-90C9-43CA-9BE9-23C1C233DCB1}"/>
               </a:ext>
             </a:extLst>
@@ -12236,7 +12833,7 @@
           <a:p>
             <a:fld id="{B7CEC10D-CD46-426F-915E-6C78530279CB}" type="slidenum">
               <a:rPr lang="en-US" smtClean="0"/>
-              <a:t>21</a:t>
+              <a:t>23</a:t>
             </a:fld>
             <a:endParaRPr lang="en-US" dirty="0"/>
           </a:p>
@@ -12267,7 +12864,7 @@
 </p:sld>
 </file>
 
-<file path=ppt/slides/slide22.xml><?xml version="1.0" encoding="utf-8"?>
+<file path=ppt/slides/slide24.xml><?xml version="1.0" encoding="utf-8"?>
 <p:sld xmlns:a="http://schemas.openxmlformats.org/drawingml/2006/main" xmlns:r="http://schemas.openxmlformats.org/officeDocument/2006/relationships" xmlns:p="http://schemas.openxmlformats.org/presentationml/2006/main">
   <p:cSld>
     <p:spTree>
@@ -12403,7 +13000,7 @@
           <a:p>
             <a:fld id="{B7CEC10D-CD46-426F-915E-6C78530279CB}" type="slidenum">
               <a:rPr lang="en-US" smtClean="0"/>
-              <a:t>22</a:t>
+              <a:t>24</a:t>
             </a:fld>
             <a:endParaRPr lang="en-US" dirty="0"/>
           </a:p>
@@ -12910,7 +13507,7 @@
 </p:sld>
 </file>
 
-<file path=ppt/slides/slide23.xml><?xml version="1.0" encoding="utf-8"?>
+<file path=ppt/slides/slide25.xml><?xml version="1.0" encoding="utf-8"?>
 <p:sld xmlns:a="http://schemas.openxmlformats.org/drawingml/2006/main" xmlns:r="http://schemas.openxmlformats.org/officeDocument/2006/relationships" xmlns:p="http://schemas.openxmlformats.org/presentationml/2006/main">
   <p:cSld>
     <p:spTree>
@@ -13033,7 +13630,7 @@
           <a:p>
             <a:fld id="{B7CEC10D-CD46-426F-915E-6C78530279CB}" type="slidenum">
               <a:rPr lang="en-US" smtClean="0"/>
-              <a:t>23</a:t>
+              <a:t>25</a:t>
             </a:fld>
             <a:endParaRPr lang="en-US" dirty="0"/>
           </a:p>
@@ -13154,400 +13751,6 @@
 </p:sld>
 </file>
 
-<file path=ppt/slides/slide24.xml><?xml version="1.0" encoding="utf-8"?>
-<p:sld xmlns:a="http://schemas.openxmlformats.org/drawingml/2006/main" xmlns:r="http://schemas.openxmlformats.org/officeDocument/2006/relationships" xmlns:p="http://schemas.openxmlformats.org/presentationml/2006/main">
-  <p:cSld>
-    <p:spTree>
-      <p:nvGrpSpPr>
-        <p:cNvPr id="1" name=""/>
-        <p:cNvGrpSpPr/>
-        <p:nvPr/>
-      </p:nvGrpSpPr>
-      <p:grpSpPr>
-        <a:xfrm>
-          <a:off x="0" y="0"/>
-          <a:ext cx="0" cy="0"/>
-          <a:chOff x="0" y="0"/>
-          <a:chExt cx="0" cy="0"/>
-        </a:xfrm>
-      </p:grpSpPr>
-      <p:sp>
-        <p:nvSpPr>
-          <p:cNvPr id="2" name="Titel 1"/>
-          <p:cNvSpPr>
-            <a:spLocks noGrp="1"/>
-          </p:cNvSpPr>
-          <p:nvPr>
-            <p:ph type="title"/>
-          </p:nvPr>
-        </p:nvSpPr>
-        <p:spPr>
-          <a:xfrm>
-            <a:off x="609938" y="3325528"/>
-            <a:ext cx="7923213" cy="394448"/>
-          </a:xfrm>
-        </p:spPr>
-        <p:txBody>
-          <a:bodyPr/>
-          <a:lstStyle/>
-          <a:p>
-            <a:r>
-              <a:rPr lang="en-US" dirty="0"/>
-              <a:t>Using Python and </a:t>
-            </a:r>
-            <a:r>
-              <a:rPr lang="en-US" dirty="0" err="1"/>
-              <a:t>Naoqi</a:t>
-            </a:r>
-            <a:endParaRPr lang="en-US" dirty="0"/>
-          </a:p>
-        </p:txBody>
-      </p:sp>
-      <p:sp>
-        <p:nvSpPr>
-          <p:cNvPr id="4" name="Tijdelijke aanduiding voor voettekst 3"/>
-          <p:cNvSpPr>
-            <a:spLocks noGrp="1"/>
-          </p:cNvSpPr>
-          <p:nvPr>
-            <p:ph type="ftr" sz="quarter" idx="11"/>
-          </p:nvPr>
-        </p:nvSpPr>
-        <p:spPr/>
-        <p:txBody>
-          <a:bodyPr/>
-          <a:lstStyle/>
-          <a:p>
-            <a:r>
-              <a:rPr lang="en-US" dirty="0"/>
-              <a:t>NAO and Pepper Tutorial</a:t>
-            </a:r>
-          </a:p>
-        </p:txBody>
-      </p:sp>
-      <p:sp>
-        <p:nvSpPr>
-          <p:cNvPr id="5" name="Tijdelijke aanduiding voor dianummer 4"/>
-          <p:cNvSpPr>
-            <a:spLocks noGrp="1"/>
-          </p:cNvSpPr>
-          <p:nvPr>
-            <p:ph type="sldNum" sz="quarter" idx="12"/>
-          </p:nvPr>
-        </p:nvSpPr>
-        <p:spPr/>
-        <p:txBody>
-          <a:bodyPr/>
-          <a:lstStyle/>
-          <a:p>
-            <a:fld id="{B7CEC10D-CD46-426F-915E-6C78530279CB}" type="slidenum">
-              <a:rPr lang="en-US" smtClean="0"/>
-              <a:pPr/>
-              <a:t>24</a:t>
-            </a:fld>
-            <a:endParaRPr lang="en-US" dirty="0"/>
-          </a:p>
-        </p:txBody>
-      </p:sp>
-    </p:spTree>
-    <p:extLst>
-      <p:ext uri="{BB962C8B-B14F-4D97-AF65-F5344CB8AC3E}">
-        <p14:creationId xmlns:p14="http://schemas.microsoft.com/office/powerpoint/2010/main" val="2827052539"/>
-      </p:ext>
-    </p:extLst>
-  </p:cSld>
-  <p:clrMapOvr>
-    <a:masterClrMapping/>
-  </p:clrMapOvr>
-  <mc:AlternateContent xmlns:mc="http://schemas.openxmlformats.org/markup-compatibility/2006" xmlns:p14="http://schemas.microsoft.com/office/powerpoint/2010/main">
-    <mc:Choice Requires="p14">
-      <p:transition spd="med" p14:dur="700">
-        <p:fade/>
-      </p:transition>
-    </mc:Choice>
-    <mc:Fallback xmlns="">
-      <p:transition spd="med">
-        <p:fade/>
-      </p:transition>
-    </mc:Fallback>
-  </mc:AlternateContent>
-</p:sld>
-</file>
-
-<file path=ppt/slides/slide25.xml><?xml version="1.0" encoding="utf-8"?>
-<p:sld xmlns:a="http://schemas.openxmlformats.org/drawingml/2006/main" xmlns:r="http://schemas.openxmlformats.org/officeDocument/2006/relationships" xmlns:p="http://schemas.openxmlformats.org/presentationml/2006/main">
-  <p:cSld>
-    <p:spTree>
-      <p:nvGrpSpPr>
-        <p:cNvPr id="1" name=""/>
-        <p:cNvGrpSpPr/>
-        <p:nvPr/>
-      </p:nvGrpSpPr>
-      <p:grpSpPr>
-        <a:xfrm>
-          <a:off x="0" y="0"/>
-          <a:ext cx="0" cy="0"/>
-          <a:chOff x="0" y="0"/>
-          <a:chExt cx="0" cy="0"/>
-        </a:xfrm>
-      </p:grpSpPr>
-      <p:sp>
-        <p:nvSpPr>
-          <p:cNvPr id="2" name="Titel 1"/>
-          <p:cNvSpPr>
-            <a:spLocks noGrp="1"/>
-          </p:cNvSpPr>
-          <p:nvPr>
-            <p:ph type="title"/>
-          </p:nvPr>
-        </p:nvSpPr>
-        <p:spPr/>
-        <p:txBody>
-          <a:bodyPr/>
-          <a:lstStyle/>
-          <a:p>
-            <a:r>
-              <a:rPr lang="en-US" dirty="0"/>
-              <a:t>Manual Python Installation</a:t>
-            </a:r>
-          </a:p>
-        </p:txBody>
-      </p:sp>
-      <p:sp>
-        <p:nvSpPr>
-          <p:cNvPr id="3" name="Tijdelijke aanduiding voor inhoud 2"/>
-          <p:cNvSpPr>
-            <a:spLocks noGrp="1"/>
-          </p:cNvSpPr>
-          <p:nvPr>
-            <p:ph idx="1"/>
-          </p:nvPr>
-        </p:nvSpPr>
-        <p:spPr>
-          <a:xfrm>
-            <a:off x="440504" y="1019361"/>
-            <a:ext cx="7825978" cy="3496469"/>
-          </a:xfrm>
-        </p:spPr>
-        <p:txBody>
-          <a:bodyPr/>
-          <a:lstStyle/>
-          <a:p>
-            <a:pPr lvl="2"/>
-            <a:r>
-              <a:rPr lang="en-US" dirty="0"/>
-              <a:t>Install the 32-bit version of Python 2.7</a:t>
-            </a:r>
-          </a:p>
-          <a:p>
-            <a:pPr lvl="2"/>
-            <a:r>
-              <a:rPr lang="en-US" dirty="0"/>
-              <a:t>Install the </a:t>
-            </a:r>
-            <a:r>
-              <a:rPr lang="en-US" dirty="0" err="1"/>
-              <a:t>Naoqi</a:t>
-            </a:r>
-            <a:r>
-              <a:rPr lang="en-US" dirty="0"/>
-              <a:t> SDK for Python (2.1.4 for NAO and 2.5.5 for Pepper)</a:t>
-            </a:r>
-          </a:p>
-          <a:p>
-            <a:pPr lvl="2"/>
-            <a:r>
-              <a:rPr lang="en-US" dirty="0"/>
-              <a:t>Open the Python editor “Idle” and open a Python shell</a:t>
-            </a:r>
-          </a:p>
-          <a:p>
-            <a:pPr lvl="2"/>
-            <a:endParaRPr lang="en-US" dirty="0"/>
-          </a:p>
-          <a:p>
-            <a:pPr lvl="2"/>
-            <a:endParaRPr lang="en-US" dirty="0"/>
-          </a:p>
-          <a:p>
-            <a:pPr lvl="2"/>
-            <a:r>
-              <a:rPr lang="en-US" dirty="0"/>
-              <a:t>Type</a:t>
-            </a:r>
-          </a:p>
-          <a:p>
-            <a:pPr marL="405000" lvl="4" indent="0">
-              <a:buNone/>
-            </a:pPr>
-            <a:r>
-              <a:rPr lang="en-US" dirty="0">
-                <a:latin typeface="Courier New" panose="02070309020205020404" pitchFamily="49" charset="0"/>
-                <a:cs typeface="Courier New" panose="02070309020205020404" pitchFamily="49" charset="0"/>
-              </a:rPr>
-              <a:t>import </a:t>
-            </a:r>
-            <a:r>
-              <a:rPr lang="en-US" dirty="0" err="1">
-                <a:latin typeface="Courier New" panose="02070309020205020404" pitchFamily="49" charset="0"/>
-                <a:cs typeface="Courier New" panose="02070309020205020404" pitchFamily="49" charset="0"/>
-              </a:rPr>
-              <a:t>naoqi</a:t>
-            </a:r>
-            <a:endParaRPr lang="en-US" dirty="0">
-              <a:latin typeface="Courier New" panose="02070309020205020404" pitchFamily="49" charset="0"/>
-              <a:cs typeface="Courier New" panose="02070309020205020404" pitchFamily="49" charset="0"/>
-            </a:endParaRPr>
-          </a:p>
-          <a:p>
-            <a:pPr marL="405000" lvl="4" indent="0">
-              <a:buNone/>
-            </a:pPr>
-            <a:endParaRPr lang="en-US" dirty="0">
-              <a:latin typeface="Courier New" panose="02070309020205020404" pitchFamily="49" charset="0"/>
-              <a:cs typeface="Courier New" panose="02070309020205020404" pitchFamily="49" charset="0"/>
-            </a:endParaRPr>
-          </a:p>
-          <a:p>
-            <a:pPr lvl="2"/>
-            <a:r>
-              <a:rPr lang="en-US" dirty="0"/>
-              <a:t>If you get no error messages Python and </a:t>
-            </a:r>
-            <a:r>
-              <a:rPr lang="en-US" dirty="0" err="1"/>
-              <a:t>Naoqi</a:t>
-            </a:r>
-            <a:r>
-              <a:rPr lang="en-US" dirty="0"/>
-              <a:t> are installed correctly</a:t>
-            </a:r>
-          </a:p>
-          <a:p>
-            <a:pPr lvl="2"/>
-            <a:endParaRPr lang="en-US" dirty="0">
-              <a:latin typeface="Courier New" panose="02070309020205020404" pitchFamily="49" charset="0"/>
-              <a:cs typeface="Courier New" panose="02070309020205020404" pitchFamily="49" charset="0"/>
-            </a:endParaRPr>
-          </a:p>
-          <a:p>
-            <a:pPr lvl="2"/>
-            <a:r>
-              <a:rPr lang="en-US" dirty="0">
-                <a:cs typeface="Courier New" panose="02070309020205020404" pitchFamily="49" charset="0"/>
-              </a:rPr>
-              <a:t>You can use pip (Python Package Installer) to install packages</a:t>
-            </a:r>
-          </a:p>
-          <a:p>
-            <a:pPr lvl="3"/>
-            <a:r>
-              <a:rPr lang="en-US" dirty="0">
-                <a:cs typeface="Courier New" panose="02070309020205020404" pitchFamily="49" charset="0"/>
-              </a:rPr>
-              <a:t>In Windows: run </a:t>
-            </a:r>
-            <a:r>
-              <a:rPr lang="en-US" dirty="0" err="1">
-                <a:cs typeface="Courier New" panose="02070309020205020404" pitchFamily="49" charset="0"/>
-              </a:rPr>
-              <a:t>cmd</a:t>
-            </a:r>
-            <a:endParaRPr lang="en-US" dirty="0">
-              <a:cs typeface="Courier New" panose="02070309020205020404" pitchFamily="49" charset="0"/>
-            </a:endParaRPr>
-          </a:p>
-          <a:p>
-            <a:pPr lvl="3"/>
-            <a:r>
-              <a:rPr lang="en-US" dirty="0">
-                <a:cs typeface="Courier New" panose="02070309020205020404" pitchFamily="49" charset="0"/>
-              </a:rPr>
-              <a:t>Type python –m pip install</a:t>
-            </a:r>
-          </a:p>
-          <a:p>
-            <a:pPr marL="405000" lvl="4" indent="0">
-              <a:buNone/>
-            </a:pPr>
-            <a:endParaRPr lang="en-US" dirty="0">
-              <a:latin typeface="Courier New" panose="02070309020205020404" pitchFamily="49" charset="0"/>
-              <a:cs typeface="Courier New" panose="02070309020205020404" pitchFamily="49" charset="0"/>
-            </a:endParaRPr>
-          </a:p>
-        </p:txBody>
-      </p:sp>
-      <p:sp>
-        <p:nvSpPr>
-          <p:cNvPr id="4" name="Tijdelijke aanduiding voor voettekst 3"/>
-          <p:cNvSpPr>
-            <a:spLocks noGrp="1"/>
-          </p:cNvSpPr>
-          <p:nvPr>
-            <p:ph type="ftr" sz="quarter" idx="11"/>
-          </p:nvPr>
-        </p:nvSpPr>
-        <p:spPr/>
-        <p:txBody>
-          <a:bodyPr/>
-          <a:lstStyle/>
-          <a:p>
-            <a:r>
-              <a:rPr lang="en-US" dirty="0"/>
-              <a:t>NAO and Pepper Tutorial</a:t>
-            </a:r>
-          </a:p>
-        </p:txBody>
-      </p:sp>
-      <p:sp>
-        <p:nvSpPr>
-          <p:cNvPr id="5" name="Tijdelijke aanduiding voor dianummer 4"/>
-          <p:cNvSpPr>
-            <a:spLocks noGrp="1"/>
-          </p:cNvSpPr>
-          <p:nvPr>
-            <p:ph type="sldNum" sz="quarter" idx="12"/>
-          </p:nvPr>
-        </p:nvSpPr>
-        <p:spPr/>
-        <p:txBody>
-          <a:bodyPr/>
-          <a:lstStyle/>
-          <a:p>
-            <a:fld id="{B7CEC10D-CD46-426F-915E-6C78530279CB}" type="slidenum">
-              <a:rPr lang="en-US" smtClean="0"/>
-              <a:pPr/>
-              <a:t>25</a:t>
-            </a:fld>
-            <a:endParaRPr lang="en-US" dirty="0"/>
-          </a:p>
-        </p:txBody>
-      </p:sp>
-    </p:spTree>
-    <p:extLst>
-      <p:ext uri="{BB962C8B-B14F-4D97-AF65-F5344CB8AC3E}">
-        <p14:creationId xmlns:p14="http://schemas.microsoft.com/office/powerpoint/2010/main" val="418312456"/>
-      </p:ext>
-    </p:extLst>
-  </p:cSld>
-  <p:clrMapOvr>
-    <a:masterClrMapping/>
-  </p:clrMapOvr>
-  <mc:AlternateContent xmlns:mc="http://schemas.openxmlformats.org/markup-compatibility/2006" xmlns:p14="http://schemas.microsoft.com/office/powerpoint/2010/main">
-    <mc:Choice Requires="p14">
-      <p:transition spd="med" p14:dur="700">
-        <p:fade/>
-      </p:transition>
-    </mc:Choice>
-    <mc:Fallback xmlns="">
-      <p:transition spd="med">
-        <p:fade/>
-      </p:transition>
-    </mc:Fallback>
-  </mc:AlternateContent>
-</p:sld>
-</file>
-
 <file path=ppt/slides/slide26.xml><?xml version="1.0" encoding="utf-8"?>
 <p:sld xmlns:a="http://schemas.openxmlformats.org/drawingml/2006/main" xmlns:r="http://schemas.openxmlformats.org/officeDocument/2006/relationships" xmlns:p="http://schemas.openxmlformats.org/presentationml/2006/main">
   <p:cSld>
@@ -13567,7 +13770,7 @@
       </p:grpSpPr>
       <p:sp>
         <p:nvSpPr>
-          <p:cNvPr id="2" name="Title 1"/>
+          <p:cNvPr id="2" name="Titel 1"/>
           <p:cNvSpPr>
             <a:spLocks noGrp="1"/>
           </p:cNvSpPr>
@@ -13575,39 +13778,58 @@
             <p:ph type="title"/>
           </p:nvPr>
         </p:nvSpPr>
+        <p:spPr>
+          <a:xfrm>
+            <a:off x="609938" y="3325528"/>
+            <a:ext cx="7923213" cy="394448"/>
+          </a:xfrm>
+        </p:spPr>
+        <p:txBody>
+          <a:bodyPr/>
+          <a:lstStyle/>
+          <a:p>
+            <a:r>
+              <a:rPr lang="en-US" dirty="0"/>
+              <a:t>Using Python and </a:t>
+            </a:r>
+            <a:r>
+              <a:rPr lang="en-US" dirty="0" err="1"/>
+              <a:t>Naoqi</a:t>
+            </a:r>
+            <a:endParaRPr lang="en-US" dirty="0"/>
+          </a:p>
+        </p:txBody>
+      </p:sp>
+      <p:sp>
+        <p:nvSpPr>
+          <p:cNvPr id="4" name="Tijdelijke aanduiding voor voettekst 3"/>
+          <p:cNvSpPr>
+            <a:spLocks noGrp="1"/>
+          </p:cNvSpPr>
+          <p:nvPr>
+            <p:ph type="ftr" sz="quarter" idx="11"/>
+          </p:nvPr>
+        </p:nvSpPr>
         <p:spPr/>
         <p:txBody>
           <a:bodyPr/>
           <a:lstStyle/>
           <a:p>
             <a:r>
-              <a:rPr lang="nl-NL" dirty="0" err="1"/>
-              <a:t>WinPython</a:t>
-            </a:r>
-            <a:r>
-              <a:rPr lang="nl-NL" dirty="0"/>
-              <a:t> Installation (</a:t>
-            </a:r>
-            <a:r>
-              <a:rPr lang="nl-NL" dirty="0" err="1"/>
-              <a:t>Easier</a:t>
-            </a:r>
-            <a:r>
-              <a:rPr lang="nl-NL" dirty="0"/>
-              <a:t>!)</a:t>
-            </a:r>
-            <a:endParaRPr lang="en-US" dirty="0"/>
-          </a:p>
-        </p:txBody>
-      </p:sp>
-      <p:sp>
-        <p:nvSpPr>
-          <p:cNvPr id="3" name="Content Placeholder 2"/>
-          <p:cNvSpPr>
-            <a:spLocks noGrp="1"/>
-          </p:cNvSpPr>
-          <p:nvPr>
-            <p:ph idx="1"/>
+              <a:rPr lang="en-US" dirty="0"/>
+              <a:t>NAO and Pepper Tutorial</a:t>
+            </a:r>
+          </a:p>
+        </p:txBody>
+      </p:sp>
+      <p:sp>
+        <p:nvSpPr>
+          <p:cNvPr id="5" name="Tijdelijke aanduiding voor dianummer 4"/>
+          <p:cNvSpPr>
+            <a:spLocks noGrp="1"/>
+          </p:cNvSpPr>
+          <p:nvPr>
+            <p:ph type="sldNum" sz="quarter" idx="12"/>
           </p:nvPr>
         </p:nvSpPr>
         <p:spPr/>
@@ -13615,245 +13837,11 @@
           <a:bodyPr/>
           <a:lstStyle/>
           <a:p>
-            <a:r>
-              <a:rPr lang="nl-NL" dirty="0" err="1"/>
-              <a:t>Install</a:t>
-            </a:r>
-            <a:r>
-              <a:rPr lang="nl-NL" dirty="0"/>
-              <a:t> </a:t>
-            </a:r>
-            <a:r>
-              <a:rPr lang="nl-NL" dirty="0" err="1"/>
-              <a:t>WinPython</a:t>
-            </a:r>
-            <a:r>
-              <a:rPr lang="nl-NL" dirty="0"/>
-              <a:t> (</a:t>
-            </a:r>
-            <a:r>
-              <a:rPr lang="nl-NL" dirty="0" err="1"/>
-              <a:t>see</a:t>
-            </a:r>
-            <a:r>
-              <a:rPr lang="nl-NL" dirty="0"/>
-              <a:t> </a:t>
-            </a:r>
-            <a:r>
-              <a:rPr lang="nl-NL" dirty="0" err="1"/>
-              <a:t>handouts</a:t>
-            </a:r>
-            <a:r>
-              <a:rPr lang="nl-NL" dirty="0"/>
-              <a:t>)</a:t>
-            </a:r>
-          </a:p>
-          <a:p>
-            <a:pPr lvl="1"/>
-            <a:r>
-              <a:rPr lang="nl-NL" dirty="0" err="1"/>
-              <a:t>Includes</a:t>
-            </a:r>
-            <a:r>
-              <a:rPr lang="nl-NL" dirty="0"/>
-              <a:t> most important </a:t>
-            </a:r>
-            <a:r>
-              <a:rPr lang="nl-NL" dirty="0" err="1"/>
-              <a:t>extensions</a:t>
-            </a:r>
-            <a:r>
-              <a:rPr lang="nl-NL" dirty="0"/>
-              <a:t>/</a:t>
-            </a:r>
-            <a:r>
-              <a:rPr lang="nl-NL" dirty="0" err="1"/>
-              <a:t>libraries</a:t>
-            </a:r>
-            <a:endParaRPr lang="nl-NL" dirty="0"/>
-          </a:p>
-          <a:p>
-            <a:r>
-              <a:rPr lang="nl-NL" dirty="0"/>
-              <a:t>Register </a:t>
-            </a:r>
-            <a:r>
-              <a:rPr lang="nl-NL" dirty="0" err="1"/>
-              <a:t>WinPython</a:t>
-            </a:r>
-            <a:r>
-              <a:rPr lang="nl-NL" dirty="0"/>
-              <a:t> </a:t>
-            </a:r>
-            <a:r>
-              <a:rPr lang="nl-NL" dirty="0" err="1"/>
-              <a:t>using</a:t>
-            </a:r>
-            <a:r>
-              <a:rPr lang="nl-NL" dirty="0"/>
-              <a:t> </a:t>
-            </a:r>
-            <a:r>
-              <a:rPr lang="nl-NL" dirty="0" err="1"/>
-              <a:t>the</a:t>
-            </a:r>
-            <a:r>
-              <a:rPr lang="nl-NL" dirty="0"/>
-              <a:t> </a:t>
-            </a:r>
-            <a:r>
-              <a:rPr lang="nl-NL" dirty="0" err="1"/>
-              <a:t>WinPython</a:t>
-            </a:r>
-            <a:r>
-              <a:rPr lang="nl-NL" dirty="0"/>
-              <a:t> Control panel</a:t>
-            </a:r>
-          </a:p>
-          <a:p>
-            <a:endParaRPr lang="nl-NL" dirty="0"/>
-          </a:p>
-          <a:p>
-            <a:r>
-              <a:rPr lang="nl-NL" dirty="0" err="1"/>
-              <a:t>Install</a:t>
-            </a:r>
-            <a:r>
-              <a:rPr lang="nl-NL" dirty="0"/>
-              <a:t> the </a:t>
-            </a:r>
-            <a:r>
-              <a:rPr lang="nl-NL" dirty="0" err="1"/>
-              <a:t>Naoqi</a:t>
-            </a:r>
-            <a:r>
-              <a:rPr lang="nl-NL" dirty="0"/>
-              <a:t> SDK </a:t>
-            </a:r>
-            <a:r>
-              <a:rPr lang="nl-NL" dirty="0" err="1"/>
-              <a:t>for</a:t>
-            </a:r>
-            <a:r>
-              <a:rPr lang="nl-NL" dirty="0"/>
-              <a:t> Python</a:t>
-            </a:r>
-          </a:p>
-          <a:p>
-            <a:r>
-              <a:rPr lang="nl-NL" dirty="0"/>
-              <a:t>Open the Python editor “</a:t>
-            </a:r>
-            <a:r>
-              <a:rPr lang="nl-NL" dirty="0" err="1"/>
-              <a:t>Idle</a:t>
-            </a:r>
-            <a:r>
-              <a:rPr lang="nl-NL" dirty="0"/>
-              <a:t>”</a:t>
-            </a:r>
-          </a:p>
-          <a:p>
-            <a:r>
-              <a:rPr lang="nl-NL" dirty="0"/>
-              <a:t>open a Python shell </a:t>
-            </a:r>
-            <a:r>
-              <a:rPr lang="nl-NL" dirty="0" err="1"/>
-              <a:t>and</a:t>
-            </a:r>
-            <a:r>
-              <a:rPr lang="nl-NL" dirty="0"/>
-              <a:t> type</a:t>
-            </a:r>
-            <a:br>
-              <a:rPr lang="nl-NL" dirty="0"/>
-            </a:br>
-            <a:br>
-              <a:rPr lang="nl-NL" dirty="0"/>
-            </a:br>
-            <a:r>
-              <a:rPr lang="nl-NL" dirty="0">
-                <a:latin typeface="Courier" pitchFamily="49" charset="0"/>
-              </a:rPr>
-              <a:t>import </a:t>
-            </a:r>
-            <a:r>
-              <a:rPr lang="nl-NL" dirty="0" err="1">
-                <a:latin typeface="Courier" pitchFamily="49" charset="0"/>
-              </a:rPr>
-              <a:t>naoqi</a:t>
-            </a:r>
-            <a:endParaRPr lang="nl-NL" dirty="0">
-              <a:latin typeface="Courier" pitchFamily="49" charset="0"/>
-            </a:endParaRPr>
-          </a:p>
-          <a:p>
-            <a:endParaRPr lang="nl-NL" dirty="0">
-              <a:latin typeface="Courier" pitchFamily="49" charset="0"/>
-            </a:endParaRPr>
-          </a:p>
-          <a:p>
-            <a:r>
-              <a:rPr lang="nl-NL" dirty="0" err="1"/>
-              <a:t>If</a:t>
-            </a:r>
-            <a:r>
-              <a:rPr lang="nl-NL" dirty="0"/>
-              <a:t> </a:t>
-            </a:r>
-            <a:r>
-              <a:rPr lang="nl-NL" dirty="0" err="1"/>
-              <a:t>you</a:t>
-            </a:r>
-            <a:r>
-              <a:rPr lang="nl-NL" dirty="0"/>
-              <a:t> </a:t>
-            </a:r>
-            <a:r>
-              <a:rPr lang="nl-NL" dirty="0" err="1"/>
-              <a:t>get</a:t>
-            </a:r>
-            <a:r>
-              <a:rPr lang="nl-NL" dirty="0"/>
-              <a:t> </a:t>
-            </a:r>
-            <a:r>
-              <a:rPr lang="nl-NL" dirty="0" err="1"/>
-              <a:t>no</a:t>
-            </a:r>
-            <a:r>
-              <a:rPr lang="nl-NL" dirty="0"/>
-              <a:t> </a:t>
-            </a:r>
-            <a:r>
-              <a:rPr lang="nl-NL" dirty="0" err="1"/>
-              <a:t>error</a:t>
-            </a:r>
-            <a:r>
-              <a:rPr lang="nl-NL" dirty="0"/>
-              <a:t> </a:t>
-            </a:r>
-            <a:r>
-              <a:rPr lang="nl-NL" dirty="0" err="1"/>
-              <a:t>messages</a:t>
-            </a:r>
-            <a:r>
-              <a:rPr lang="nl-NL" dirty="0"/>
-              <a:t> Python is </a:t>
-            </a:r>
-            <a:r>
-              <a:rPr lang="nl-NL" dirty="0" err="1"/>
-              <a:t>installed</a:t>
-            </a:r>
-            <a:r>
-              <a:rPr lang="nl-NL" dirty="0"/>
-              <a:t> </a:t>
-            </a:r>
-            <a:r>
-              <a:rPr lang="nl-NL" dirty="0" err="1"/>
-              <a:t>correctly</a:t>
-            </a:r>
+            <a:fld id="{B7CEC10D-CD46-426F-915E-6C78530279CB}" type="slidenum">
+              <a:rPr lang="en-US" smtClean="0"/>
+              <a:pPr/>
+              <a:t>26</a:t>
+            </a:fld>
             <a:endParaRPr lang="en-US" dirty="0"/>
           </a:p>
         </p:txBody>
@@ -13861,7 +13849,7 @@
     </p:spTree>
     <p:extLst>
       <p:ext uri="{BB962C8B-B14F-4D97-AF65-F5344CB8AC3E}">
-        <p14:creationId xmlns:p14="http://schemas.microsoft.com/office/powerpoint/2010/main" val="2441626830"/>
+        <p14:creationId xmlns:p14="http://schemas.microsoft.com/office/powerpoint/2010/main" val="2827052539"/>
       </p:ext>
     </p:extLst>
   </p:cSld>
@@ -13917,7 +13905,7 @@
           <a:p>
             <a:r>
               <a:rPr lang="en-US" dirty="0"/>
-              <a:t>Troubleshooting</a:t>
+              <a:t>Manual Python Installation</a:t>
             </a:r>
           </a:p>
         </p:txBody>
@@ -13945,7 +13933,14 @@
             <a:pPr lvl="2"/>
             <a:r>
               <a:rPr lang="en-US" dirty="0"/>
-              <a:t>Make sure Python and </a:t>
+              <a:t>Install the 32-bit version of Python 2.7</a:t>
+            </a:r>
+          </a:p>
+          <a:p>
+            <a:pPr lvl="2"/>
+            <a:r>
+              <a:rPr lang="en-US" dirty="0"/>
+              <a:t>Install the </a:t>
             </a:r>
             <a:r>
               <a:rPr lang="en-US" dirty="0" err="1"/>
@@ -13953,18 +13948,68 @@
             </a:r>
             <a:r>
               <a:rPr lang="en-US" dirty="0"/>
-              <a:t> are installed in the right location</a:t>
+              <a:t> SDK for Python (2.1.4 for NAO and 2.5.5 for Pepper)</a:t>
             </a:r>
           </a:p>
           <a:p>
             <a:pPr lvl="2"/>
-            <a:endParaRPr lang="en-US" dirty="0"/>
+            <a:r>
+              <a:rPr lang="en-US" dirty="0"/>
+              <a:t>Open the Python editor “Idle” and open a Python shell</a:t>
+            </a:r>
           </a:p>
           <a:p>
             <a:pPr lvl="2"/>
-            <a:r>
-              <a:rPr lang="en-US" dirty="0"/>
-              <a:t>Check the Python Path, add the location of Python and </a:t>
+            <a:endParaRPr lang="en-US" dirty="0"/>
+          </a:p>
+          <a:p>
+            <a:pPr lvl="2"/>
+            <a:endParaRPr lang="en-US" dirty="0"/>
+          </a:p>
+          <a:p>
+            <a:pPr lvl="2"/>
+            <a:r>
+              <a:rPr lang="en-US" dirty="0"/>
+              <a:t>Type</a:t>
+            </a:r>
+          </a:p>
+          <a:p>
+            <a:pPr marL="405000" lvl="4" indent="0">
+              <a:buNone/>
+            </a:pPr>
+            <a:r>
+              <a:rPr lang="en-US" dirty="0">
+                <a:latin typeface="Courier New" panose="02070309020205020404" pitchFamily="49" charset="0"/>
+                <a:cs typeface="Courier New" panose="02070309020205020404" pitchFamily="49" charset="0"/>
+              </a:rPr>
+              <a:t>import </a:t>
+            </a:r>
+            <a:r>
+              <a:rPr lang="en-US" dirty="0" err="1">
+                <a:latin typeface="Courier New" panose="02070309020205020404" pitchFamily="49" charset="0"/>
+                <a:cs typeface="Courier New" panose="02070309020205020404" pitchFamily="49" charset="0"/>
+              </a:rPr>
+              <a:t>naoqi</a:t>
+            </a:r>
+            <a:endParaRPr lang="en-US" dirty="0">
+              <a:latin typeface="Courier New" panose="02070309020205020404" pitchFamily="49" charset="0"/>
+              <a:cs typeface="Courier New" panose="02070309020205020404" pitchFamily="49" charset="0"/>
+            </a:endParaRPr>
+          </a:p>
+          <a:p>
+            <a:pPr marL="405000" lvl="4" indent="0">
+              <a:buNone/>
+            </a:pPr>
+            <a:endParaRPr lang="en-US" dirty="0">
+              <a:latin typeface="Courier New" panose="02070309020205020404" pitchFamily="49" charset="0"/>
+              <a:cs typeface="Courier New" panose="02070309020205020404" pitchFamily="49" charset="0"/>
+            </a:endParaRPr>
+          </a:p>
+          <a:p>
+            <a:pPr lvl="2"/>
+            <a:r>
+              <a:rPr lang="en-US" dirty="0"/>
+              <a:t>If you get no error messages Python and </a:t>
             </a:r>
             <a:r>
               <a:rPr lang="en-US" dirty="0" err="1"/>
@@ -13972,7 +14017,7 @@
             </a:r>
             <a:r>
               <a:rPr lang="en-US" dirty="0"/>
-              <a:t> to the python path</a:t>
+              <a:t> are installed correctly</a:t>
             </a:r>
           </a:p>
           <a:p>
@@ -13988,8 +14033,44 @@
               <a:rPr lang="en-US" dirty="0">
                 <a:cs typeface="Courier New" panose="02070309020205020404" pitchFamily="49" charset="0"/>
               </a:rPr>
-              <a:t>Is Python 2.7 the only installation of Python?</a:t>
-            </a:r>
+              <a:t>You can use pip (Python Package Installer) to install packages</a:t>
+            </a:r>
+          </a:p>
+          <a:p>
+            <a:pPr lvl="3"/>
+            <a:r>
+              <a:rPr lang="en-US" dirty="0">
+                <a:cs typeface="Courier New" panose="02070309020205020404" pitchFamily="49" charset="0"/>
+              </a:rPr>
+              <a:t>In Windows: run </a:t>
+            </a:r>
+            <a:r>
+              <a:rPr lang="en-US" dirty="0" err="1">
+                <a:cs typeface="Courier New" panose="02070309020205020404" pitchFamily="49" charset="0"/>
+              </a:rPr>
+              <a:t>cmd</a:t>
+            </a:r>
+            <a:endParaRPr lang="en-US" dirty="0">
+              <a:cs typeface="Courier New" panose="02070309020205020404" pitchFamily="49" charset="0"/>
+            </a:endParaRPr>
+          </a:p>
+          <a:p>
+            <a:pPr lvl="3"/>
+            <a:r>
+              <a:rPr lang="en-US" dirty="0">
+                <a:cs typeface="Courier New" panose="02070309020205020404" pitchFamily="49" charset="0"/>
+              </a:rPr>
+              <a:t>Type python –m pip install</a:t>
+            </a:r>
+          </a:p>
+          <a:p>
+            <a:pPr marL="405000" lvl="4" indent="0">
+              <a:buNone/>
+            </a:pPr>
+            <a:endParaRPr lang="en-US" dirty="0">
+              <a:latin typeface="Courier New" panose="02070309020205020404" pitchFamily="49" charset="0"/>
+              <a:cs typeface="Courier New" panose="02070309020205020404" pitchFamily="49" charset="0"/>
+            </a:endParaRPr>
           </a:p>
         </p:txBody>
       </p:sp>
@@ -14042,7 +14123,7 @@
     </p:spTree>
     <p:extLst>
       <p:ext uri="{BB962C8B-B14F-4D97-AF65-F5344CB8AC3E}">
-        <p14:creationId xmlns:p14="http://schemas.microsoft.com/office/powerpoint/2010/main" val="2520347196"/>
+        <p14:creationId xmlns:p14="http://schemas.microsoft.com/office/powerpoint/2010/main" val="418312456"/>
       </p:ext>
     </p:extLst>
   </p:cSld>
@@ -14083,7 +14164,7 @@
       </p:grpSpPr>
       <p:sp>
         <p:nvSpPr>
-          <p:cNvPr id="2" name="Titel 1"/>
+          <p:cNvPr id="2" name="Title 1"/>
           <p:cNvSpPr>
             <a:spLocks noGrp="1"/>
           </p:cNvSpPr>
@@ -14097,15 +14178,28 @@
           <a:lstStyle/>
           <a:p>
             <a:r>
-              <a:rPr lang="en-US" dirty="0"/>
-              <a:t>Installation</a:t>
-            </a:r>
-          </a:p>
-        </p:txBody>
-      </p:sp>
-      <p:sp>
-        <p:nvSpPr>
-          <p:cNvPr id="3" name="Tijdelijke aanduiding voor inhoud 2"/>
+              <a:rPr lang="nl-NL" dirty="0" err="1"/>
+              <a:t>WinPython</a:t>
+            </a:r>
+            <a:r>
+              <a:rPr lang="nl-NL" dirty="0"/>
+              <a:t> Installation (</a:t>
+            </a:r>
+            <a:r>
+              <a:rPr lang="nl-NL" dirty="0" err="1"/>
+              <a:t>Easier</a:t>
+            </a:r>
+            <a:r>
+              <a:rPr lang="nl-NL" dirty="0"/>
+              <a:t>!)</a:t>
+            </a:r>
+            <a:endParaRPr lang="en-US" dirty="0"/>
+          </a:p>
+        </p:txBody>
+      </p:sp>
+      <p:sp>
+        <p:nvSpPr>
+          <p:cNvPr id="3" name="Content Placeholder 2"/>
           <p:cNvSpPr>
             <a:spLocks noGrp="1"/>
           </p:cNvSpPr>
@@ -14113,164 +14207,250 @@
             <p:ph idx="1"/>
           </p:nvPr>
         </p:nvSpPr>
-        <p:spPr>
-          <a:xfrm>
-            <a:off x="440504" y="1019361"/>
-            <a:ext cx="7825978" cy="3496469"/>
-          </a:xfrm>
-        </p:spPr>
-        <p:txBody>
-          <a:bodyPr/>
-          <a:lstStyle/>
-          <a:p>
-            <a:pPr lvl="2"/>
-            <a:r>
-              <a:rPr lang="en-US" dirty="0"/>
-              <a:t>Install </a:t>
-            </a:r>
-            <a:r>
-              <a:rPr lang="en-US" dirty="0" err="1"/>
-              <a:t>numpy</a:t>
-            </a:r>
-            <a:endParaRPr lang="en-US" dirty="0"/>
-          </a:p>
-          <a:p>
-            <a:pPr lvl="2"/>
-            <a:r>
-              <a:rPr lang="en-US" dirty="0">
-                <a:cs typeface="Courier New" panose="02070309020205020404" pitchFamily="49" charset="0"/>
+        <p:spPr/>
+        <p:txBody>
+          <a:bodyPr/>
+          <a:lstStyle/>
+          <a:p>
+            <a:r>
+              <a:rPr lang="nl-NL" dirty="0" err="1"/>
+              <a:t>Install</a:t>
+            </a:r>
+            <a:r>
+              <a:rPr lang="nl-NL" dirty="0"/>
+              <a:t> </a:t>
+            </a:r>
+            <a:r>
+              <a:rPr lang="nl-NL" dirty="0" err="1"/>
+              <a:t>WinPython</a:t>
+            </a:r>
+            <a:r>
+              <a:rPr lang="nl-NL" dirty="0"/>
+              <a:t> (</a:t>
+            </a:r>
+            <a:r>
+              <a:rPr lang="nl-NL" dirty="0" err="1"/>
+              <a:t>see</a:t>
+            </a:r>
+            <a:r>
+              <a:rPr lang="nl-NL" dirty="0"/>
+              <a:t> </a:t>
+            </a:r>
+            <a:r>
+              <a:rPr lang="nl-NL" dirty="0" err="1"/>
+              <a:t>handouts</a:t>
+            </a:r>
+            <a:r>
+              <a:rPr lang="nl-NL" dirty="0"/>
+              <a:t>)</a:t>
+            </a:r>
+          </a:p>
+          <a:p>
+            <a:pPr lvl="1"/>
+            <a:r>
+              <a:rPr lang="nl-NL" dirty="0" err="1"/>
+              <a:t>Includes</a:t>
+            </a:r>
+            <a:r>
+              <a:rPr lang="nl-NL" dirty="0"/>
+              <a:t> most important </a:t>
+            </a:r>
+            <a:r>
+              <a:rPr lang="nl-NL" dirty="0" err="1"/>
+              <a:t>extensions</a:t>
+            </a:r>
+            <a:r>
+              <a:rPr lang="nl-NL" dirty="0"/>
+              <a:t>/</a:t>
+            </a:r>
+            <a:r>
+              <a:rPr lang="nl-NL" dirty="0" err="1"/>
+              <a:t>libraries</a:t>
+            </a:r>
+            <a:endParaRPr lang="nl-NL" dirty="0"/>
+          </a:p>
+          <a:p>
+            <a:r>
+              <a:rPr lang="nl-NL" dirty="0"/>
+              <a:t>Register </a:t>
+            </a:r>
+            <a:r>
+              <a:rPr lang="nl-NL" dirty="0" err="1"/>
+              <a:t>WinPython</a:t>
+            </a:r>
+            <a:r>
+              <a:rPr lang="nl-NL" dirty="0"/>
+              <a:t> </a:t>
+            </a:r>
+            <a:r>
+              <a:rPr lang="nl-NL" dirty="0" err="1"/>
+              <a:t>using</a:t>
+            </a:r>
+            <a:r>
+              <a:rPr lang="nl-NL" dirty="0"/>
+              <a:t> </a:t>
+            </a:r>
+            <a:r>
+              <a:rPr lang="nl-NL" dirty="0" err="1"/>
+              <a:t>the</a:t>
+            </a:r>
+            <a:r>
+              <a:rPr lang="nl-NL" dirty="0"/>
+              <a:t> </a:t>
+            </a:r>
+            <a:r>
+              <a:rPr lang="nl-NL" dirty="0" err="1"/>
+              <a:t>WinPython</a:t>
+            </a:r>
+            <a:r>
+              <a:rPr lang="nl-NL" dirty="0"/>
+              <a:t> Control panel</a:t>
+            </a:r>
+          </a:p>
+          <a:p>
+            <a:endParaRPr lang="nl-NL" dirty="0"/>
+          </a:p>
+          <a:p>
+            <a:r>
+              <a:rPr lang="nl-NL" dirty="0" err="1"/>
+              <a:t>Install</a:t>
+            </a:r>
+            <a:r>
+              <a:rPr lang="nl-NL" dirty="0"/>
+              <a:t> the </a:t>
+            </a:r>
+            <a:r>
+              <a:rPr lang="nl-NL" dirty="0" err="1"/>
+              <a:t>Naoqi</a:t>
+            </a:r>
+            <a:r>
+              <a:rPr lang="nl-NL" dirty="0"/>
+              <a:t> SDK </a:t>
+            </a:r>
+            <a:r>
+              <a:rPr lang="nl-NL" dirty="0" err="1"/>
+              <a:t>for</a:t>
+            </a:r>
+            <a:r>
+              <a:rPr lang="nl-NL" dirty="0"/>
+              <a:t> Python</a:t>
+            </a:r>
+          </a:p>
+          <a:p>
+            <a:r>
+              <a:rPr lang="nl-NL" dirty="0"/>
+              <a:t>Open the Python editor “</a:t>
+            </a:r>
+            <a:r>
+              <a:rPr lang="nl-NL" dirty="0" err="1"/>
+              <a:t>Idle</a:t>
+            </a:r>
+            <a:r>
+              <a:rPr lang="nl-NL" dirty="0"/>
+              <a:t>”</a:t>
+            </a:r>
+          </a:p>
+          <a:p>
+            <a:r>
+              <a:rPr lang="nl-NL" dirty="0"/>
+              <a:t>open a Python shell </a:t>
+            </a:r>
+            <a:r>
+              <a:rPr lang="nl-NL" dirty="0" err="1"/>
+              <a:t>and</a:t>
+            </a:r>
+            <a:r>
+              <a:rPr lang="nl-NL" dirty="0"/>
+              <a:t> type</a:t>
+            </a:r>
+            <a:br>
+              <a:rPr lang="nl-NL" dirty="0"/>
+            </a:br>
+            <a:br>
+              <a:rPr lang="nl-NL" dirty="0"/>
+            </a:br>
+            <a:r>
+              <a:rPr lang="nl-NL" dirty="0">
+                <a:latin typeface="Courier" pitchFamily="49" charset="0"/>
               </a:rPr>
-              <a:t>Install </a:t>
-            </a:r>
-            <a:r>
-              <a:rPr lang="en-US" dirty="0" err="1">
-                <a:cs typeface="Courier New" panose="02070309020205020404" pitchFamily="49" charset="0"/>
+              <a:t>import </a:t>
+            </a:r>
+            <a:r>
+              <a:rPr lang="nl-NL" dirty="0" err="1">
+                <a:latin typeface="Courier" pitchFamily="49" charset="0"/>
               </a:rPr>
-              <a:t>scipy</a:t>
-            </a:r>
-            <a:endParaRPr lang="en-US" dirty="0">
-              <a:cs typeface="Courier New" panose="02070309020205020404" pitchFamily="49" charset="0"/>
+              <a:t>naoqi</a:t>
+            </a:r>
+            <a:endParaRPr lang="nl-NL" dirty="0">
+              <a:latin typeface="Courier" pitchFamily="49" charset="0"/>
             </a:endParaRPr>
           </a:p>
           <a:p>
-            <a:pPr lvl="2"/>
-            <a:r>
-              <a:rPr lang="en-US" dirty="0" err="1">
-                <a:cs typeface="Courier New" panose="02070309020205020404" pitchFamily="49" charset="0"/>
-              </a:rPr>
-              <a:t>OpenCV</a:t>
-            </a:r>
-            <a:r>
-              <a:rPr lang="en-US" dirty="0">
-                <a:cs typeface="Courier New" panose="02070309020205020404" pitchFamily="49" charset="0"/>
-              </a:rPr>
-              <a:t> (if you need computer vision)</a:t>
-            </a:r>
-          </a:p>
-          <a:p>
-            <a:pPr lvl="2"/>
-            <a:endParaRPr lang="en-US" dirty="0">
-              <a:cs typeface="Courier New" panose="02070309020205020404" pitchFamily="49" charset="0"/>
+            <a:endParaRPr lang="nl-NL" dirty="0">
+              <a:latin typeface="Courier" pitchFamily="49" charset="0"/>
             </a:endParaRPr>
           </a:p>
           <a:p>
-            <a:pPr lvl="2"/>
-            <a:r>
-              <a:rPr lang="en-US" dirty="0">
-                <a:cs typeface="Courier New" panose="02070309020205020404" pitchFamily="49" charset="0"/>
-              </a:rPr>
-              <a:t>Other useful libraries </a:t>
-            </a:r>
-          </a:p>
-          <a:p>
-            <a:pPr lvl="3"/>
-            <a:r>
-              <a:rPr lang="en-US" dirty="0" err="1">
-                <a:cs typeface="Courier New" panose="02070309020205020404" pitchFamily="49" charset="0"/>
-              </a:rPr>
-              <a:t>Tk</a:t>
-            </a:r>
-            <a:r>
-              <a:rPr lang="en-US" dirty="0">
-                <a:cs typeface="Courier New" panose="02070309020205020404" pitchFamily="49" charset="0"/>
-              </a:rPr>
-              <a:t> (Universal window manager)</a:t>
-            </a:r>
-          </a:p>
-          <a:p>
-            <a:pPr lvl="3"/>
-            <a:r>
-              <a:rPr lang="en-US" dirty="0">
-                <a:cs typeface="Courier New" panose="02070309020205020404" pitchFamily="49" charset="0"/>
-              </a:rPr>
-              <a:t>PIL (Python Image Library)</a:t>
-            </a:r>
-          </a:p>
-          <a:p>
-            <a:pPr lvl="3"/>
-            <a:r>
-              <a:rPr lang="en-US" dirty="0" err="1">
-                <a:cs typeface="Courier New" panose="02070309020205020404" pitchFamily="49" charset="0"/>
-              </a:rPr>
-              <a:t>Matplotlib</a:t>
-            </a:r>
-            <a:endParaRPr lang="en-US" dirty="0">
-              <a:cs typeface="Courier New" panose="02070309020205020404" pitchFamily="49" charset="0"/>
-            </a:endParaRPr>
-          </a:p>
-          <a:p>
-            <a:pPr marL="405000" lvl="4" indent="0">
-              <a:buNone/>
-            </a:pPr>
-            <a:endParaRPr lang="en-US" dirty="0">
-              <a:latin typeface="Courier New" panose="02070309020205020404" pitchFamily="49" charset="0"/>
-              <a:cs typeface="Courier New" panose="02070309020205020404" pitchFamily="49" charset="0"/>
-            </a:endParaRPr>
-          </a:p>
-        </p:txBody>
-      </p:sp>
-      <p:sp>
-        <p:nvSpPr>
-          <p:cNvPr id="4" name="Tijdelijke aanduiding voor voettekst 3"/>
-          <p:cNvSpPr>
-            <a:spLocks noGrp="1"/>
-          </p:cNvSpPr>
-          <p:nvPr>
-            <p:ph type="ftr" sz="quarter" idx="11"/>
-          </p:nvPr>
-        </p:nvSpPr>
-        <p:spPr/>
-        <p:txBody>
-          <a:bodyPr/>
-          <a:lstStyle/>
-          <a:p>
-            <a:r>
-              <a:rPr lang="en-US" dirty="0"/>
-              <a:t>NAO and Pepper Tutorial</a:t>
-            </a:r>
-          </a:p>
-        </p:txBody>
-      </p:sp>
-      <p:sp>
-        <p:nvSpPr>
-          <p:cNvPr id="5" name="Tijdelijke aanduiding voor dianummer 4"/>
-          <p:cNvSpPr>
-            <a:spLocks noGrp="1"/>
-          </p:cNvSpPr>
-          <p:nvPr>
-            <p:ph type="sldNum" sz="quarter" idx="12"/>
-          </p:nvPr>
-        </p:nvSpPr>
-        <p:spPr/>
-        <p:txBody>
-          <a:bodyPr/>
-          <a:lstStyle/>
-          <a:p>
-            <a:fld id="{B7CEC10D-CD46-426F-915E-6C78530279CB}" type="slidenum">
-              <a:rPr lang="en-US" smtClean="0"/>
-              <a:pPr/>
-              <a:t>28</a:t>
-            </a:fld>
+            <a:r>
+              <a:rPr lang="nl-NL" dirty="0" err="1"/>
+              <a:t>If</a:t>
+            </a:r>
+            <a:r>
+              <a:rPr lang="nl-NL" dirty="0"/>
+              <a:t> </a:t>
+            </a:r>
+            <a:r>
+              <a:rPr lang="nl-NL" dirty="0" err="1"/>
+              <a:t>you</a:t>
+            </a:r>
+            <a:r>
+              <a:rPr lang="nl-NL" dirty="0"/>
+              <a:t> </a:t>
+            </a:r>
+            <a:r>
+              <a:rPr lang="nl-NL" dirty="0" err="1"/>
+              <a:t>get</a:t>
+            </a:r>
+            <a:r>
+              <a:rPr lang="nl-NL" dirty="0"/>
+              <a:t> </a:t>
+            </a:r>
+            <a:r>
+              <a:rPr lang="nl-NL" dirty="0" err="1"/>
+              <a:t>no</a:t>
+            </a:r>
+            <a:r>
+              <a:rPr lang="nl-NL" dirty="0"/>
+              <a:t> </a:t>
+            </a:r>
+            <a:r>
+              <a:rPr lang="nl-NL" dirty="0" err="1"/>
+              <a:t>error</a:t>
+            </a:r>
+            <a:r>
+              <a:rPr lang="nl-NL" dirty="0"/>
+              <a:t> </a:t>
+            </a:r>
+            <a:r>
+              <a:rPr lang="nl-NL" dirty="0" err="1"/>
+              <a:t>messages</a:t>
+            </a:r>
+            <a:r>
+              <a:rPr lang="nl-NL" dirty="0"/>
+              <a:t> Python is </a:t>
+            </a:r>
+            <a:r>
+              <a:rPr lang="nl-NL" dirty="0" err="1"/>
+              <a:t>installed</a:t>
+            </a:r>
+            <a:r>
+              <a:rPr lang="nl-NL" dirty="0"/>
+              <a:t> </a:t>
+            </a:r>
+            <a:r>
+              <a:rPr lang="nl-NL" dirty="0" err="1"/>
+              <a:t>correctly</a:t>
+            </a:r>
             <a:endParaRPr lang="en-US" dirty="0"/>
           </a:p>
         </p:txBody>
@@ -14278,7 +14458,7 @@
     </p:spTree>
     <p:extLst>
       <p:ext uri="{BB962C8B-B14F-4D97-AF65-F5344CB8AC3E}">
-        <p14:creationId xmlns:p14="http://schemas.microsoft.com/office/powerpoint/2010/main" val="2512396211"/>
+        <p14:creationId xmlns:p14="http://schemas.microsoft.com/office/powerpoint/2010/main" val="2441626830"/>
       </p:ext>
     </p:extLst>
   </p:cSld>
@@ -14333,10 +14513,9 @@
           <a:lstStyle/>
           <a:p>
             <a:r>
-              <a:rPr lang="en-US" dirty="0" err="1"/>
-              <a:t>OpenCV</a:t>
-            </a:r>
-            <a:endParaRPr lang="en-US" dirty="0"/>
+              <a:rPr lang="en-US" dirty="0"/>
+              <a:t>Troubleshooting</a:t>
+            </a:r>
           </a:p>
         </p:txBody>
       </p:sp>
@@ -14360,327 +14539,54 @@
           <a:bodyPr/>
           <a:lstStyle/>
           <a:p>
-            <a:pPr marL="285750" indent="-285750">
-              <a:buFont typeface="Arial" panose="020B0604020202020204" pitchFamily="34" charset="0"/>
-              <a:buChar char="•"/>
-            </a:pPr>
-            <a:r>
-              <a:rPr lang="nl-NL" dirty="0" err="1"/>
-              <a:t>OpenCV</a:t>
-            </a:r>
-            <a:r>
-              <a:rPr lang="nl-NL" dirty="0"/>
-              <a:t> is a </a:t>
-            </a:r>
-            <a:r>
-              <a:rPr lang="nl-NL" dirty="0" err="1"/>
-              <a:t>huge</a:t>
-            </a:r>
-            <a:r>
-              <a:rPr lang="nl-NL" dirty="0"/>
-              <a:t> </a:t>
-            </a:r>
-            <a:r>
-              <a:rPr lang="nl-NL" dirty="0" err="1"/>
-              <a:t>library</a:t>
-            </a:r>
-            <a:endParaRPr lang="nl-NL" dirty="0"/>
-          </a:p>
-          <a:p>
-            <a:pPr marL="285750" indent="-285750">
-              <a:buFont typeface="Arial" panose="020B0604020202020204" pitchFamily="34" charset="0"/>
-              <a:buChar char="•"/>
-            </a:pPr>
-            <a:r>
-              <a:rPr lang="nl-NL" dirty="0" err="1"/>
-              <a:t>You</a:t>
-            </a:r>
-            <a:r>
-              <a:rPr lang="nl-NL" dirty="0"/>
-              <a:t> </a:t>
-            </a:r>
-            <a:r>
-              <a:rPr lang="nl-NL" dirty="0" err="1"/>
-              <a:t>can</a:t>
-            </a:r>
-            <a:r>
-              <a:rPr lang="nl-NL" dirty="0"/>
-              <a:t> </a:t>
-            </a:r>
-            <a:r>
-              <a:rPr lang="nl-NL" dirty="0" err="1"/>
-              <a:t>try</a:t>
-            </a:r>
-            <a:r>
-              <a:rPr lang="nl-NL" dirty="0"/>
-              <a:t> </a:t>
-            </a:r>
-            <a:r>
-              <a:rPr lang="nl-NL" dirty="0" err="1"/>
-              <a:t>to</a:t>
-            </a:r>
-            <a:r>
-              <a:rPr lang="nl-NL" dirty="0"/>
-              <a:t> </a:t>
-            </a:r>
-            <a:r>
-              <a:rPr lang="nl-NL" dirty="0" err="1"/>
-              <a:t>find</a:t>
-            </a:r>
-            <a:r>
-              <a:rPr lang="nl-NL" dirty="0"/>
-              <a:t> </a:t>
-            </a:r>
-            <a:r>
-              <a:rPr lang="nl-NL" dirty="0" err="1"/>
-              <a:t>an</a:t>
-            </a:r>
-            <a:r>
-              <a:rPr lang="nl-NL" dirty="0"/>
-              <a:t> </a:t>
-            </a:r>
-            <a:r>
-              <a:rPr lang="nl-NL" dirty="0" err="1"/>
-              <a:t>installer</a:t>
-            </a:r>
-            <a:r>
-              <a:rPr lang="nl-NL" dirty="0"/>
-              <a:t> </a:t>
-            </a:r>
-            <a:r>
-              <a:rPr lang="nl-NL" dirty="0" err="1"/>
-              <a:t>for</a:t>
-            </a:r>
-            <a:r>
-              <a:rPr lang="nl-NL" dirty="0"/>
-              <a:t> </a:t>
-            </a:r>
-            <a:r>
-              <a:rPr lang="nl-NL" dirty="0" err="1"/>
-              <a:t>windows</a:t>
-            </a:r>
-            <a:r>
-              <a:rPr lang="nl-NL" dirty="0"/>
-              <a:t> (</a:t>
-            </a:r>
-            <a:r>
-              <a:rPr lang="nl-NL" dirty="0" err="1"/>
-              <a:t>previous</a:t>
-            </a:r>
-            <a:r>
-              <a:rPr lang="nl-NL" dirty="0"/>
-              <a:t> slides)</a:t>
-            </a:r>
-          </a:p>
-          <a:p>
-            <a:pPr marL="285750" indent="-285750">
-              <a:buFont typeface="Arial" panose="020B0604020202020204" pitchFamily="34" charset="0"/>
-              <a:buChar char="•"/>
-            </a:pPr>
-            <a:r>
-              <a:rPr lang="nl-NL" dirty="0"/>
-              <a:t>Or, </a:t>
-            </a:r>
-            <a:r>
-              <a:rPr lang="nl-NL" dirty="0" err="1"/>
-              <a:t>you</a:t>
-            </a:r>
-            <a:r>
-              <a:rPr lang="nl-NL" dirty="0"/>
-              <a:t> download </a:t>
-            </a:r>
-            <a:r>
-              <a:rPr lang="nl-NL" dirty="0" err="1"/>
-              <a:t>it</a:t>
-            </a:r>
-            <a:r>
-              <a:rPr lang="nl-NL" dirty="0"/>
-              <a:t> form opencv.org</a:t>
-            </a:r>
-          </a:p>
-          <a:p>
-            <a:pPr marL="342900" lvl="1" indent="-342900">
-              <a:buFont typeface="Arial" panose="020B0604020202020204" pitchFamily="34" charset="0"/>
-              <a:buChar char="•"/>
-            </a:pPr>
-            <a:r>
-              <a:rPr lang="nl-NL" dirty="0"/>
-              <a:t>Download </a:t>
-            </a:r>
-            <a:r>
-              <a:rPr lang="nl-NL" dirty="0" err="1"/>
-              <a:t>and</a:t>
-            </a:r>
-            <a:r>
-              <a:rPr lang="nl-NL" dirty="0"/>
-              <a:t> extract </a:t>
-            </a:r>
-            <a:r>
-              <a:rPr lang="nl-NL" dirty="0" err="1"/>
-              <a:t>the</a:t>
-            </a:r>
-            <a:r>
-              <a:rPr lang="nl-NL" dirty="0"/>
-              <a:t> files</a:t>
-            </a:r>
-          </a:p>
-          <a:p>
-            <a:pPr marL="342900" lvl="1" indent="-342900">
-              <a:buFont typeface="Arial" panose="020B0604020202020204" pitchFamily="34" charset="0"/>
-              <a:buChar char="•"/>
-            </a:pPr>
-            <a:r>
-              <a:rPr lang="nl-NL" dirty="0"/>
-              <a:t>Copy </a:t>
-            </a:r>
-            <a:r>
-              <a:rPr lang="nl-NL" dirty="0" err="1"/>
-              <a:t>the</a:t>
-            </a:r>
-            <a:r>
-              <a:rPr lang="nl-NL" dirty="0"/>
-              <a:t> cv2.pyd file </a:t>
-            </a:r>
-            <a:r>
-              <a:rPr lang="nl-NL" dirty="0" err="1"/>
-              <a:t>to</a:t>
-            </a:r>
-            <a:r>
-              <a:rPr lang="nl-NL" dirty="0"/>
-              <a:t> </a:t>
-            </a:r>
-            <a:r>
-              <a:rPr lang="nl-NL" dirty="0" err="1"/>
-              <a:t>your</a:t>
-            </a:r>
-            <a:r>
-              <a:rPr lang="nl-NL" dirty="0"/>
-              <a:t> Python </a:t>
-            </a:r>
-            <a:r>
-              <a:rPr lang="nl-NL" dirty="0" err="1"/>
-              <a:t>distribution</a:t>
-            </a:r>
-            <a:endParaRPr lang="nl-NL" dirty="0"/>
-          </a:p>
-          <a:p>
-            <a:pPr marL="488250" lvl="2" indent="-285750"/>
-            <a:r>
-              <a:rPr lang="nl-NL" dirty="0"/>
-              <a:t>	I </a:t>
-            </a:r>
-            <a:r>
-              <a:rPr lang="nl-NL" dirty="0" err="1"/>
-              <a:t>am</a:t>
-            </a:r>
-            <a:r>
-              <a:rPr lang="nl-NL" dirty="0"/>
-              <a:t> </a:t>
-            </a:r>
-            <a:r>
-              <a:rPr lang="nl-NL" dirty="0" err="1"/>
-              <a:t>using</a:t>
-            </a:r>
-            <a:r>
-              <a:rPr lang="nl-NL" dirty="0"/>
-              <a:t> a 32bit machine </a:t>
-            </a:r>
-            <a:r>
-              <a:rPr lang="nl-NL" dirty="0" err="1"/>
-              <a:t>with</a:t>
-            </a:r>
-            <a:r>
-              <a:rPr lang="nl-NL" dirty="0"/>
-              <a:t> python 2.7</a:t>
-            </a:r>
-          </a:p>
-          <a:p>
-            <a:pPr marL="488250" lvl="2" indent="-285750"/>
-            <a:r>
-              <a:rPr lang="nl-NL" dirty="0"/>
-              <a:t>Look </a:t>
-            </a:r>
-            <a:r>
-              <a:rPr lang="nl-NL" dirty="0" err="1"/>
-              <a:t>for</a:t>
-            </a:r>
-            <a:r>
-              <a:rPr lang="nl-NL" dirty="0"/>
-              <a:t> </a:t>
-            </a:r>
-            <a:r>
-              <a:rPr lang="nl-NL" dirty="0" err="1"/>
-              <a:t>the</a:t>
-            </a:r>
-            <a:r>
-              <a:rPr lang="nl-NL" dirty="0"/>
-              <a:t> file &lt;</a:t>
-            </a:r>
-            <a:r>
-              <a:rPr lang="nl-NL" dirty="0" err="1"/>
-              <a:t>path_to_opencv</a:t>
-            </a:r>
-            <a:r>
-              <a:rPr lang="nl-NL" dirty="0"/>
-              <a:t>&gt;\</a:t>
-            </a:r>
-            <a:r>
-              <a:rPr lang="nl-NL" dirty="0" err="1"/>
-              <a:t>build</a:t>
-            </a:r>
-            <a:r>
-              <a:rPr lang="nl-NL" dirty="0"/>
-              <a:t>\Python\x86\cv2.pyd</a:t>
-            </a:r>
-          </a:p>
-          <a:p>
-            <a:pPr marL="488250" lvl="2" indent="-285750"/>
-            <a:r>
-              <a:rPr lang="nl-NL" dirty="0"/>
-              <a:t>Copy </a:t>
-            </a:r>
-            <a:r>
-              <a:rPr lang="nl-NL" dirty="0" err="1"/>
-              <a:t>it</a:t>
-            </a:r>
-            <a:r>
-              <a:rPr lang="nl-NL" dirty="0"/>
-              <a:t> </a:t>
-            </a:r>
-            <a:r>
-              <a:rPr lang="nl-NL" dirty="0" err="1"/>
-              <a:t>to</a:t>
-            </a:r>
-            <a:r>
-              <a:rPr lang="nl-NL" dirty="0"/>
-              <a:t> &lt;</a:t>
-            </a:r>
-            <a:r>
-              <a:rPr lang="nl-NL" dirty="0" err="1"/>
-              <a:t>path_to_python</a:t>
-            </a:r>
-            <a:r>
-              <a:rPr lang="nl-NL" dirty="0"/>
-              <a:t>&gt;\</a:t>
-            </a:r>
-            <a:r>
-              <a:rPr lang="nl-NL" dirty="0" err="1"/>
-              <a:t>Lib</a:t>
-            </a:r>
-            <a:r>
-              <a:rPr lang="nl-NL" dirty="0"/>
-              <a:t>\site-packages\cv2.pyd</a:t>
-            </a:r>
-            <a:endParaRPr lang="en-US" dirty="0"/>
-          </a:p>
-          <a:p>
-            <a:pPr marL="405000" lvl="4" indent="0">
-              <a:buNone/>
-            </a:pPr>
+            <a:pPr lvl="2"/>
+            <a:r>
+              <a:rPr lang="en-US" dirty="0"/>
+              <a:t>Make sure Python and </a:t>
+            </a:r>
+            <a:r>
+              <a:rPr lang="en-US" dirty="0" err="1"/>
+              <a:t>Naoqi</a:t>
+            </a:r>
+            <a:r>
+              <a:rPr lang="en-US" dirty="0"/>
+              <a:t> are installed in the right location</a:t>
+            </a:r>
+          </a:p>
+          <a:p>
+            <a:pPr lvl="2"/>
+            <a:endParaRPr lang="en-US" dirty="0"/>
+          </a:p>
+          <a:p>
+            <a:pPr lvl="2"/>
+            <a:r>
+              <a:rPr lang="en-US" dirty="0"/>
+              <a:t>Check the Python Path, add the location of Python and </a:t>
+            </a:r>
+            <a:r>
+              <a:rPr lang="en-US" dirty="0" err="1"/>
+              <a:t>Naoqi</a:t>
+            </a:r>
+            <a:r>
+              <a:rPr lang="en-US" dirty="0"/>
+              <a:t> to the python path</a:t>
+            </a:r>
+          </a:p>
+          <a:p>
+            <a:pPr lvl="2"/>
             <a:endParaRPr lang="en-US" dirty="0">
               <a:latin typeface="Courier New" panose="02070309020205020404" pitchFamily="49" charset="0"/>
               <a:cs typeface="Courier New" panose="02070309020205020404" pitchFamily="49" charset="0"/>
             </a:endParaRPr>
+          </a:p>
+          <a:p>
+            <a:pPr lvl="2"/>
+            <a:r>
+              <a:rPr lang="en-US" dirty="0">
+                <a:cs typeface="Courier New" panose="02070309020205020404" pitchFamily="49" charset="0"/>
+              </a:rPr>
+              <a:t>Is Python 2.7 the only installation of Python?</a:t>
+            </a:r>
           </a:p>
         </p:txBody>
       </p:sp>
@@ -14733,7 +14639,7 @@
     </p:spTree>
     <p:extLst>
       <p:ext uri="{BB962C8B-B14F-4D97-AF65-F5344CB8AC3E}">
-        <p14:creationId xmlns:p14="http://schemas.microsoft.com/office/powerpoint/2010/main" val="2223392183"/>
+        <p14:creationId xmlns:p14="http://schemas.microsoft.com/office/powerpoint/2010/main" val="2520347196"/>
       </p:ext>
     </p:extLst>
   </p:cSld>
@@ -14851,20 +14757,27 @@
               <a:t> 			</a:t>
             </a:r>
             <a:r>
-              <a:rPr lang="en-US" strike="sngStrike" dirty="0">
+              <a:rPr lang="en-US" dirty="0">
                 <a:solidFill>
                   <a:srgbClr val="F8AD18"/>
                 </a:solidFill>
               </a:rPr>
-              <a:t>Marvin </a:t>
-            </a:r>
-            <a:r>
-              <a:rPr lang="en-US" dirty="0">
-                <a:solidFill>
-                  <a:schemeClr val="tx1"/>
-                </a:solidFill>
-              </a:rPr>
-              <a:t>???</a:t>
+              <a:t>Robby</a:t>
+            </a:r>
+          </a:p>
+          <a:p>
+            <a:pPr lvl="2"/>
+            <a:endParaRPr lang="en-US" dirty="0">
+              <a:solidFill>
+                <a:srgbClr val="F8AD18"/>
+              </a:solidFill>
+            </a:endParaRPr>
+          </a:p>
+          <a:p>
+            <a:pPr lvl="2"/>
+            <a:r>
+              <a:rPr lang="en-US" dirty="0"/>
+              <a:t>(which movies/cartoons are the names from?)</a:t>
             </a:r>
           </a:p>
           <a:p>
@@ -15032,10 +14945,9 @@
           <a:lstStyle/>
           <a:p>
             <a:r>
-              <a:rPr lang="en-US" dirty="0" err="1"/>
-              <a:t>OpenCV</a:t>
-            </a:r>
-            <a:endParaRPr lang="en-US" dirty="0"/>
+              <a:rPr lang="en-US" dirty="0"/>
+              <a:t>Installation</a:t>
+            </a:r>
           </a:p>
         </p:txBody>
       </p:sp>
@@ -15059,256 +14971,100 @@
           <a:bodyPr/>
           <a:lstStyle/>
           <a:p>
-            <a:pPr marL="285750" indent="-285750">
-              <a:buFont typeface="Arial" panose="020B0604020202020204" pitchFamily="34" charset="0"/>
-              <a:buChar char="•"/>
-            </a:pPr>
-            <a:r>
-              <a:rPr lang="nl-NL" dirty="0"/>
-              <a:t>Test </a:t>
-            </a:r>
-            <a:r>
-              <a:rPr lang="nl-NL" dirty="0" err="1"/>
-              <a:t>your</a:t>
-            </a:r>
-            <a:r>
-              <a:rPr lang="nl-NL" dirty="0"/>
-              <a:t> </a:t>
-            </a:r>
-            <a:r>
-              <a:rPr lang="nl-NL" dirty="0" err="1"/>
-              <a:t>installation</a:t>
-            </a:r>
-            <a:r>
-              <a:rPr lang="nl-NL" dirty="0"/>
-              <a:t> </a:t>
-            </a:r>
-            <a:r>
-              <a:rPr lang="nl-NL" dirty="0" err="1"/>
-              <a:t>using</a:t>
-            </a:r>
-            <a:endParaRPr lang="nl-NL" dirty="0"/>
-          </a:p>
-          <a:p>
-            <a:pPr marL="342900" lvl="1" indent="-342900">
-              <a:buFont typeface="Arial" panose="020B0604020202020204" pitchFamily="34" charset="0"/>
-              <a:buChar char="•"/>
-            </a:pPr>
-            <a:r>
-              <a:rPr lang="nl-NL" sz="1600" dirty="0"/>
-              <a:t>import cv2</a:t>
-            </a:r>
-          </a:p>
-          <a:p>
-            <a:pPr marL="285750" indent="-285750">
-              <a:buFont typeface="Arial" panose="020B0604020202020204" pitchFamily="34" charset="0"/>
-              <a:buChar char="•"/>
-            </a:pPr>
-            <a:r>
-              <a:rPr lang="nl-NL" dirty="0"/>
-              <a:t>We </a:t>
-            </a:r>
-            <a:r>
-              <a:rPr lang="nl-NL" dirty="0" err="1"/>
-              <a:t>often</a:t>
-            </a:r>
-            <a:r>
-              <a:rPr lang="nl-NL" dirty="0"/>
-              <a:t> </a:t>
-            </a:r>
-            <a:r>
-              <a:rPr lang="nl-NL" dirty="0" err="1"/>
-              <a:t>use</a:t>
-            </a:r>
-            <a:r>
-              <a:rPr lang="nl-NL" dirty="0"/>
-              <a:t> cv </a:t>
-            </a:r>
-            <a:r>
-              <a:rPr lang="nl-NL" dirty="0" err="1"/>
-              <a:t>rather</a:t>
-            </a:r>
-            <a:r>
-              <a:rPr lang="nl-NL" dirty="0"/>
-              <a:t> </a:t>
-            </a:r>
-            <a:r>
-              <a:rPr lang="nl-NL" dirty="0" err="1"/>
-              <a:t>than</a:t>
-            </a:r>
-            <a:r>
-              <a:rPr lang="nl-NL" dirty="0"/>
-              <a:t> cv2:</a:t>
-            </a:r>
-          </a:p>
-          <a:p>
-            <a:pPr marL="342900" lvl="1" indent="-342900">
-              <a:buFont typeface="Arial" panose="020B0604020202020204" pitchFamily="34" charset="0"/>
-              <a:buChar char="•"/>
-            </a:pPr>
-            <a:r>
-              <a:rPr lang="nl-NL" sz="1600" dirty="0"/>
-              <a:t>import cv2.cv as cv</a:t>
-            </a:r>
-            <a:endParaRPr lang="en-US" sz="1600" dirty="0"/>
-          </a:p>
-          <a:p>
-            <a:pPr marL="342900" lvl="1" indent="-342900">
-              <a:buFont typeface="Arial" panose="020B0604020202020204" pitchFamily="34" charset="0"/>
-              <a:buChar char="•"/>
-            </a:pPr>
-            <a:endParaRPr lang="nl-NL" dirty="0"/>
-          </a:p>
-          <a:p>
-            <a:pPr marL="285750" indent="-285750">
-              <a:buFont typeface="Arial" panose="020B0604020202020204" pitchFamily="34" charset="0"/>
-              <a:buChar char="•"/>
-            </a:pPr>
-            <a:r>
-              <a:rPr lang="nl-NL" dirty="0" err="1"/>
-              <a:t>To</a:t>
-            </a:r>
-            <a:r>
-              <a:rPr lang="nl-NL" dirty="0"/>
-              <a:t> </a:t>
-            </a:r>
-            <a:r>
-              <a:rPr lang="nl-NL" dirty="0" err="1"/>
-              <a:t>automatically</a:t>
-            </a:r>
-            <a:r>
-              <a:rPr lang="nl-NL" dirty="0"/>
-              <a:t> do </a:t>
-            </a:r>
-            <a:r>
-              <a:rPr lang="nl-NL" dirty="0" err="1"/>
-              <a:t>this</a:t>
-            </a:r>
-            <a:r>
-              <a:rPr lang="nl-NL" dirty="0"/>
-              <a:t>, </a:t>
-            </a:r>
-            <a:r>
-              <a:rPr lang="nl-NL" dirty="0" err="1"/>
-              <a:t>create</a:t>
-            </a:r>
-            <a:r>
-              <a:rPr lang="nl-NL" dirty="0"/>
-              <a:t> a file cv.py in </a:t>
-            </a:r>
-            <a:r>
-              <a:rPr lang="nl-NL" dirty="0" err="1"/>
-              <a:t>to</a:t>
-            </a:r>
-            <a:r>
-              <a:rPr lang="nl-NL" dirty="0"/>
-              <a:t> &lt;</a:t>
-            </a:r>
-            <a:r>
-              <a:rPr lang="nl-NL" dirty="0" err="1"/>
-              <a:t>path_to_python</a:t>
-            </a:r>
-            <a:r>
-              <a:rPr lang="nl-NL" dirty="0"/>
-              <a:t>&gt;\</a:t>
-            </a:r>
-            <a:r>
-              <a:rPr lang="nl-NL" dirty="0" err="1"/>
-              <a:t>Lib</a:t>
-            </a:r>
-            <a:r>
-              <a:rPr lang="nl-NL" dirty="0"/>
-              <a:t>\site-packages\ </a:t>
-            </a:r>
-            <a:r>
-              <a:rPr lang="nl-NL" dirty="0" err="1"/>
-              <a:t>with</a:t>
-            </a:r>
-            <a:r>
-              <a:rPr lang="nl-NL" dirty="0"/>
-              <a:t> </a:t>
-            </a:r>
-            <a:r>
-              <a:rPr lang="nl-NL" dirty="0" err="1"/>
-              <a:t>the</a:t>
-            </a:r>
-            <a:r>
-              <a:rPr lang="nl-NL" dirty="0"/>
-              <a:t> </a:t>
-            </a:r>
-            <a:r>
-              <a:rPr lang="nl-NL" dirty="0" err="1"/>
-              <a:t>following</a:t>
-            </a:r>
-            <a:r>
-              <a:rPr lang="nl-NL" dirty="0"/>
-              <a:t> content:</a:t>
-            </a:r>
-          </a:p>
-          <a:p>
-            <a:pPr marL="342900" lvl="1" indent="-342900">
-              <a:buFont typeface="Arial" panose="020B0604020202020204" pitchFamily="34" charset="0"/>
-              <a:buChar char="•"/>
-            </a:pPr>
-            <a:r>
-              <a:rPr lang="nl-NL" sz="1600" dirty="0" err="1"/>
-              <a:t>from</a:t>
-            </a:r>
-            <a:r>
-              <a:rPr lang="nl-NL" sz="1600" dirty="0"/>
-              <a:t> cv2.cv import *</a:t>
-            </a:r>
-          </a:p>
-          <a:p>
-            <a:pPr marL="285750" indent="-285750">
-              <a:buFont typeface="Arial" panose="020B0604020202020204" pitchFamily="34" charset="0"/>
-              <a:buChar char="•"/>
-            </a:pPr>
-            <a:r>
-              <a:rPr lang="nl-NL" dirty="0" err="1"/>
-              <a:t>This</a:t>
-            </a:r>
-            <a:r>
-              <a:rPr lang="nl-NL" dirty="0"/>
-              <a:t> </a:t>
-            </a:r>
-            <a:r>
-              <a:rPr lang="nl-NL" dirty="0" err="1"/>
-              <a:t>will</a:t>
-            </a:r>
-            <a:r>
-              <a:rPr lang="nl-NL" dirty="0"/>
-              <a:t> </a:t>
-            </a:r>
-            <a:r>
-              <a:rPr lang="nl-NL" dirty="0" err="1"/>
-              <a:t>enable</a:t>
-            </a:r>
-            <a:r>
-              <a:rPr lang="nl-NL" dirty="0"/>
-              <a:t> </a:t>
-            </a:r>
-            <a:r>
-              <a:rPr lang="nl-NL" dirty="0" err="1"/>
-              <a:t>the</a:t>
-            </a:r>
-            <a:r>
-              <a:rPr lang="nl-NL" dirty="0"/>
-              <a:t> </a:t>
-            </a:r>
-            <a:r>
-              <a:rPr lang="nl-NL" dirty="0" err="1"/>
-              <a:t>old</a:t>
-            </a:r>
-            <a:r>
-              <a:rPr lang="nl-NL" dirty="0"/>
-              <a:t> “import cv” </a:t>
-            </a:r>
-            <a:r>
-              <a:rPr lang="nl-NL" dirty="0" err="1"/>
-              <a:t>command</a:t>
-            </a:r>
-            <a:endParaRPr lang="nl-NL" dirty="0"/>
+            <a:pPr lvl="2"/>
+            <a:r>
+              <a:rPr lang="en-US" dirty="0"/>
+              <a:t>Install </a:t>
+            </a:r>
+            <a:r>
+              <a:rPr lang="en-US" dirty="0" err="1"/>
+              <a:t>numpy</a:t>
+            </a:r>
+            <a:endParaRPr lang="en-US" dirty="0"/>
+          </a:p>
+          <a:p>
+            <a:pPr lvl="2"/>
+            <a:r>
+              <a:rPr lang="en-US" dirty="0">
+                <a:cs typeface="Courier New" panose="02070309020205020404" pitchFamily="49" charset="0"/>
+              </a:rPr>
+              <a:t>Install </a:t>
+            </a:r>
+            <a:r>
+              <a:rPr lang="en-US" dirty="0" err="1">
+                <a:cs typeface="Courier New" panose="02070309020205020404" pitchFamily="49" charset="0"/>
+              </a:rPr>
+              <a:t>scipy</a:t>
+            </a:r>
+            <a:endParaRPr lang="en-US" dirty="0">
+              <a:cs typeface="Courier New" panose="02070309020205020404" pitchFamily="49" charset="0"/>
+            </a:endParaRPr>
+          </a:p>
+          <a:p>
+            <a:pPr lvl="2"/>
+            <a:r>
+              <a:rPr lang="en-US" dirty="0" err="1">
+                <a:cs typeface="Courier New" panose="02070309020205020404" pitchFamily="49" charset="0"/>
+              </a:rPr>
+              <a:t>OpenCV</a:t>
+            </a:r>
+            <a:r>
+              <a:rPr lang="en-US" dirty="0">
+                <a:cs typeface="Courier New" panose="02070309020205020404" pitchFamily="49" charset="0"/>
+              </a:rPr>
+              <a:t> (if you need computer vision)</a:t>
+            </a:r>
+          </a:p>
+          <a:p>
+            <a:pPr lvl="2"/>
+            <a:endParaRPr lang="en-US" dirty="0">
+              <a:cs typeface="Courier New" panose="02070309020205020404" pitchFamily="49" charset="0"/>
+            </a:endParaRPr>
+          </a:p>
+          <a:p>
+            <a:pPr lvl="2"/>
+            <a:r>
+              <a:rPr lang="en-US" dirty="0">
+                <a:cs typeface="Courier New" panose="02070309020205020404" pitchFamily="49" charset="0"/>
+              </a:rPr>
+              <a:t>Other useful libraries </a:t>
+            </a:r>
+          </a:p>
+          <a:p>
+            <a:pPr lvl="3"/>
+            <a:r>
+              <a:rPr lang="en-US" dirty="0" err="1">
+                <a:cs typeface="Courier New" panose="02070309020205020404" pitchFamily="49" charset="0"/>
+              </a:rPr>
+              <a:t>Tk</a:t>
+            </a:r>
+            <a:r>
+              <a:rPr lang="en-US" dirty="0">
+                <a:cs typeface="Courier New" panose="02070309020205020404" pitchFamily="49" charset="0"/>
+              </a:rPr>
+              <a:t> (Universal window manager)</a:t>
+            </a:r>
+          </a:p>
+          <a:p>
+            <a:pPr lvl="3"/>
+            <a:r>
+              <a:rPr lang="en-US" dirty="0">
+                <a:cs typeface="Courier New" panose="02070309020205020404" pitchFamily="49" charset="0"/>
+              </a:rPr>
+              <a:t>PIL (Python Image Library)</a:t>
+            </a:r>
+          </a:p>
+          <a:p>
+            <a:pPr lvl="3"/>
+            <a:r>
+              <a:rPr lang="en-US" dirty="0" err="1">
+                <a:cs typeface="Courier New" panose="02070309020205020404" pitchFamily="49" charset="0"/>
+              </a:rPr>
+              <a:t>Matplotlib</a:t>
+            </a:r>
+            <a:endParaRPr lang="en-US" dirty="0">
+              <a:cs typeface="Courier New" panose="02070309020205020404" pitchFamily="49" charset="0"/>
+            </a:endParaRPr>
           </a:p>
           <a:p>
             <a:pPr marL="405000" lvl="4" indent="0">
@@ -15370,7 +15126,7 @@
     </p:spTree>
     <p:extLst>
       <p:ext uri="{BB962C8B-B14F-4D97-AF65-F5344CB8AC3E}">
-        <p14:creationId xmlns:p14="http://schemas.microsoft.com/office/powerpoint/2010/main" val="3264818513"/>
+        <p14:creationId xmlns:p14="http://schemas.microsoft.com/office/powerpoint/2010/main" val="2512396211"/>
       </p:ext>
     </p:extLst>
   </p:cSld>
@@ -15425,9 +15181,10 @@
           <a:lstStyle/>
           <a:p>
             <a:r>
-              <a:rPr lang="en-US" dirty="0"/>
-              <a:t>NAO-lib</a:t>
-            </a:r>
+              <a:rPr lang="en-US" dirty="0" err="1"/>
+              <a:t>OpenCV</a:t>
+            </a:r>
+            <a:endParaRPr lang="en-US" dirty="0"/>
           </a:p>
         </p:txBody>
       </p:sp>
@@ -15443,7 +15200,7 @@
         </p:nvSpPr>
         <p:spPr>
           <a:xfrm>
-            <a:off x="610099" y="1073150"/>
+            <a:off x="440504" y="1019361"/>
             <a:ext cx="7825978" cy="3496469"/>
           </a:xfrm>
         </p:spPr>
@@ -15451,148 +15208,327 @@
           <a:bodyPr/>
           <a:lstStyle/>
           <a:p>
-            <a:pPr lvl="2"/>
-            <a:r>
-              <a:rPr lang="en-US" dirty="0"/>
-              <a:t>A custom-built library simplifies many functions of </a:t>
-            </a:r>
-            <a:r>
-              <a:rPr lang="en-US" dirty="0" err="1"/>
-              <a:t>Naoqi</a:t>
-            </a:r>
-            <a:endParaRPr lang="en-US" dirty="0"/>
-          </a:p>
-          <a:p>
-            <a:pPr lvl="2"/>
-            <a:r>
-              <a:rPr lang="en-US" dirty="0"/>
-              <a:t>Meant for NAO, and the </a:t>
-            </a:r>
-            <a:r>
-              <a:rPr lang="en-US" dirty="0" err="1"/>
-              <a:t>naoqi</a:t>
-            </a:r>
-            <a:r>
-              <a:rPr lang="en-US" dirty="0"/>
-              <a:t>-version of NAO</a:t>
-            </a:r>
-          </a:p>
-          <a:p>
-            <a:pPr lvl="2"/>
-            <a:r>
-              <a:rPr lang="en-US" dirty="0"/>
-              <a:t>Latest version will be shared with you</a:t>
-            </a:r>
-          </a:p>
-          <a:p>
-            <a:pPr lvl="3"/>
-            <a:r>
-              <a:rPr lang="en-US" dirty="0"/>
-              <a:t>nao.py includes cv</a:t>
-            </a:r>
-          </a:p>
-          <a:p>
-            <a:pPr lvl="3"/>
-            <a:r>
-              <a:rPr lang="en-US" dirty="0"/>
-              <a:t>nao_nocv.py does not</a:t>
-            </a:r>
-          </a:p>
-          <a:p>
-            <a:pPr lvl="3"/>
-            <a:endParaRPr lang="en-US" dirty="0"/>
-          </a:p>
-          <a:p>
-            <a:pPr lvl="2"/>
-            <a:r>
-              <a:rPr lang="en-US" dirty="0"/>
-              <a:t>Installing </a:t>
-            </a:r>
-            <a:r>
-              <a:rPr lang="en-US" dirty="0" err="1"/>
-              <a:t>nao</a:t>
-            </a:r>
-            <a:r>
-              <a:rPr lang="en-US" dirty="0"/>
-              <a:t>-lib</a:t>
-            </a:r>
-          </a:p>
-          <a:p>
-            <a:pPr lvl="3"/>
-            <a:r>
-              <a:rPr lang="en-US" dirty="0"/>
-              <a:t>Create a directory with a python file with one line of code</a:t>
-            </a:r>
-          </a:p>
-          <a:p>
-            <a:pPr lvl="4"/>
-            <a:r>
-              <a:rPr lang="en-US" dirty="0"/>
-              <a:t>import </a:t>
-            </a:r>
-            <a:r>
-              <a:rPr lang="en-US" dirty="0" err="1"/>
-              <a:t>nao_nocv</a:t>
-            </a:r>
-            <a:r>
-              <a:rPr lang="en-US" dirty="0"/>
-              <a:t> as </a:t>
-            </a:r>
-            <a:r>
-              <a:rPr lang="en-US" dirty="0" err="1"/>
-              <a:t>nao</a:t>
-            </a:r>
-            <a:endParaRPr lang="en-US" dirty="0"/>
-          </a:p>
-          <a:p>
-            <a:pPr lvl="3"/>
-            <a:r>
-              <a:rPr lang="en-US" dirty="0"/>
-              <a:t>Copy nao.py or nao_nocv.py in the same directory</a:t>
-            </a:r>
-          </a:p>
-          <a:p>
-            <a:pPr lvl="3"/>
-            <a:r>
-              <a:rPr lang="en-US" dirty="0"/>
-              <a:t>Press F5 to run and test the program</a:t>
-            </a:r>
-          </a:p>
-          <a:p>
-            <a:pPr lvl="4"/>
-            <a:endParaRPr lang="en-US" dirty="0"/>
-          </a:p>
-          <a:p>
-            <a:pPr marL="0" lvl="2" indent="0">
+            <a:pPr marL="285750" indent="-285750">
+              <a:buFont typeface="Arial" panose="020B0604020202020204" pitchFamily="34" charset="0"/>
+              <a:buChar char="•"/>
+            </a:pPr>
+            <a:r>
+              <a:rPr lang="nl-NL" dirty="0" err="1"/>
+              <a:t>OpenCV</a:t>
+            </a:r>
+            <a:r>
+              <a:rPr lang="nl-NL" dirty="0"/>
+              <a:t> is a </a:t>
+            </a:r>
+            <a:r>
+              <a:rPr lang="nl-NL" dirty="0" err="1"/>
+              <a:t>huge</a:t>
+            </a:r>
+            <a:r>
+              <a:rPr lang="nl-NL" dirty="0"/>
+              <a:t> </a:t>
+            </a:r>
+            <a:r>
+              <a:rPr lang="nl-NL" dirty="0" err="1"/>
+              <a:t>library</a:t>
+            </a:r>
+            <a:endParaRPr lang="nl-NL" dirty="0"/>
+          </a:p>
+          <a:p>
+            <a:pPr marL="285750" indent="-285750">
+              <a:buFont typeface="Arial" panose="020B0604020202020204" pitchFamily="34" charset="0"/>
+              <a:buChar char="•"/>
+            </a:pPr>
+            <a:r>
+              <a:rPr lang="nl-NL" dirty="0" err="1"/>
+              <a:t>You</a:t>
+            </a:r>
+            <a:r>
+              <a:rPr lang="nl-NL" dirty="0"/>
+              <a:t> </a:t>
+            </a:r>
+            <a:r>
+              <a:rPr lang="nl-NL" dirty="0" err="1"/>
+              <a:t>can</a:t>
+            </a:r>
+            <a:r>
+              <a:rPr lang="nl-NL" dirty="0"/>
+              <a:t> </a:t>
+            </a:r>
+            <a:r>
+              <a:rPr lang="nl-NL" dirty="0" err="1"/>
+              <a:t>try</a:t>
+            </a:r>
+            <a:r>
+              <a:rPr lang="nl-NL" dirty="0"/>
+              <a:t> </a:t>
+            </a:r>
+            <a:r>
+              <a:rPr lang="nl-NL" dirty="0" err="1"/>
+              <a:t>to</a:t>
+            </a:r>
+            <a:r>
+              <a:rPr lang="nl-NL" dirty="0"/>
+              <a:t> </a:t>
+            </a:r>
+            <a:r>
+              <a:rPr lang="nl-NL" dirty="0" err="1"/>
+              <a:t>find</a:t>
+            </a:r>
+            <a:r>
+              <a:rPr lang="nl-NL" dirty="0"/>
+              <a:t> </a:t>
+            </a:r>
+            <a:r>
+              <a:rPr lang="nl-NL" dirty="0" err="1"/>
+              <a:t>an</a:t>
+            </a:r>
+            <a:r>
+              <a:rPr lang="nl-NL" dirty="0"/>
+              <a:t> </a:t>
+            </a:r>
+            <a:r>
+              <a:rPr lang="nl-NL" dirty="0" err="1"/>
+              <a:t>installer</a:t>
+            </a:r>
+            <a:r>
+              <a:rPr lang="nl-NL" dirty="0"/>
+              <a:t> </a:t>
+            </a:r>
+            <a:r>
+              <a:rPr lang="nl-NL" dirty="0" err="1"/>
+              <a:t>for</a:t>
+            </a:r>
+            <a:r>
+              <a:rPr lang="nl-NL" dirty="0"/>
+              <a:t> </a:t>
+            </a:r>
+            <a:r>
+              <a:rPr lang="nl-NL" dirty="0" err="1"/>
+              <a:t>windows</a:t>
+            </a:r>
+            <a:r>
+              <a:rPr lang="nl-NL" dirty="0"/>
+              <a:t> (</a:t>
+            </a:r>
+            <a:r>
+              <a:rPr lang="nl-NL" dirty="0" err="1"/>
+              <a:t>previous</a:t>
+            </a:r>
+            <a:r>
+              <a:rPr lang="nl-NL" dirty="0"/>
+              <a:t> slides)</a:t>
+            </a:r>
+          </a:p>
+          <a:p>
+            <a:pPr marL="285750" indent="-285750">
+              <a:buFont typeface="Arial" panose="020B0604020202020204" pitchFamily="34" charset="0"/>
+              <a:buChar char="•"/>
+            </a:pPr>
+            <a:r>
+              <a:rPr lang="nl-NL" dirty="0"/>
+              <a:t>Or, </a:t>
+            </a:r>
+            <a:r>
+              <a:rPr lang="nl-NL" dirty="0" err="1"/>
+              <a:t>you</a:t>
+            </a:r>
+            <a:r>
+              <a:rPr lang="nl-NL" dirty="0"/>
+              <a:t> download </a:t>
+            </a:r>
+            <a:r>
+              <a:rPr lang="nl-NL" dirty="0" err="1"/>
+              <a:t>it</a:t>
+            </a:r>
+            <a:r>
+              <a:rPr lang="nl-NL" dirty="0"/>
+              <a:t> form opencv.org</a:t>
+            </a:r>
+          </a:p>
+          <a:p>
+            <a:pPr marL="342900" lvl="1" indent="-342900">
+              <a:buFont typeface="Arial" panose="020B0604020202020204" pitchFamily="34" charset="0"/>
+              <a:buChar char="•"/>
+            </a:pPr>
+            <a:r>
+              <a:rPr lang="nl-NL" dirty="0"/>
+              <a:t>Download </a:t>
+            </a:r>
+            <a:r>
+              <a:rPr lang="nl-NL" dirty="0" err="1"/>
+              <a:t>and</a:t>
+            </a:r>
+            <a:r>
+              <a:rPr lang="nl-NL" dirty="0"/>
+              <a:t> extract </a:t>
+            </a:r>
+            <a:r>
+              <a:rPr lang="nl-NL" dirty="0" err="1"/>
+              <a:t>the</a:t>
+            </a:r>
+            <a:r>
+              <a:rPr lang="nl-NL" dirty="0"/>
+              <a:t> files</a:t>
+            </a:r>
+          </a:p>
+          <a:p>
+            <a:pPr marL="342900" lvl="1" indent="-342900">
+              <a:buFont typeface="Arial" panose="020B0604020202020204" pitchFamily="34" charset="0"/>
+              <a:buChar char="•"/>
+            </a:pPr>
+            <a:r>
+              <a:rPr lang="nl-NL" dirty="0"/>
+              <a:t>Copy </a:t>
+            </a:r>
+            <a:r>
+              <a:rPr lang="nl-NL" dirty="0" err="1"/>
+              <a:t>the</a:t>
+            </a:r>
+            <a:r>
+              <a:rPr lang="nl-NL" dirty="0"/>
+              <a:t> cv2.pyd file </a:t>
+            </a:r>
+            <a:r>
+              <a:rPr lang="nl-NL" dirty="0" err="1"/>
+              <a:t>to</a:t>
+            </a:r>
+            <a:r>
+              <a:rPr lang="nl-NL" dirty="0"/>
+              <a:t> </a:t>
+            </a:r>
+            <a:r>
+              <a:rPr lang="nl-NL" dirty="0" err="1"/>
+              <a:t>your</a:t>
+            </a:r>
+            <a:r>
+              <a:rPr lang="nl-NL" dirty="0"/>
+              <a:t> Python </a:t>
+            </a:r>
+            <a:r>
+              <a:rPr lang="nl-NL" dirty="0" err="1"/>
+              <a:t>distribution</a:t>
+            </a:r>
+            <a:endParaRPr lang="nl-NL" dirty="0"/>
+          </a:p>
+          <a:p>
+            <a:pPr marL="488250" lvl="2" indent="-285750"/>
+            <a:r>
+              <a:rPr lang="nl-NL" dirty="0"/>
+              <a:t>	I </a:t>
+            </a:r>
+            <a:r>
+              <a:rPr lang="nl-NL" dirty="0" err="1"/>
+              <a:t>am</a:t>
+            </a:r>
+            <a:r>
+              <a:rPr lang="nl-NL" dirty="0"/>
+              <a:t> </a:t>
+            </a:r>
+            <a:r>
+              <a:rPr lang="nl-NL" dirty="0" err="1"/>
+              <a:t>using</a:t>
+            </a:r>
+            <a:r>
+              <a:rPr lang="nl-NL" dirty="0"/>
+              <a:t> a 32bit machine </a:t>
+            </a:r>
+            <a:r>
+              <a:rPr lang="nl-NL" dirty="0" err="1"/>
+              <a:t>with</a:t>
+            </a:r>
+            <a:r>
+              <a:rPr lang="nl-NL" dirty="0"/>
+              <a:t> python 2.7</a:t>
+            </a:r>
+          </a:p>
+          <a:p>
+            <a:pPr marL="488250" lvl="2" indent="-285750"/>
+            <a:r>
+              <a:rPr lang="nl-NL" dirty="0"/>
+              <a:t>Look </a:t>
+            </a:r>
+            <a:r>
+              <a:rPr lang="nl-NL" dirty="0" err="1"/>
+              <a:t>for</a:t>
+            </a:r>
+            <a:r>
+              <a:rPr lang="nl-NL" dirty="0"/>
+              <a:t> </a:t>
+            </a:r>
+            <a:r>
+              <a:rPr lang="nl-NL" dirty="0" err="1"/>
+              <a:t>the</a:t>
+            </a:r>
+            <a:r>
+              <a:rPr lang="nl-NL" dirty="0"/>
+              <a:t> file &lt;</a:t>
+            </a:r>
+            <a:r>
+              <a:rPr lang="nl-NL" dirty="0" err="1"/>
+              <a:t>path_to_opencv</a:t>
+            </a:r>
+            <a:r>
+              <a:rPr lang="nl-NL" dirty="0"/>
+              <a:t>&gt;\</a:t>
+            </a:r>
+            <a:r>
+              <a:rPr lang="nl-NL" dirty="0" err="1"/>
+              <a:t>build</a:t>
+            </a:r>
+            <a:r>
+              <a:rPr lang="nl-NL" dirty="0"/>
+              <a:t>\Python\x86\cv2.pyd</a:t>
+            </a:r>
+          </a:p>
+          <a:p>
+            <a:pPr marL="488250" lvl="2" indent="-285750"/>
+            <a:r>
+              <a:rPr lang="nl-NL" dirty="0"/>
+              <a:t>Copy </a:t>
+            </a:r>
+            <a:r>
+              <a:rPr lang="nl-NL" dirty="0" err="1"/>
+              <a:t>it</a:t>
+            </a:r>
+            <a:r>
+              <a:rPr lang="nl-NL" dirty="0"/>
+              <a:t> </a:t>
+            </a:r>
+            <a:r>
+              <a:rPr lang="nl-NL" dirty="0" err="1"/>
+              <a:t>to</a:t>
+            </a:r>
+            <a:r>
+              <a:rPr lang="nl-NL" dirty="0"/>
+              <a:t> &lt;</a:t>
+            </a:r>
+            <a:r>
+              <a:rPr lang="nl-NL" dirty="0" err="1"/>
+              <a:t>path_to_python</a:t>
+            </a:r>
+            <a:r>
+              <a:rPr lang="nl-NL" dirty="0"/>
+              <a:t>&gt;\</a:t>
+            </a:r>
+            <a:r>
+              <a:rPr lang="nl-NL" dirty="0" err="1"/>
+              <a:t>Lib</a:t>
+            </a:r>
+            <a:r>
+              <a:rPr lang="nl-NL" dirty="0"/>
+              <a:t>\site-packages\cv2.pyd</a:t>
+            </a:r>
+            <a:endParaRPr lang="en-US" dirty="0"/>
+          </a:p>
+          <a:p>
+            <a:pPr marL="405000" lvl="4" indent="0">
               <a:buNone/>
             </a:pPr>
-            <a:endParaRPr lang="en-US" dirty="0"/>
-          </a:p>
-          <a:p>
-            <a:pPr marL="0" lvl="2" indent="0">
-              <a:buNone/>
-            </a:pPr>
-            <a:endParaRPr lang="en-US" dirty="0"/>
-          </a:p>
-          <a:p>
-            <a:pPr marL="0" lvl="2" indent="0">
-              <a:buNone/>
-            </a:pPr>
-            <a:endParaRPr lang="en-US" dirty="0"/>
-          </a:p>
-          <a:p>
-            <a:pPr lvl="2"/>
-            <a:endParaRPr lang="en-US" dirty="0"/>
-          </a:p>
-          <a:p>
-            <a:pPr lvl="2"/>
-            <a:endParaRPr lang="en-US" dirty="0"/>
-          </a:p>
-          <a:p>
-            <a:pPr marL="0" lvl="2" indent="0">
-              <a:buNone/>
-            </a:pPr>
-            <a:endParaRPr lang="en-US" dirty="0"/>
+            <a:endParaRPr lang="en-US" dirty="0">
+              <a:latin typeface="Courier New" panose="02070309020205020404" pitchFamily="49" charset="0"/>
+              <a:cs typeface="Courier New" panose="02070309020205020404" pitchFamily="49" charset="0"/>
+            </a:endParaRPr>
           </a:p>
         </p:txBody>
       </p:sp>
@@ -15645,7 +15581,7 @@
     </p:spTree>
     <p:extLst>
       <p:ext uri="{BB962C8B-B14F-4D97-AF65-F5344CB8AC3E}">
-        <p14:creationId xmlns:p14="http://schemas.microsoft.com/office/powerpoint/2010/main" val="3376888254"/>
+        <p14:creationId xmlns:p14="http://schemas.microsoft.com/office/powerpoint/2010/main" val="2223392183"/>
       </p:ext>
     </p:extLst>
   </p:cSld>
@@ -15700,9 +15636,10 @@
           <a:lstStyle/>
           <a:p>
             <a:r>
-              <a:rPr lang="en-US" dirty="0"/>
-              <a:t>Simulated robot</a:t>
-            </a:r>
+              <a:rPr lang="en-US" dirty="0" err="1"/>
+              <a:t>OpenCV</a:t>
+            </a:r>
+            <a:endParaRPr lang="en-US" dirty="0"/>
           </a:p>
         </p:txBody>
       </p:sp>
@@ -15718,7 +15655,7 @@
         </p:nvSpPr>
         <p:spPr>
           <a:xfrm>
-            <a:off x="610099" y="1073150"/>
+            <a:off x="440504" y="1019361"/>
             <a:ext cx="7825978" cy="3496469"/>
           </a:xfrm>
         </p:spPr>
@@ -15726,115 +15663,265 @@
           <a:bodyPr/>
           <a:lstStyle/>
           <a:p>
-            <a:pPr lvl="2"/>
-            <a:r>
-              <a:rPr lang="en-US" dirty="0"/>
-              <a:t>Installing the simulated robot</a:t>
-            </a:r>
-          </a:p>
-          <a:p>
-            <a:pPr lvl="3"/>
-            <a:r>
-              <a:rPr lang="en-US" dirty="0"/>
-              <a:t>Run the program naoqi-bin.exe that is installed along with </a:t>
-            </a:r>
-            <a:r>
-              <a:rPr lang="en-US" dirty="0" err="1"/>
-              <a:t>Choregraphe</a:t>
-            </a:r>
-            <a:endParaRPr lang="en-US" dirty="0"/>
-          </a:p>
-          <a:p>
-            <a:pPr lvl="3"/>
-            <a:r>
-              <a:rPr lang="en-US" dirty="0"/>
-              <a:t>Note your local IP address or use “127.0.0.1”</a:t>
-            </a:r>
-          </a:p>
-          <a:p>
-            <a:pPr lvl="3"/>
-            <a:endParaRPr lang="en-US" dirty="0"/>
-          </a:p>
-          <a:p>
-            <a:pPr lvl="2"/>
-            <a:r>
-              <a:rPr lang="en-US" dirty="0"/>
-              <a:t>Add the line</a:t>
-            </a:r>
-          </a:p>
-          <a:p>
-            <a:pPr lvl="3"/>
-            <a:r>
-              <a:rPr lang="en-US" dirty="0" err="1"/>
-              <a:t>Nao.InitProxy</a:t>
-            </a:r>
-            <a:r>
-              <a:rPr lang="en-US" dirty="0"/>
-              <a:t>(“127.0.0.1”, [0])</a:t>
-            </a:r>
-          </a:p>
-          <a:p>
-            <a:pPr lvl="2"/>
-            <a:r>
-              <a:rPr lang="en-US" dirty="0"/>
-              <a:t>If all goes well you are connected to the simulated robot</a:t>
-            </a:r>
-          </a:p>
-          <a:p>
-            <a:pPr lvl="3"/>
-            <a:r>
-              <a:rPr lang="en-US" dirty="0"/>
-              <a:t>You can use Python to move the virtual robot in </a:t>
-            </a:r>
-            <a:r>
-              <a:rPr lang="en-US" dirty="0" err="1"/>
-              <a:t>Choregraphe</a:t>
-            </a:r>
-            <a:endParaRPr lang="en-US" dirty="0"/>
-          </a:p>
-          <a:p>
-            <a:pPr lvl="3"/>
-            <a:endParaRPr lang="en-US" dirty="0"/>
-          </a:p>
-          <a:p>
-            <a:pPr lvl="2"/>
-            <a:endParaRPr lang="en-US" dirty="0"/>
-          </a:p>
-          <a:p>
-            <a:pPr lvl="4"/>
-            <a:endParaRPr lang="en-US" dirty="0"/>
-          </a:p>
-          <a:p>
-            <a:pPr marL="0" lvl="2" indent="0">
+            <a:pPr marL="285750" indent="-285750">
+              <a:buFont typeface="Arial" panose="020B0604020202020204" pitchFamily="34" charset="0"/>
+              <a:buChar char="•"/>
+            </a:pPr>
+            <a:r>
+              <a:rPr lang="nl-NL" dirty="0"/>
+              <a:t>Test </a:t>
+            </a:r>
+            <a:r>
+              <a:rPr lang="nl-NL" dirty="0" err="1"/>
+              <a:t>your</a:t>
+            </a:r>
+            <a:r>
+              <a:rPr lang="nl-NL" dirty="0"/>
+              <a:t> </a:t>
+            </a:r>
+            <a:r>
+              <a:rPr lang="nl-NL" dirty="0" err="1"/>
+              <a:t>installation</a:t>
+            </a:r>
+            <a:r>
+              <a:rPr lang="nl-NL" dirty="0"/>
+              <a:t> </a:t>
+            </a:r>
+            <a:r>
+              <a:rPr lang="nl-NL" dirty="0" err="1"/>
+              <a:t>using</a:t>
+            </a:r>
+            <a:endParaRPr lang="nl-NL" dirty="0"/>
+          </a:p>
+          <a:p>
+            <a:pPr marL="342900" lvl="1" indent="-342900">
+              <a:buFont typeface="Arial" panose="020B0604020202020204" pitchFamily="34" charset="0"/>
+              <a:buChar char="•"/>
+            </a:pPr>
+            <a:r>
+              <a:rPr lang="nl-NL" sz="1600" dirty="0"/>
+              <a:t>import cv2</a:t>
+            </a:r>
+          </a:p>
+          <a:p>
+            <a:pPr marL="285750" indent="-285750">
+              <a:buFont typeface="Arial" panose="020B0604020202020204" pitchFamily="34" charset="0"/>
+              <a:buChar char="•"/>
+            </a:pPr>
+            <a:r>
+              <a:rPr lang="nl-NL" dirty="0"/>
+              <a:t>We </a:t>
+            </a:r>
+            <a:r>
+              <a:rPr lang="nl-NL" dirty="0" err="1"/>
+              <a:t>often</a:t>
+            </a:r>
+            <a:r>
+              <a:rPr lang="nl-NL" dirty="0"/>
+              <a:t> </a:t>
+            </a:r>
+            <a:r>
+              <a:rPr lang="nl-NL" dirty="0" err="1"/>
+              <a:t>use</a:t>
+            </a:r>
+            <a:r>
+              <a:rPr lang="nl-NL" dirty="0"/>
+              <a:t> cv </a:t>
+            </a:r>
+            <a:r>
+              <a:rPr lang="nl-NL" dirty="0" err="1"/>
+              <a:t>rather</a:t>
+            </a:r>
+            <a:r>
+              <a:rPr lang="nl-NL" dirty="0"/>
+              <a:t> </a:t>
+            </a:r>
+            <a:r>
+              <a:rPr lang="nl-NL" dirty="0" err="1"/>
+              <a:t>than</a:t>
+            </a:r>
+            <a:r>
+              <a:rPr lang="nl-NL" dirty="0"/>
+              <a:t> cv2:</a:t>
+            </a:r>
+          </a:p>
+          <a:p>
+            <a:pPr marL="342900" lvl="1" indent="-342900">
+              <a:buFont typeface="Arial" panose="020B0604020202020204" pitchFamily="34" charset="0"/>
+              <a:buChar char="•"/>
+            </a:pPr>
+            <a:r>
+              <a:rPr lang="nl-NL" sz="1600" dirty="0"/>
+              <a:t>import cv2.cv as cv</a:t>
+            </a:r>
+            <a:endParaRPr lang="en-US" sz="1600" dirty="0"/>
+          </a:p>
+          <a:p>
+            <a:pPr marL="342900" lvl="1" indent="-342900">
+              <a:buFont typeface="Arial" panose="020B0604020202020204" pitchFamily="34" charset="0"/>
+              <a:buChar char="•"/>
+            </a:pPr>
+            <a:endParaRPr lang="nl-NL" dirty="0"/>
+          </a:p>
+          <a:p>
+            <a:pPr marL="285750" indent="-285750">
+              <a:buFont typeface="Arial" panose="020B0604020202020204" pitchFamily="34" charset="0"/>
+              <a:buChar char="•"/>
+            </a:pPr>
+            <a:r>
+              <a:rPr lang="nl-NL" dirty="0" err="1"/>
+              <a:t>To</a:t>
+            </a:r>
+            <a:r>
+              <a:rPr lang="nl-NL" dirty="0"/>
+              <a:t> </a:t>
+            </a:r>
+            <a:r>
+              <a:rPr lang="nl-NL" dirty="0" err="1"/>
+              <a:t>automatically</a:t>
+            </a:r>
+            <a:r>
+              <a:rPr lang="nl-NL" dirty="0"/>
+              <a:t> do </a:t>
+            </a:r>
+            <a:r>
+              <a:rPr lang="nl-NL" dirty="0" err="1"/>
+              <a:t>this</a:t>
+            </a:r>
+            <a:r>
+              <a:rPr lang="nl-NL" dirty="0"/>
+              <a:t>, </a:t>
+            </a:r>
+            <a:r>
+              <a:rPr lang="nl-NL" dirty="0" err="1"/>
+              <a:t>create</a:t>
+            </a:r>
+            <a:r>
+              <a:rPr lang="nl-NL" dirty="0"/>
+              <a:t> a file cv.py in </a:t>
+            </a:r>
+            <a:r>
+              <a:rPr lang="nl-NL" dirty="0" err="1"/>
+              <a:t>to</a:t>
+            </a:r>
+            <a:r>
+              <a:rPr lang="nl-NL" dirty="0"/>
+              <a:t> &lt;</a:t>
+            </a:r>
+            <a:r>
+              <a:rPr lang="nl-NL" dirty="0" err="1"/>
+              <a:t>path_to_python</a:t>
+            </a:r>
+            <a:r>
+              <a:rPr lang="nl-NL" dirty="0"/>
+              <a:t>&gt;\</a:t>
+            </a:r>
+            <a:r>
+              <a:rPr lang="nl-NL" dirty="0" err="1"/>
+              <a:t>Lib</a:t>
+            </a:r>
+            <a:r>
+              <a:rPr lang="nl-NL" dirty="0"/>
+              <a:t>\site-packages\ </a:t>
+            </a:r>
+            <a:r>
+              <a:rPr lang="nl-NL" dirty="0" err="1"/>
+              <a:t>with</a:t>
+            </a:r>
+            <a:r>
+              <a:rPr lang="nl-NL" dirty="0"/>
+              <a:t> </a:t>
+            </a:r>
+            <a:r>
+              <a:rPr lang="nl-NL" dirty="0" err="1"/>
+              <a:t>the</a:t>
+            </a:r>
+            <a:r>
+              <a:rPr lang="nl-NL" dirty="0"/>
+              <a:t> </a:t>
+            </a:r>
+            <a:r>
+              <a:rPr lang="nl-NL" dirty="0" err="1"/>
+              <a:t>following</a:t>
+            </a:r>
+            <a:r>
+              <a:rPr lang="nl-NL" dirty="0"/>
+              <a:t> content:</a:t>
+            </a:r>
+          </a:p>
+          <a:p>
+            <a:pPr marL="342900" lvl="1" indent="-342900">
+              <a:buFont typeface="Arial" panose="020B0604020202020204" pitchFamily="34" charset="0"/>
+              <a:buChar char="•"/>
+            </a:pPr>
+            <a:r>
+              <a:rPr lang="nl-NL" sz="1600" dirty="0" err="1"/>
+              <a:t>from</a:t>
+            </a:r>
+            <a:r>
+              <a:rPr lang="nl-NL" sz="1600" dirty="0"/>
+              <a:t> cv2.cv import *</a:t>
+            </a:r>
+          </a:p>
+          <a:p>
+            <a:pPr marL="285750" indent="-285750">
+              <a:buFont typeface="Arial" panose="020B0604020202020204" pitchFamily="34" charset="0"/>
+              <a:buChar char="•"/>
+            </a:pPr>
+            <a:r>
+              <a:rPr lang="nl-NL" dirty="0" err="1"/>
+              <a:t>This</a:t>
+            </a:r>
+            <a:r>
+              <a:rPr lang="nl-NL" dirty="0"/>
+              <a:t> </a:t>
+            </a:r>
+            <a:r>
+              <a:rPr lang="nl-NL" dirty="0" err="1"/>
+              <a:t>will</a:t>
+            </a:r>
+            <a:r>
+              <a:rPr lang="nl-NL" dirty="0"/>
+              <a:t> </a:t>
+            </a:r>
+            <a:r>
+              <a:rPr lang="nl-NL" dirty="0" err="1"/>
+              <a:t>enable</a:t>
+            </a:r>
+            <a:r>
+              <a:rPr lang="nl-NL" dirty="0"/>
+              <a:t> </a:t>
+            </a:r>
+            <a:r>
+              <a:rPr lang="nl-NL" dirty="0" err="1"/>
+              <a:t>the</a:t>
+            </a:r>
+            <a:r>
+              <a:rPr lang="nl-NL" dirty="0"/>
+              <a:t> </a:t>
+            </a:r>
+            <a:r>
+              <a:rPr lang="nl-NL" dirty="0" err="1"/>
+              <a:t>old</a:t>
+            </a:r>
+            <a:r>
+              <a:rPr lang="nl-NL" dirty="0"/>
+              <a:t> “import cv” </a:t>
+            </a:r>
+            <a:r>
+              <a:rPr lang="nl-NL" dirty="0" err="1"/>
+              <a:t>command</a:t>
+            </a:r>
+            <a:endParaRPr lang="nl-NL" dirty="0"/>
+          </a:p>
+          <a:p>
+            <a:pPr marL="405000" lvl="4" indent="0">
               <a:buNone/>
             </a:pPr>
-            <a:endParaRPr lang="en-US" dirty="0"/>
-          </a:p>
-          <a:p>
-            <a:pPr marL="0" lvl="2" indent="0">
-              <a:buNone/>
-            </a:pPr>
-            <a:endParaRPr lang="en-US" dirty="0"/>
-          </a:p>
-          <a:p>
-            <a:pPr marL="0" lvl="2" indent="0">
-              <a:buNone/>
-            </a:pPr>
-            <a:endParaRPr lang="en-US" dirty="0"/>
-          </a:p>
-          <a:p>
-            <a:pPr lvl="2"/>
-            <a:endParaRPr lang="en-US" dirty="0"/>
-          </a:p>
-          <a:p>
-            <a:pPr lvl="2"/>
-            <a:endParaRPr lang="en-US" dirty="0"/>
-          </a:p>
-          <a:p>
-            <a:pPr marL="0" lvl="2" indent="0">
-              <a:buNone/>
-            </a:pPr>
-            <a:endParaRPr lang="en-US" dirty="0"/>
+            <a:endParaRPr lang="en-US" dirty="0">
+              <a:latin typeface="Courier New" panose="02070309020205020404" pitchFamily="49" charset="0"/>
+              <a:cs typeface="Courier New" panose="02070309020205020404" pitchFamily="49" charset="0"/>
+            </a:endParaRPr>
           </a:p>
         </p:txBody>
       </p:sp>
@@ -15887,7 +15974,7 @@
     </p:spTree>
     <p:extLst>
       <p:ext uri="{BB962C8B-B14F-4D97-AF65-F5344CB8AC3E}">
-        <p14:creationId xmlns:p14="http://schemas.microsoft.com/office/powerpoint/2010/main" val="1286838151"/>
+        <p14:creationId xmlns:p14="http://schemas.microsoft.com/office/powerpoint/2010/main" val="3264818513"/>
       </p:ext>
     </p:extLst>
   </p:cSld>
@@ -15928,7 +16015,7 @@
       </p:grpSpPr>
       <p:sp>
         <p:nvSpPr>
-          <p:cNvPr id="2" name="Title 1"/>
+          <p:cNvPr id="2" name="Titel 1"/>
           <p:cNvSpPr>
             <a:spLocks noGrp="1"/>
           </p:cNvSpPr>
@@ -15942,20 +16029,15 @@
           <a:lstStyle/>
           <a:p>
             <a:r>
-              <a:rPr lang="nl-NL" dirty="0" err="1"/>
-              <a:t>Simulated</a:t>
-            </a:r>
-            <a:r>
-              <a:rPr lang="nl-NL" dirty="0"/>
-              <a:t> robot</a:t>
-            </a:r>
-            <a:endParaRPr lang="en-US" dirty="0"/>
-          </a:p>
-        </p:txBody>
-      </p:sp>
-      <p:sp>
-        <p:nvSpPr>
-          <p:cNvPr id="3" name="Content Placeholder 2"/>
+              <a:rPr lang="en-US" dirty="0"/>
+              <a:t>NAO-lib</a:t>
+            </a:r>
+          </a:p>
+        </p:txBody>
+      </p:sp>
+      <p:sp>
+        <p:nvSpPr>
+          <p:cNvPr id="3" name="Tijdelijke aanduiding voor inhoud 2"/>
           <p:cNvSpPr>
             <a:spLocks noGrp="1"/>
           </p:cNvSpPr>
@@ -15963,225 +16045,203 @@
             <p:ph idx="1"/>
           </p:nvPr>
         </p:nvSpPr>
+        <p:spPr>
+          <a:xfrm>
+            <a:off x="610099" y="1073150"/>
+            <a:ext cx="7825978" cy="3496469"/>
+          </a:xfrm>
+        </p:spPr>
+        <p:txBody>
+          <a:bodyPr/>
+          <a:lstStyle/>
+          <a:p>
+            <a:pPr lvl="2"/>
+            <a:r>
+              <a:rPr lang="en-US" dirty="0"/>
+              <a:t>A custom-built library simplifies many functions of </a:t>
+            </a:r>
+            <a:r>
+              <a:rPr lang="en-US" dirty="0" err="1"/>
+              <a:t>Naoqi</a:t>
+            </a:r>
+            <a:endParaRPr lang="en-US" dirty="0"/>
+          </a:p>
+          <a:p>
+            <a:pPr lvl="2"/>
+            <a:r>
+              <a:rPr lang="en-US" dirty="0"/>
+              <a:t>Meant for NAO, and the </a:t>
+            </a:r>
+            <a:r>
+              <a:rPr lang="en-US" dirty="0" err="1"/>
+              <a:t>naoqi</a:t>
+            </a:r>
+            <a:r>
+              <a:rPr lang="en-US" dirty="0"/>
+              <a:t>-version of NAO</a:t>
+            </a:r>
+          </a:p>
+          <a:p>
+            <a:pPr lvl="2"/>
+            <a:r>
+              <a:rPr lang="en-US" dirty="0"/>
+              <a:t>Latest version will be shared with you</a:t>
+            </a:r>
+          </a:p>
+          <a:p>
+            <a:pPr lvl="3"/>
+            <a:r>
+              <a:rPr lang="en-US" dirty="0"/>
+              <a:t>nao.py includes cv</a:t>
+            </a:r>
+          </a:p>
+          <a:p>
+            <a:pPr lvl="3"/>
+            <a:r>
+              <a:rPr lang="en-US" dirty="0"/>
+              <a:t>nao_nocv.py does not</a:t>
+            </a:r>
+          </a:p>
+          <a:p>
+            <a:pPr lvl="3"/>
+            <a:endParaRPr lang="en-US" dirty="0"/>
+          </a:p>
+          <a:p>
+            <a:pPr lvl="2"/>
+            <a:r>
+              <a:rPr lang="en-US" dirty="0"/>
+              <a:t>Installing </a:t>
+            </a:r>
+            <a:r>
+              <a:rPr lang="en-US" dirty="0" err="1"/>
+              <a:t>nao</a:t>
+            </a:r>
+            <a:r>
+              <a:rPr lang="en-US" dirty="0"/>
+              <a:t>-lib</a:t>
+            </a:r>
+          </a:p>
+          <a:p>
+            <a:pPr lvl="3"/>
+            <a:r>
+              <a:rPr lang="en-US" dirty="0"/>
+              <a:t>Create a directory with a python file with one line of code</a:t>
+            </a:r>
+          </a:p>
+          <a:p>
+            <a:pPr lvl="4"/>
+            <a:r>
+              <a:rPr lang="en-US" dirty="0"/>
+              <a:t>import </a:t>
+            </a:r>
+            <a:r>
+              <a:rPr lang="en-US" dirty="0" err="1"/>
+              <a:t>nao_nocv</a:t>
+            </a:r>
+            <a:r>
+              <a:rPr lang="en-US" dirty="0"/>
+              <a:t> as </a:t>
+            </a:r>
+            <a:r>
+              <a:rPr lang="en-US" dirty="0" err="1"/>
+              <a:t>nao</a:t>
+            </a:r>
+            <a:endParaRPr lang="en-US" dirty="0"/>
+          </a:p>
+          <a:p>
+            <a:pPr lvl="3"/>
+            <a:r>
+              <a:rPr lang="en-US" dirty="0"/>
+              <a:t>Copy nao.py or nao_nocv.py in the same directory</a:t>
+            </a:r>
+          </a:p>
+          <a:p>
+            <a:pPr lvl="3"/>
+            <a:r>
+              <a:rPr lang="en-US" dirty="0"/>
+              <a:t>Press F5 to run and test the program</a:t>
+            </a:r>
+          </a:p>
+          <a:p>
+            <a:pPr lvl="4"/>
+            <a:endParaRPr lang="en-US" dirty="0"/>
+          </a:p>
+          <a:p>
+            <a:pPr marL="0" lvl="2" indent="0">
+              <a:buNone/>
+            </a:pPr>
+            <a:endParaRPr lang="en-US" dirty="0"/>
+          </a:p>
+          <a:p>
+            <a:pPr marL="0" lvl="2" indent="0">
+              <a:buNone/>
+            </a:pPr>
+            <a:endParaRPr lang="en-US" dirty="0"/>
+          </a:p>
+          <a:p>
+            <a:pPr marL="0" lvl="2" indent="0">
+              <a:buNone/>
+            </a:pPr>
+            <a:endParaRPr lang="en-US" dirty="0"/>
+          </a:p>
+          <a:p>
+            <a:pPr lvl="2"/>
+            <a:endParaRPr lang="en-US" dirty="0"/>
+          </a:p>
+          <a:p>
+            <a:pPr lvl="2"/>
+            <a:endParaRPr lang="en-US" dirty="0"/>
+          </a:p>
+          <a:p>
+            <a:pPr marL="0" lvl="2" indent="0">
+              <a:buNone/>
+            </a:pPr>
+            <a:endParaRPr lang="en-US" dirty="0"/>
+          </a:p>
+        </p:txBody>
+      </p:sp>
+      <p:sp>
+        <p:nvSpPr>
+          <p:cNvPr id="4" name="Tijdelijke aanduiding voor voettekst 3"/>
+          <p:cNvSpPr>
+            <a:spLocks noGrp="1"/>
+          </p:cNvSpPr>
+          <p:nvPr>
+            <p:ph type="ftr" sz="quarter" idx="11"/>
+          </p:nvPr>
+        </p:nvSpPr>
         <p:spPr/>
         <p:txBody>
           <a:bodyPr/>
           <a:lstStyle/>
           <a:p>
-            <a:pPr marL="342900" indent="-342900">
-              <a:buFont typeface="+mj-lt"/>
-              <a:buAutoNum type="arabicPeriod"/>
-            </a:pPr>
-            <a:r>
-              <a:rPr lang="nl-NL" dirty="0" err="1"/>
-              <a:t>Choregraphe</a:t>
-            </a:r>
-            <a:endParaRPr lang="nl-NL" dirty="0"/>
-          </a:p>
-          <a:p>
-            <a:r>
-              <a:rPr lang="nl-NL" dirty="0"/>
-              <a:t>Run </a:t>
-            </a:r>
-            <a:r>
-              <a:rPr lang="nl-NL" dirty="0" err="1"/>
-              <a:t>the</a:t>
-            </a:r>
-            <a:r>
-              <a:rPr lang="nl-NL" dirty="0"/>
-              <a:t> program naoqi-bin.exe </a:t>
-            </a:r>
-            <a:r>
-              <a:rPr lang="nl-NL" dirty="0" err="1"/>
-              <a:t>that</a:t>
-            </a:r>
-            <a:r>
-              <a:rPr lang="nl-NL" dirty="0"/>
-              <a:t> is </a:t>
-            </a:r>
-            <a:r>
-              <a:rPr lang="nl-NL" dirty="0" err="1"/>
-              <a:t>resides</a:t>
-            </a:r>
-            <a:r>
-              <a:rPr lang="nl-NL" dirty="0"/>
-              <a:t> in </a:t>
-            </a:r>
-            <a:r>
-              <a:rPr lang="nl-NL" dirty="0" err="1"/>
-              <a:t>the</a:t>
-            </a:r>
-            <a:r>
-              <a:rPr lang="nl-NL" dirty="0"/>
-              <a:t> “bin” subdirectory of </a:t>
-            </a:r>
-            <a:r>
-              <a:rPr lang="nl-NL" dirty="0" err="1"/>
-              <a:t>your</a:t>
-            </a:r>
-            <a:r>
-              <a:rPr lang="nl-NL" dirty="0"/>
-              <a:t> </a:t>
-            </a:r>
-            <a:r>
-              <a:rPr lang="nl-NL" dirty="0" err="1"/>
-              <a:t>choregraphe</a:t>
-            </a:r>
-            <a:r>
-              <a:rPr lang="nl-NL" dirty="0"/>
-              <a:t> </a:t>
-            </a:r>
-            <a:r>
-              <a:rPr lang="nl-NL" dirty="0" err="1"/>
-              <a:t>installation</a:t>
-            </a:r>
-            <a:endParaRPr lang="nl-NL" dirty="0"/>
-          </a:p>
-          <a:p>
-            <a:endParaRPr lang="nl-NL" dirty="0"/>
-          </a:p>
-          <a:p>
-            <a:r>
-              <a:rPr lang="nl-NL" dirty="0" err="1"/>
-              <a:t>Note</a:t>
-            </a:r>
-            <a:r>
-              <a:rPr lang="nl-NL" dirty="0"/>
-              <a:t> </a:t>
-            </a:r>
-            <a:r>
-              <a:rPr lang="nl-NL" dirty="0" err="1"/>
-              <a:t>your</a:t>
-            </a:r>
-            <a:r>
-              <a:rPr lang="nl-NL" dirty="0"/>
-              <a:t> </a:t>
-            </a:r>
-            <a:r>
-              <a:rPr lang="nl-NL" dirty="0" err="1"/>
-              <a:t>local</a:t>
-            </a:r>
-            <a:r>
-              <a:rPr lang="nl-NL" dirty="0"/>
-              <a:t> IP </a:t>
-            </a:r>
-            <a:r>
-              <a:rPr lang="nl-NL" dirty="0" err="1"/>
-              <a:t>address</a:t>
-            </a:r>
-            <a:r>
-              <a:rPr lang="nl-NL" dirty="0"/>
-              <a:t> or </a:t>
-            </a:r>
-            <a:r>
-              <a:rPr lang="nl-NL" dirty="0" err="1"/>
-              <a:t>use</a:t>
-            </a:r>
-            <a:r>
-              <a:rPr lang="nl-NL" dirty="0"/>
-              <a:t> “127.0.0.1”</a:t>
-            </a:r>
-          </a:p>
-          <a:p>
-            <a:r>
-              <a:rPr lang="nl-NL" dirty="0"/>
-              <a:t>in </a:t>
-            </a:r>
-            <a:r>
-              <a:rPr lang="nl-NL" dirty="0" err="1"/>
-              <a:t>your</a:t>
-            </a:r>
-            <a:r>
-              <a:rPr lang="nl-NL" dirty="0"/>
-              <a:t> program </a:t>
-            </a:r>
-            <a:r>
-              <a:rPr lang="nl-NL" dirty="0" err="1"/>
-              <a:t>add</a:t>
-            </a:r>
-            <a:r>
-              <a:rPr lang="nl-NL" dirty="0"/>
-              <a:t> </a:t>
-            </a:r>
-            <a:r>
-              <a:rPr lang="nl-NL" dirty="0" err="1"/>
-              <a:t>the</a:t>
-            </a:r>
-            <a:r>
-              <a:rPr lang="nl-NL" dirty="0"/>
-              <a:t> line:</a:t>
-            </a:r>
-          </a:p>
-          <a:p>
-            <a:endParaRPr lang="nl-NL" dirty="0"/>
-          </a:p>
-          <a:p>
-            <a:r>
-              <a:rPr lang="nl-NL" dirty="0">
-                <a:latin typeface="Courier New" panose="02070309020205020404" pitchFamily="49" charset="0"/>
-                <a:cs typeface="Courier New" panose="02070309020205020404" pitchFamily="49" charset="0"/>
-              </a:rPr>
-              <a:t>	</a:t>
-            </a:r>
-            <a:r>
-              <a:rPr lang="nl-NL" dirty="0" err="1">
-                <a:latin typeface="Courier New" panose="02070309020205020404" pitchFamily="49" charset="0"/>
-                <a:cs typeface="Courier New" panose="02070309020205020404" pitchFamily="49" charset="0"/>
-              </a:rPr>
-              <a:t>nao.InitProxy</a:t>
-            </a:r>
-            <a:r>
-              <a:rPr lang="nl-NL" dirty="0">
-                <a:latin typeface="Courier New" panose="02070309020205020404" pitchFamily="49" charset="0"/>
-                <a:cs typeface="Courier New" panose="02070309020205020404" pitchFamily="49" charset="0"/>
-              </a:rPr>
-              <a:t>(“127.0.0.1”, [0])</a:t>
-            </a:r>
-          </a:p>
-          <a:p>
-            <a:endParaRPr lang="nl-NL" dirty="0"/>
-          </a:p>
-          <a:p>
-            <a:r>
-              <a:rPr lang="nl-NL" dirty="0" err="1"/>
-              <a:t>If</a:t>
-            </a:r>
-            <a:r>
-              <a:rPr lang="nl-NL" dirty="0"/>
-              <a:t> all </a:t>
-            </a:r>
-            <a:r>
-              <a:rPr lang="nl-NL" dirty="0" err="1"/>
-              <a:t>goes</a:t>
-            </a:r>
-            <a:r>
-              <a:rPr lang="nl-NL" dirty="0"/>
-              <a:t> well </a:t>
-            </a:r>
-            <a:r>
-              <a:rPr lang="nl-NL" dirty="0" err="1"/>
-              <a:t>you</a:t>
-            </a:r>
-            <a:r>
-              <a:rPr lang="nl-NL" dirty="0"/>
-              <a:t> are </a:t>
-            </a:r>
-            <a:r>
-              <a:rPr lang="nl-NL" dirty="0" err="1"/>
-              <a:t>connected</a:t>
-            </a:r>
-            <a:r>
-              <a:rPr lang="nl-NL" dirty="0"/>
-              <a:t> to the </a:t>
-            </a:r>
-            <a:r>
-              <a:rPr lang="nl-NL" dirty="0" err="1"/>
-              <a:t>simulated</a:t>
-            </a:r>
-            <a:r>
-              <a:rPr lang="nl-NL" dirty="0"/>
-              <a:t> robot</a:t>
-            </a:r>
+            <a:r>
+              <a:rPr lang="en-US" dirty="0"/>
+              <a:t>NAO and Pepper Tutorial</a:t>
+            </a:r>
+          </a:p>
+        </p:txBody>
+      </p:sp>
+      <p:sp>
+        <p:nvSpPr>
+          <p:cNvPr id="5" name="Tijdelijke aanduiding voor dianummer 4"/>
+          <p:cNvSpPr>
+            <a:spLocks noGrp="1"/>
+          </p:cNvSpPr>
+          <p:nvPr>
+            <p:ph type="sldNum" sz="quarter" idx="12"/>
+          </p:nvPr>
+        </p:nvSpPr>
+        <p:spPr/>
+        <p:txBody>
+          <a:bodyPr/>
+          <a:lstStyle/>
+          <a:p>
+            <a:fld id="{B7CEC10D-CD46-426F-915E-6C78530279CB}" type="slidenum">
+              <a:rPr lang="en-US" smtClean="0"/>
+              <a:pPr/>
+              <a:t>33</a:t>
+            </a:fld>
             <a:endParaRPr lang="en-US" dirty="0"/>
           </a:p>
         </p:txBody>
@@ -16189,7 +16249,7 @@
     </p:spTree>
     <p:extLst>
       <p:ext uri="{BB962C8B-B14F-4D97-AF65-F5344CB8AC3E}">
-        <p14:creationId xmlns:p14="http://schemas.microsoft.com/office/powerpoint/2010/main" val="3015543534"/>
+        <p14:creationId xmlns:p14="http://schemas.microsoft.com/office/powerpoint/2010/main" val="3376888254"/>
       </p:ext>
     </p:extLst>
   </p:cSld>
@@ -16230,7 +16290,7 @@
       </p:grpSpPr>
       <p:sp>
         <p:nvSpPr>
-          <p:cNvPr id="2" name="Title 1"/>
+          <p:cNvPr id="2" name="Titel 1"/>
           <p:cNvSpPr>
             <a:spLocks noGrp="1"/>
           </p:cNvSpPr>
@@ -16244,20 +16304,15 @@
           <a:lstStyle/>
           <a:p>
             <a:r>
-              <a:rPr lang="nl-NL" dirty="0" err="1"/>
-              <a:t>Simulated</a:t>
-            </a:r>
-            <a:r>
-              <a:rPr lang="nl-NL" dirty="0"/>
-              <a:t> robot</a:t>
-            </a:r>
-            <a:endParaRPr lang="en-US" dirty="0"/>
-          </a:p>
-        </p:txBody>
-      </p:sp>
-      <p:sp>
-        <p:nvSpPr>
-          <p:cNvPr id="3" name="Content Placeholder 2"/>
+              <a:rPr lang="en-US" dirty="0"/>
+              <a:t>Simulated robot</a:t>
+            </a:r>
+          </a:p>
+        </p:txBody>
+      </p:sp>
+      <p:sp>
+        <p:nvSpPr>
+          <p:cNvPr id="3" name="Tijdelijke aanduiding voor inhoud 2"/>
           <p:cNvSpPr>
             <a:spLocks noGrp="1"/>
           </p:cNvSpPr>
@@ -16265,291 +16320,170 @@
             <p:ph idx="1"/>
           </p:nvPr>
         </p:nvSpPr>
+        <p:spPr>
+          <a:xfrm>
+            <a:off x="610099" y="1073150"/>
+            <a:ext cx="7825978" cy="3496469"/>
+          </a:xfrm>
+        </p:spPr>
+        <p:txBody>
+          <a:bodyPr/>
+          <a:lstStyle/>
+          <a:p>
+            <a:pPr lvl="2"/>
+            <a:r>
+              <a:rPr lang="en-US" dirty="0"/>
+              <a:t>Installing the simulated robot</a:t>
+            </a:r>
+          </a:p>
+          <a:p>
+            <a:pPr lvl="3"/>
+            <a:r>
+              <a:rPr lang="en-US" dirty="0"/>
+              <a:t>Run the program naoqi-bin.exe that is installed along with </a:t>
+            </a:r>
+            <a:r>
+              <a:rPr lang="en-US" dirty="0" err="1"/>
+              <a:t>Choregraphe</a:t>
+            </a:r>
+            <a:endParaRPr lang="en-US" dirty="0"/>
+          </a:p>
+          <a:p>
+            <a:pPr lvl="3"/>
+            <a:r>
+              <a:rPr lang="en-US" dirty="0"/>
+              <a:t>Note your local IP address or use “127.0.0.1”</a:t>
+            </a:r>
+          </a:p>
+          <a:p>
+            <a:pPr lvl="3"/>
+            <a:endParaRPr lang="en-US" dirty="0"/>
+          </a:p>
+          <a:p>
+            <a:pPr lvl="2"/>
+            <a:r>
+              <a:rPr lang="en-US" dirty="0"/>
+              <a:t>Add the line</a:t>
+            </a:r>
+          </a:p>
+          <a:p>
+            <a:pPr lvl="3"/>
+            <a:r>
+              <a:rPr lang="en-US" dirty="0" err="1"/>
+              <a:t>Nao.InitProxy</a:t>
+            </a:r>
+            <a:r>
+              <a:rPr lang="en-US" dirty="0"/>
+              <a:t>(“127.0.0.1”, [0])</a:t>
+            </a:r>
+          </a:p>
+          <a:p>
+            <a:pPr lvl="2"/>
+            <a:r>
+              <a:rPr lang="en-US" dirty="0"/>
+              <a:t>If all goes well you are connected to the simulated robot</a:t>
+            </a:r>
+          </a:p>
+          <a:p>
+            <a:pPr lvl="3"/>
+            <a:r>
+              <a:rPr lang="en-US" dirty="0"/>
+              <a:t>You can use Python to move the virtual robot in </a:t>
+            </a:r>
+            <a:r>
+              <a:rPr lang="en-US" dirty="0" err="1"/>
+              <a:t>Choregraphe</a:t>
+            </a:r>
+            <a:endParaRPr lang="en-US" dirty="0"/>
+          </a:p>
+          <a:p>
+            <a:pPr lvl="3"/>
+            <a:endParaRPr lang="en-US" dirty="0"/>
+          </a:p>
+          <a:p>
+            <a:pPr lvl="2"/>
+            <a:endParaRPr lang="en-US" dirty="0"/>
+          </a:p>
+          <a:p>
+            <a:pPr lvl="4"/>
+            <a:endParaRPr lang="en-US" dirty="0"/>
+          </a:p>
+          <a:p>
+            <a:pPr marL="0" lvl="2" indent="0">
+              <a:buNone/>
+            </a:pPr>
+            <a:endParaRPr lang="en-US" dirty="0"/>
+          </a:p>
+          <a:p>
+            <a:pPr marL="0" lvl="2" indent="0">
+              <a:buNone/>
+            </a:pPr>
+            <a:endParaRPr lang="en-US" dirty="0"/>
+          </a:p>
+          <a:p>
+            <a:pPr marL="0" lvl="2" indent="0">
+              <a:buNone/>
+            </a:pPr>
+            <a:endParaRPr lang="en-US" dirty="0"/>
+          </a:p>
+          <a:p>
+            <a:pPr lvl="2"/>
+            <a:endParaRPr lang="en-US" dirty="0"/>
+          </a:p>
+          <a:p>
+            <a:pPr lvl="2"/>
+            <a:endParaRPr lang="en-US" dirty="0"/>
+          </a:p>
+          <a:p>
+            <a:pPr marL="0" lvl="2" indent="0">
+              <a:buNone/>
+            </a:pPr>
+            <a:endParaRPr lang="en-US" dirty="0"/>
+          </a:p>
+        </p:txBody>
+      </p:sp>
+      <p:sp>
+        <p:nvSpPr>
+          <p:cNvPr id="4" name="Tijdelijke aanduiding voor voettekst 3"/>
+          <p:cNvSpPr>
+            <a:spLocks noGrp="1"/>
+          </p:cNvSpPr>
+          <p:nvPr>
+            <p:ph type="ftr" sz="quarter" idx="11"/>
+          </p:nvPr>
+        </p:nvSpPr>
         <p:spPr/>
         <p:txBody>
           <a:bodyPr/>
           <a:lstStyle/>
           <a:p>
-            <a:pPr marL="342900" indent="-342900">
-              <a:buFont typeface="+mj-lt"/>
-              <a:buAutoNum type="arabicPeriod" startAt="2"/>
-            </a:pPr>
-            <a:r>
-              <a:rPr lang="nl-NL" dirty="0" err="1"/>
-              <a:t>Webots</a:t>
-            </a:r>
-            <a:endParaRPr lang="nl-NL" dirty="0"/>
-          </a:p>
-          <a:p>
-            <a:r>
-              <a:rPr lang="nl-NL" dirty="0"/>
-              <a:t>Run </a:t>
-            </a:r>
-            <a:r>
-              <a:rPr lang="nl-NL" dirty="0" err="1"/>
-              <a:t>the</a:t>
-            </a:r>
-            <a:r>
-              <a:rPr lang="nl-NL" dirty="0"/>
-              <a:t> </a:t>
-            </a:r>
-            <a:r>
-              <a:rPr lang="nl-NL" dirty="0" err="1"/>
-              <a:t>webots</a:t>
-            </a:r>
-            <a:r>
-              <a:rPr lang="nl-NL" dirty="0"/>
-              <a:t> program</a:t>
-            </a:r>
-          </a:p>
-          <a:p>
-            <a:r>
-              <a:rPr lang="nl-NL" dirty="0"/>
-              <a:t>Download </a:t>
-            </a:r>
-            <a:r>
-              <a:rPr lang="nl-NL" dirty="0" err="1"/>
-              <a:t>the</a:t>
-            </a:r>
-            <a:r>
-              <a:rPr lang="nl-NL" dirty="0"/>
-              <a:t> </a:t>
-            </a:r>
-            <a:r>
-              <a:rPr lang="nl-NL" dirty="0" err="1"/>
-              <a:t>naoqisim</a:t>
-            </a:r>
-            <a:r>
-              <a:rPr lang="nl-NL" dirty="0"/>
-              <a:t> project </a:t>
-            </a:r>
-            <a:r>
-              <a:rPr lang="nl-NL" dirty="0" err="1"/>
-              <a:t>from</a:t>
-            </a:r>
-            <a:r>
-              <a:rPr lang="nl-NL" dirty="0"/>
-              <a:t> canvas/…</a:t>
-            </a:r>
-          </a:p>
-          <a:p>
-            <a:r>
-              <a:rPr lang="nl-NL" dirty="0"/>
-              <a:t>Accept acces </a:t>
-            </a:r>
-            <a:r>
-              <a:rPr lang="nl-NL" dirty="0" err="1"/>
-              <a:t>to</a:t>
-            </a:r>
-            <a:r>
-              <a:rPr lang="nl-NL" dirty="0"/>
-              <a:t> private </a:t>
-            </a:r>
-            <a:r>
-              <a:rPr lang="nl-NL" dirty="0" err="1"/>
-              <a:t>and</a:t>
-            </a:r>
-            <a:r>
-              <a:rPr lang="nl-NL" dirty="0"/>
-              <a:t> domain </a:t>
-            </a:r>
-            <a:r>
-              <a:rPr lang="nl-NL" dirty="0" err="1"/>
-              <a:t>networks</a:t>
-            </a:r>
-            <a:endParaRPr lang="nl-NL" dirty="0"/>
-          </a:p>
-          <a:p>
-            <a:r>
-              <a:rPr lang="nl-NL" dirty="0"/>
-              <a:t>Open sample </a:t>
-            </a:r>
-            <a:r>
-              <a:rPr lang="nl-NL" dirty="0" err="1"/>
-              <a:t>world</a:t>
-            </a:r>
-            <a:r>
-              <a:rPr lang="nl-NL" dirty="0"/>
-              <a:t> “</a:t>
-            </a:r>
-            <a:r>
-              <a:rPr lang="nl-NL" dirty="0" err="1"/>
-              <a:t>nao_indoors.wbt</a:t>
-            </a:r>
-            <a:r>
-              <a:rPr lang="nl-NL" dirty="0"/>
-              <a:t>” </a:t>
-            </a:r>
-            <a:r>
-              <a:rPr lang="nl-NL" dirty="0" err="1"/>
-              <a:t>from</a:t>
-            </a:r>
-            <a:r>
-              <a:rPr lang="nl-NL" dirty="0"/>
-              <a:t> </a:t>
-            </a:r>
-            <a:r>
-              <a:rPr lang="nl-NL" dirty="0" err="1"/>
-              <a:t>downloaded</a:t>
-            </a:r>
-            <a:r>
-              <a:rPr lang="nl-NL" dirty="0"/>
-              <a:t> project </a:t>
-            </a:r>
-            <a:r>
-              <a:rPr lang="nl-NL" dirty="0" err="1"/>
-              <a:t>location</a:t>
-            </a:r>
-            <a:endParaRPr lang="nl-NL" dirty="0"/>
-          </a:p>
-          <a:p>
-            <a:endParaRPr lang="nl-NL" dirty="0"/>
-          </a:p>
-          <a:p>
-            <a:r>
-              <a:rPr lang="nl-NL" dirty="0" err="1"/>
-              <a:t>Note</a:t>
-            </a:r>
-            <a:r>
-              <a:rPr lang="nl-NL" dirty="0"/>
-              <a:t> </a:t>
-            </a:r>
-            <a:r>
-              <a:rPr lang="nl-NL" dirty="0" err="1"/>
-              <a:t>your</a:t>
-            </a:r>
-            <a:r>
-              <a:rPr lang="nl-NL" dirty="0"/>
-              <a:t> </a:t>
-            </a:r>
-            <a:r>
-              <a:rPr lang="nl-NL" dirty="0" err="1"/>
-              <a:t>local</a:t>
-            </a:r>
-            <a:r>
-              <a:rPr lang="nl-NL" dirty="0"/>
-              <a:t> IP </a:t>
-            </a:r>
-            <a:r>
-              <a:rPr lang="nl-NL" dirty="0" err="1"/>
-              <a:t>address</a:t>
-            </a:r>
-            <a:r>
-              <a:rPr lang="nl-NL" dirty="0"/>
-              <a:t> or </a:t>
-            </a:r>
-            <a:r>
-              <a:rPr lang="nl-NL" dirty="0" err="1"/>
-              <a:t>use</a:t>
-            </a:r>
-            <a:r>
-              <a:rPr lang="nl-NL" dirty="0"/>
-              <a:t> “127.0.0.1”</a:t>
-            </a:r>
-          </a:p>
-          <a:p>
-            <a:r>
-              <a:rPr lang="nl-NL" dirty="0"/>
-              <a:t>in </a:t>
-            </a:r>
-            <a:r>
-              <a:rPr lang="nl-NL" dirty="0" err="1"/>
-              <a:t>your</a:t>
-            </a:r>
-            <a:r>
-              <a:rPr lang="nl-NL" dirty="0"/>
-              <a:t> program </a:t>
-            </a:r>
-            <a:r>
-              <a:rPr lang="nl-NL" dirty="0" err="1"/>
-              <a:t>add</a:t>
-            </a:r>
-            <a:r>
-              <a:rPr lang="nl-NL" dirty="0"/>
-              <a:t> </a:t>
-            </a:r>
-            <a:r>
-              <a:rPr lang="nl-NL" dirty="0" err="1"/>
-              <a:t>the</a:t>
-            </a:r>
-            <a:r>
-              <a:rPr lang="nl-NL" dirty="0"/>
-              <a:t> line:</a:t>
-            </a:r>
-          </a:p>
-          <a:p>
-            <a:endParaRPr lang="nl-NL" dirty="0">
-              <a:latin typeface="Courier New" panose="02070309020205020404" pitchFamily="49" charset="0"/>
-              <a:cs typeface="Courier New" panose="02070309020205020404" pitchFamily="49" charset="0"/>
-            </a:endParaRPr>
-          </a:p>
-          <a:p>
-            <a:r>
-              <a:rPr lang="nl-NL" dirty="0">
-                <a:latin typeface="Courier New" panose="02070309020205020404" pitchFamily="49" charset="0"/>
-                <a:cs typeface="Courier New" panose="02070309020205020404" pitchFamily="49" charset="0"/>
-              </a:rPr>
-              <a:t>	</a:t>
-            </a:r>
-            <a:r>
-              <a:rPr lang="nl-NL" dirty="0" err="1">
-                <a:latin typeface="Courier New" panose="02070309020205020404" pitchFamily="49" charset="0"/>
-                <a:cs typeface="Courier New" panose="02070309020205020404" pitchFamily="49" charset="0"/>
-              </a:rPr>
-              <a:t>nao.InitProxy</a:t>
-            </a:r>
-            <a:r>
-              <a:rPr lang="nl-NL" dirty="0">
-                <a:latin typeface="Courier New" panose="02070309020205020404" pitchFamily="49" charset="0"/>
-                <a:cs typeface="Courier New" panose="02070309020205020404" pitchFamily="49" charset="0"/>
-              </a:rPr>
-              <a:t>(“127.0.0.1”, [0])</a:t>
-            </a:r>
-          </a:p>
-          <a:p>
-            <a:endParaRPr lang="nl-NL" dirty="0"/>
-          </a:p>
-          <a:p>
-            <a:r>
-              <a:rPr lang="nl-NL" dirty="0" err="1"/>
-              <a:t>If</a:t>
-            </a:r>
-            <a:r>
-              <a:rPr lang="nl-NL" dirty="0"/>
-              <a:t> all </a:t>
-            </a:r>
-            <a:r>
-              <a:rPr lang="nl-NL" dirty="0" err="1"/>
-              <a:t>goes</a:t>
-            </a:r>
-            <a:r>
-              <a:rPr lang="nl-NL" dirty="0"/>
-              <a:t> well </a:t>
-            </a:r>
-            <a:r>
-              <a:rPr lang="nl-NL" dirty="0" err="1"/>
-              <a:t>you</a:t>
-            </a:r>
-            <a:r>
-              <a:rPr lang="nl-NL" dirty="0"/>
-              <a:t> are </a:t>
-            </a:r>
-            <a:r>
-              <a:rPr lang="nl-NL" dirty="0" err="1"/>
-              <a:t>connected</a:t>
-            </a:r>
-            <a:r>
-              <a:rPr lang="nl-NL" dirty="0"/>
-              <a:t> to the </a:t>
-            </a:r>
-            <a:r>
-              <a:rPr lang="nl-NL" dirty="0" err="1"/>
-              <a:t>simulated</a:t>
-            </a:r>
-            <a:r>
-              <a:rPr lang="nl-NL" dirty="0"/>
-              <a:t> robot</a:t>
-            </a:r>
+            <a:r>
+              <a:rPr lang="en-US" dirty="0"/>
+              <a:t>NAO and Pepper Tutorial</a:t>
+            </a:r>
+          </a:p>
+        </p:txBody>
+      </p:sp>
+      <p:sp>
+        <p:nvSpPr>
+          <p:cNvPr id="5" name="Tijdelijke aanduiding voor dianummer 4"/>
+          <p:cNvSpPr>
+            <a:spLocks noGrp="1"/>
+          </p:cNvSpPr>
+          <p:nvPr>
+            <p:ph type="sldNum" sz="quarter" idx="12"/>
+          </p:nvPr>
+        </p:nvSpPr>
+        <p:spPr/>
+        <p:txBody>
+          <a:bodyPr/>
+          <a:lstStyle/>
+          <a:p>
+            <a:fld id="{B7CEC10D-CD46-426F-915E-6C78530279CB}" type="slidenum">
+              <a:rPr lang="en-US" smtClean="0"/>
+              <a:pPr/>
+              <a:t>34</a:t>
+            </a:fld>
             <a:endParaRPr lang="en-US" dirty="0"/>
           </a:p>
         </p:txBody>
@@ -16557,7 +16491,7 @@
     </p:spTree>
     <p:extLst>
       <p:ext uri="{BB962C8B-B14F-4D97-AF65-F5344CB8AC3E}">
-        <p14:creationId xmlns:p14="http://schemas.microsoft.com/office/powerpoint/2010/main" val="3201636391"/>
+        <p14:creationId xmlns:p14="http://schemas.microsoft.com/office/powerpoint/2010/main" val="1286838151"/>
       </p:ext>
     </p:extLst>
   </p:cSld>
@@ -16612,8 +16546,12 @@
           <a:lstStyle/>
           <a:p>
             <a:r>
-              <a:rPr lang="nl-NL" dirty="0"/>
-              <a:t>Real robot</a:t>
+              <a:rPr lang="nl-NL" dirty="0" err="1"/>
+              <a:t>Simulated</a:t>
+            </a:r>
+            <a:r>
+              <a:rPr lang="nl-NL" dirty="0"/>
+              <a:t> robot</a:t>
             </a:r>
             <a:endParaRPr lang="en-US" dirty="0"/>
           </a:p>
@@ -16634,9 +16572,20 @@
           <a:bodyPr/>
           <a:lstStyle/>
           <a:p>
-            <a:r>
-              <a:rPr lang="nl-NL" dirty="0"/>
-              <a:t>Connect </a:t>
+            <a:pPr marL="342900" indent="-342900">
+              <a:buFont typeface="+mj-lt"/>
+              <a:buAutoNum type="arabicPeriod"/>
+            </a:pPr>
+            <a:r>
+              <a:rPr lang="nl-NL" dirty="0" err="1"/>
+              <a:t>Choregraphe</a:t>
+            </a:r>
+            <a:endParaRPr lang="nl-NL" dirty="0"/>
+          </a:p>
+          <a:p>
+            <a:r>
+              <a:rPr lang="nl-NL" dirty="0"/>
+              <a:t>Run </a:t>
             </a:r>
             <a:r>
               <a:rPr lang="nl-NL" dirty="0" err="1"/>
@@ -16644,13 +16593,23 @@
             </a:r>
             <a:r>
               <a:rPr lang="nl-NL" dirty="0"/>
-              <a:t> router</a:t>
-            </a:r>
-          </a:p>
-          <a:p>
-            <a:r>
-              <a:rPr lang="nl-NL" dirty="0"/>
-              <a:t>Start </a:t>
+              <a:t> program naoqi-bin.exe </a:t>
+            </a:r>
+            <a:r>
+              <a:rPr lang="nl-NL" dirty="0" err="1"/>
+              <a:t>that</a:t>
+            </a:r>
+            <a:r>
+              <a:rPr lang="nl-NL" dirty="0"/>
+              <a:t> is </a:t>
+            </a:r>
+            <a:r>
+              <a:rPr lang="nl-NL" dirty="0" err="1"/>
+              <a:t>resides</a:t>
+            </a:r>
+            <a:r>
+              <a:rPr lang="nl-NL" dirty="0"/>
+              <a:t> in </a:t>
             </a:r>
             <a:r>
               <a:rPr lang="nl-NL" dirty="0" err="1"/>
@@ -16658,15 +16617,95 @@
             </a:r>
             <a:r>
               <a:rPr lang="nl-NL" dirty="0"/>
-              <a:t> robot </a:t>
+              <a:t> “bin” subdirectory of </a:t>
             </a:r>
             <a:r>
               <a:rPr lang="nl-NL" dirty="0" err="1"/>
-              <a:t>by</a:t>
-            </a:r>
-            <a:r>
-              <a:rPr lang="nl-NL" dirty="0"/>
-              <a:t> pressing </a:t>
+              <a:t>your</a:t>
+            </a:r>
+            <a:r>
+              <a:rPr lang="nl-NL" dirty="0"/>
+              <a:t> </a:t>
+            </a:r>
+            <a:r>
+              <a:rPr lang="nl-NL" dirty="0" err="1"/>
+              <a:t>choregraphe</a:t>
+            </a:r>
+            <a:r>
+              <a:rPr lang="nl-NL" dirty="0"/>
+              <a:t> </a:t>
+            </a:r>
+            <a:r>
+              <a:rPr lang="nl-NL" dirty="0" err="1"/>
+              <a:t>installation</a:t>
+            </a:r>
+            <a:endParaRPr lang="nl-NL" dirty="0"/>
+          </a:p>
+          <a:p>
+            <a:endParaRPr lang="nl-NL" dirty="0"/>
+          </a:p>
+          <a:p>
+            <a:r>
+              <a:rPr lang="nl-NL" dirty="0" err="1"/>
+              <a:t>Note</a:t>
+            </a:r>
+            <a:r>
+              <a:rPr lang="nl-NL" dirty="0"/>
+              <a:t> </a:t>
+            </a:r>
+            <a:r>
+              <a:rPr lang="nl-NL" dirty="0" err="1"/>
+              <a:t>your</a:t>
+            </a:r>
+            <a:r>
+              <a:rPr lang="nl-NL" dirty="0"/>
+              <a:t> </a:t>
+            </a:r>
+            <a:r>
+              <a:rPr lang="nl-NL" dirty="0" err="1"/>
+              <a:t>local</a:t>
+            </a:r>
+            <a:r>
+              <a:rPr lang="nl-NL" dirty="0"/>
+              <a:t> IP </a:t>
+            </a:r>
+            <a:r>
+              <a:rPr lang="nl-NL" dirty="0" err="1"/>
+              <a:t>address</a:t>
+            </a:r>
+            <a:r>
+              <a:rPr lang="nl-NL" dirty="0"/>
+              <a:t> or </a:t>
+            </a:r>
+            <a:r>
+              <a:rPr lang="nl-NL" dirty="0" err="1"/>
+              <a:t>use</a:t>
+            </a:r>
+            <a:r>
+              <a:rPr lang="nl-NL" dirty="0"/>
+              <a:t> “127.0.0.1”</a:t>
+            </a:r>
+          </a:p>
+          <a:p>
+            <a:r>
+              <a:rPr lang="nl-NL" dirty="0"/>
+              <a:t>in </a:t>
+            </a:r>
+            <a:r>
+              <a:rPr lang="nl-NL" dirty="0" err="1"/>
+              <a:t>your</a:t>
+            </a:r>
+            <a:r>
+              <a:rPr lang="nl-NL" dirty="0"/>
+              <a:t> program </a:t>
+            </a:r>
+            <a:r>
+              <a:rPr lang="nl-NL" dirty="0" err="1"/>
+              <a:t>add</a:t>
+            </a:r>
+            <a:r>
+              <a:rPr lang="nl-NL" dirty="0"/>
+              <a:t> </a:t>
             </a:r>
             <a:r>
               <a:rPr lang="nl-NL" dirty="0" err="1"/>
@@ -16674,269 +16713,45 @@
             </a:r>
             <a:r>
               <a:rPr lang="nl-NL" dirty="0"/>
-              <a:t> </a:t>
-            </a:r>
-            <a:r>
-              <a:rPr lang="nl-NL" dirty="0" err="1"/>
-              <a:t>chest</a:t>
-            </a:r>
-            <a:r>
-              <a:rPr lang="nl-NL" dirty="0"/>
-              <a:t> button</a:t>
-            </a:r>
-          </a:p>
-          <a:p>
-            <a:r>
-              <a:rPr lang="nl-NL" dirty="0"/>
-              <a:t>Press </a:t>
-            </a:r>
-            <a:r>
-              <a:rPr lang="nl-NL" dirty="0" err="1"/>
-              <a:t>once</a:t>
-            </a:r>
-            <a:r>
-              <a:rPr lang="nl-NL" dirty="0"/>
-              <a:t> on </a:t>
-            </a:r>
-            <a:r>
-              <a:rPr lang="nl-NL" dirty="0" err="1"/>
-              <a:t>the</a:t>
-            </a:r>
-            <a:r>
-              <a:rPr lang="nl-NL" dirty="0"/>
-              <a:t> </a:t>
-            </a:r>
-            <a:r>
-              <a:rPr lang="nl-NL" dirty="0" err="1"/>
-              <a:t>chest</a:t>
-            </a:r>
-            <a:r>
-              <a:rPr lang="nl-NL" dirty="0"/>
-              <a:t> button </a:t>
-            </a:r>
-            <a:r>
-              <a:rPr lang="nl-NL" dirty="0" err="1"/>
-              <a:t>to</a:t>
-            </a:r>
-            <a:r>
-              <a:rPr lang="nl-NL" dirty="0"/>
-              <a:t> </a:t>
-            </a:r>
-            <a:r>
-              <a:rPr lang="nl-NL" dirty="0" err="1"/>
-              <a:t>hear</a:t>
-            </a:r>
-            <a:r>
-              <a:rPr lang="nl-NL" dirty="0"/>
-              <a:t> </a:t>
-            </a:r>
-            <a:r>
-              <a:rPr lang="nl-NL" dirty="0" err="1"/>
-              <a:t>Nao</a:t>
-            </a:r>
-            <a:r>
-              <a:rPr lang="nl-NL" dirty="0"/>
-              <a:t> say </a:t>
-            </a:r>
-            <a:r>
-              <a:rPr lang="nl-NL" dirty="0" err="1"/>
-              <a:t>its</a:t>
-            </a:r>
-            <a:r>
-              <a:rPr lang="nl-NL" dirty="0"/>
-              <a:t> </a:t>
-            </a:r>
-            <a:r>
-              <a:rPr lang="nl-NL" dirty="0" err="1"/>
-              <a:t>own</a:t>
-            </a:r>
-            <a:r>
-              <a:rPr lang="nl-NL" dirty="0"/>
-              <a:t> </a:t>
-            </a:r>
-            <a:r>
-              <a:rPr lang="nl-NL" dirty="0" err="1"/>
-              <a:t>ip</a:t>
-            </a:r>
-            <a:r>
-              <a:rPr lang="nl-NL" dirty="0"/>
-              <a:t> </a:t>
-            </a:r>
-            <a:r>
-              <a:rPr lang="nl-NL" dirty="0" err="1"/>
-              <a:t>address</a:t>
-            </a:r>
-            <a:r>
-              <a:rPr lang="nl-NL" dirty="0"/>
-              <a:t>. </a:t>
-            </a:r>
+              <a:t> line:</a:t>
+            </a:r>
+          </a:p>
+          <a:p>
+            <a:endParaRPr lang="nl-NL" dirty="0"/>
+          </a:p>
+          <a:p>
+            <a:r>
+              <a:rPr lang="nl-NL" dirty="0">
+                <a:latin typeface="Courier New" panose="02070309020205020404" pitchFamily="49" charset="0"/>
+                <a:cs typeface="Courier New" panose="02070309020205020404" pitchFamily="49" charset="0"/>
+              </a:rPr>
+              <a:t>	</a:t>
+            </a:r>
+            <a:r>
+              <a:rPr lang="nl-NL" dirty="0" err="1">
+                <a:latin typeface="Courier New" panose="02070309020205020404" pitchFamily="49" charset="0"/>
+                <a:cs typeface="Courier New" panose="02070309020205020404" pitchFamily="49" charset="0"/>
+              </a:rPr>
+              <a:t>nao.InitProxy</a:t>
+            </a:r>
+            <a:r>
+              <a:rPr lang="nl-NL" dirty="0">
+                <a:latin typeface="Courier New" panose="02070309020205020404" pitchFamily="49" charset="0"/>
+                <a:cs typeface="Courier New" panose="02070309020205020404" pitchFamily="49" charset="0"/>
+              </a:rPr>
+              <a:t>(“127.0.0.1”, [0])</a:t>
+            </a:r>
+          </a:p>
+          <a:p>
+            <a:endParaRPr lang="nl-NL" dirty="0"/>
+          </a:p>
+          <a:p>
             <a:r>
               <a:rPr lang="nl-NL" dirty="0" err="1"/>
               <a:t>If</a:t>
             </a:r>
             <a:r>
               <a:rPr lang="nl-NL" dirty="0"/>
-              <a:t> </a:t>
-            </a:r>
-            <a:r>
-              <a:rPr lang="nl-NL" dirty="0" err="1"/>
-              <a:t>it</a:t>
-            </a:r>
-            <a:r>
-              <a:rPr lang="nl-NL" dirty="0"/>
-              <a:t> </a:t>
-            </a:r>
-            <a:r>
-              <a:rPr lang="nl-NL" dirty="0" err="1"/>
-              <a:t>cannot</a:t>
-            </a:r>
-            <a:r>
-              <a:rPr lang="nl-NL" dirty="0"/>
-              <a:t> </a:t>
-            </a:r>
-            <a:r>
-              <a:rPr lang="nl-NL" dirty="0" err="1"/>
-              <a:t>connect</a:t>
-            </a:r>
-            <a:r>
-              <a:rPr lang="nl-NL" dirty="0"/>
-              <a:t> make </a:t>
-            </a:r>
-            <a:r>
-              <a:rPr lang="nl-NL" dirty="0" err="1"/>
-              <a:t>sure</a:t>
-            </a:r>
-            <a:r>
-              <a:rPr lang="nl-NL" dirty="0"/>
-              <a:t> </a:t>
-            </a:r>
-            <a:r>
-              <a:rPr lang="nl-NL" dirty="0" err="1"/>
-              <a:t>the</a:t>
-            </a:r>
-            <a:r>
-              <a:rPr lang="nl-NL" dirty="0"/>
-              <a:t> </a:t>
-            </a:r>
-            <a:r>
-              <a:rPr lang="nl-NL" dirty="0" err="1"/>
-              <a:t>wireless</a:t>
-            </a:r>
-            <a:r>
-              <a:rPr lang="nl-NL" dirty="0"/>
-              <a:t> </a:t>
-            </a:r>
-            <a:r>
-              <a:rPr lang="nl-NL" dirty="0" err="1"/>
-              <a:t>configuration</a:t>
-            </a:r>
-            <a:r>
-              <a:rPr lang="nl-NL" dirty="0"/>
-              <a:t> is ok (</a:t>
-            </a:r>
-            <a:r>
-              <a:rPr lang="nl-NL" dirty="0" err="1"/>
-              <a:t>ask</a:t>
-            </a:r>
-            <a:r>
-              <a:rPr lang="nl-NL" dirty="0"/>
-              <a:t> help)</a:t>
-            </a:r>
-          </a:p>
-          <a:p>
-            <a:endParaRPr lang="nl-NL" dirty="0"/>
-          </a:p>
-          <a:p>
-            <a:r>
-              <a:rPr lang="nl-NL" dirty="0" err="1"/>
-              <a:t>Note</a:t>
-            </a:r>
-            <a:r>
-              <a:rPr lang="nl-NL" dirty="0"/>
-              <a:t> </a:t>
-            </a:r>
-            <a:r>
-              <a:rPr lang="nl-NL" dirty="0" err="1"/>
-              <a:t>the</a:t>
-            </a:r>
-            <a:r>
-              <a:rPr lang="nl-NL" dirty="0"/>
-              <a:t> </a:t>
-            </a:r>
-            <a:r>
-              <a:rPr lang="nl-NL" dirty="0" err="1"/>
-              <a:t>robot’s</a:t>
-            </a:r>
-            <a:r>
-              <a:rPr lang="nl-NL" dirty="0"/>
-              <a:t> IP </a:t>
-            </a:r>
-            <a:r>
-              <a:rPr lang="nl-NL" dirty="0" err="1"/>
-              <a:t>address</a:t>
-            </a:r>
-            <a:r>
-              <a:rPr lang="nl-NL" dirty="0"/>
-              <a:t> e.g. “192.168.0.115”</a:t>
-            </a:r>
-          </a:p>
-          <a:p>
-            <a:endParaRPr lang="nl-NL" dirty="0"/>
-          </a:p>
-          <a:p>
-            <a:r>
-              <a:rPr lang="nl-NL" dirty="0"/>
-              <a:t>in </a:t>
-            </a:r>
-            <a:r>
-              <a:rPr lang="nl-NL" dirty="0" err="1"/>
-              <a:t>your</a:t>
-            </a:r>
-            <a:r>
-              <a:rPr lang="nl-NL" dirty="0"/>
-              <a:t> program </a:t>
-            </a:r>
-            <a:r>
-              <a:rPr lang="nl-NL" dirty="0" err="1"/>
-              <a:t>add</a:t>
-            </a:r>
-            <a:r>
-              <a:rPr lang="nl-NL" dirty="0"/>
-              <a:t> the </a:t>
-            </a:r>
-            <a:r>
-              <a:rPr lang="nl-NL" dirty="0" err="1"/>
-              <a:t>line</a:t>
-            </a:r>
-            <a:endParaRPr lang="nl-NL" dirty="0"/>
-          </a:p>
-          <a:p>
-            <a:pPr marL="409575" lvl="2" indent="0">
-              <a:buNone/>
-            </a:pPr>
-            <a:r>
-              <a:rPr lang="nl-NL" dirty="0" err="1">
-                <a:latin typeface="Courier"/>
-              </a:rPr>
-              <a:t>nao.InitProxy</a:t>
-            </a:r>
-            <a:r>
-              <a:rPr lang="nl-NL" dirty="0">
-                <a:latin typeface="Courier"/>
-              </a:rPr>
-              <a:t>(“192.168.0.115”, [0])</a:t>
-            </a:r>
-          </a:p>
-          <a:p>
-            <a:endParaRPr lang="nl-NL" dirty="0"/>
-          </a:p>
-          <a:p>
-            <a:r>
-              <a:rPr lang="nl-NL" dirty="0" err="1"/>
-              <a:t>If</a:t>
-            </a:r>
-            <a:r>
-              <a:rPr lang="nl-NL" dirty="0"/>
               <a:t> all </a:t>
             </a:r>
             <a:r>
@@ -16961,21 +16776,26 @@
             </a:r>
             <a:r>
               <a:rPr lang="nl-NL" dirty="0"/>
-              <a:t> to </a:t>
+              <a:t> to the </a:t>
             </a:r>
             <a:r>
               <a:rPr lang="nl-NL" dirty="0" err="1"/>
-              <a:t>the</a:t>
-            </a:r>
-            <a:r>
-              <a:rPr lang="nl-NL" dirty="0"/>
-              <a:t> real robot</a:t>
+              <a:t>simulated</a:t>
+            </a:r>
+            <a:r>
+              <a:rPr lang="nl-NL" dirty="0"/>
+              <a:t> robot</a:t>
             </a:r>
             <a:endParaRPr lang="en-US" dirty="0"/>
           </a:p>
         </p:txBody>
       </p:sp>
     </p:spTree>
+    <p:extLst>
+      <p:ext uri="{BB962C8B-B14F-4D97-AF65-F5344CB8AC3E}">
+        <p14:creationId xmlns:p14="http://schemas.microsoft.com/office/powerpoint/2010/main" val="3015543534"/>
+      </p:ext>
+    </p:extLst>
   </p:cSld>
   <p:clrMapOvr>
     <a:masterClrMapping/>
@@ -17028,8 +16848,12 @@
           <a:lstStyle/>
           <a:p>
             <a:r>
-              <a:rPr lang="nl-NL" dirty="0"/>
-              <a:t>Real robot</a:t>
+              <a:rPr lang="nl-NL" dirty="0" err="1"/>
+              <a:t>Simulated</a:t>
+            </a:r>
+            <a:r>
+              <a:rPr lang="nl-NL" dirty="0"/>
+              <a:t> robot</a:t>
             </a:r>
             <a:endParaRPr lang="en-US" dirty="0"/>
           </a:p>
@@ -17050,27 +16874,20 @@
           <a:bodyPr/>
           <a:lstStyle/>
           <a:p>
-            <a:r>
-              <a:rPr lang="nl-NL" dirty="0"/>
-              <a:t>General tips</a:t>
-            </a:r>
-          </a:p>
-          <a:p>
+            <a:pPr marL="342900" indent="-342900">
+              <a:buFont typeface="+mj-lt"/>
+              <a:buAutoNum type="arabicPeriod" startAt="2"/>
+            </a:pPr>
             <a:r>
               <a:rPr lang="nl-NL" dirty="0" err="1"/>
-              <a:t>To</a:t>
-            </a:r>
-            <a:r>
-              <a:rPr lang="nl-NL" dirty="0"/>
-              <a:t> </a:t>
-            </a:r>
-            <a:r>
-              <a:rPr lang="nl-NL" dirty="0" err="1"/>
-              <a:t>shut</a:t>
-            </a:r>
-            <a:r>
-              <a:rPr lang="nl-NL" dirty="0"/>
-              <a:t> down </a:t>
+              <a:t>Webots</a:t>
+            </a:r>
+            <a:endParaRPr lang="nl-NL" dirty="0"/>
+          </a:p>
+          <a:p>
+            <a:r>
+              <a:rPr lang="nl-NL" dirty="0"/>
+              <a:t>Run </a:t>
             </a:r>
             <a:r>
               <a:rPr lang="nl-NL" dirty="0" err="1"/>
@@ -17078,15 +16895,21 @@
             </a:r>
             <a:r>
               <a:rPr lang="nl-NL" dirty="0"/>
-              <a:t> robot, </a:t>
+              <a:t> </a:t>
             </a:r>
             <a:r>
               <a:rPr lang="nl-NL" dirty="0" err="1"/>
-              <a:t>press</a:t>
-            </a:r>
-            <a:r>
-              <a:rPr lang="nl-NL" dirty="0"/>
-              <a:t> </a:t>
+              <a:t>webots</a:t>
+            </a:r>
+            <a:r>
+              <a:rPr lang="nl-NL" dirty="0"/>
+              <a:t> program</a:t>
+            </a:r>
+          </a:p>
+          <a:p>
+            <a:r>
+              <a:rPr lang="nl-NL" dirty="0"/>
+              <a:t>Download </a:t>
             </a:r>
             <a:r>
               <a:rPr lang="nl-NL" dirty="0" err="1"/>
@@ -17098,44 +16921,152 @@
             </a:r>
             <a:r>
               <a:rPr lang="nl-NL" dirty="0" err="1"/>
-              <a:t>chest</a:t>
-            </a:r>
-            <a:r>
-              <a:rPr lang="nl-NL" dirty="0"/>
-              <a:t> button </a:t>
+              <a:t>naoqisim</a:t>
+            </a:r>
+            <a:r>
+              <a:rPr lang="nl-NL" dirty="0"/>
+              <a:t> project </a:t>
             </a:r>
             <a:r>
               <a:rPr lang="nl-NL" dirty="0" err="1"/>
-              <a:t>for</a:t>
-            </a:r>
-            <a:r>
-              <a:rPr lang="nl-NL" dirty="0"/>
-              <a:t> 5 </a:t>
+              <a:t>from</a:t>
+            </a:r>
+            <a:r>
+              <a:rPr lang="nl-NL" dirty="0"/>
+              <a:t> canvas/…</a:t>
+            </a:r>
+          </a:p>
+          <a:p>
+            <a:r>
+              <a:rPr lang="nl-NL" dirty="0"/>
+              <a:t>Accept acces </a:t>
             </a:r>
             <a:r>
               <a:rPr lang="nl-NL" dirty="0" err="1"/>
-              <a:t>seconds</a:t>
+              <a:t>to</a:t>
+            </a:r>
+            <a:r>
+              <a:rPr lang="nl-NL" dirty="0"/>
+              <a:t> private </a:t>
+            </a:r>
+            <a:r>
+              <a:rPr lang="nl-NL" dirty="0" err="1"/>
+              <a:t>and</a:t>
+            </a:r>
+            <a:r>
+              <a:rPr lang="nl-NL" dirty="0"/>
+              <a:t> domain </a:t>
+            </a:r>
+            <a:r>
+              <a:rPr lang="nl-NL" dirty="0" err="1"/>
+              <a:t>networks</a:t>
             </a:r>
             <a:endParaRPr lang="nl-NL" dirty="0"/>
           </a:p>
           <a:p>
+            <a:r>
+              <a:rPr lang="nl-NL" dirty="0"/>
+              <a:t>Open sample </a:t>
+            </a:r>
+            <a:r>
+              <a:rPr lang="nl-NL" dirty="0" err="1"/>
+              <a:t>world</a:t>
+            </a:r>
+            <a:r>
+              <a:rPr lang="nl-NL" dirty="0"/>
+              <a:t> “</a:t>
+            </a:r>
+            <a:r>
+              <a:rPr lang="nl-NL" dirty="0" err="1"/>
+              <a:t>nao_indoors.wbt</a:t>
+            </a:r>
+            <a:r>
+              <a:rPr lang="nl-NL" dirty="0"/>
+              <a:t>” </a:t>
+            </a:r>
+            <a:r>
+              <a:rPr lang="nl-NL" dirty="0" err="1"/>
+              <a:t>from</a:t>
+            </a:r>
+            <a:r>
+              <a:rPr lang="nl-NL" dirty="0"/>
+              <a:t> </a:t>
+            </a:r>
+            <a:r>
+              <a:rPr lang="nl-NL" dirty="0" err="1"/>
+              <a:t>downloaded</a:t>
+            </a:r>
+            <a:r>
+              <a:rPr lang="nl-NL" dirty="0"/>
+              <a:t> project </a:t>
+            </a:r>
+            <a:r>
+              <a:rPr lang="nl-NL" dirty="0" err="1"/>
+              <a:t>location</a:t>
+            </a:r>
             <a:endParaRPr lang="nl-NL" dirty="0"/>
           </a:p>
           <a:p>
+            <a:endParaRPr lang="nl-NL" dirty="0"/>
+          </a:p>
+          <a:p>
             <a:r>
               <a:rPr lang="nl-NL" dirty="0" err="1"/>
-              <a:t>Testing</a:t>
-            </a:r>
-            <a:endParaRPr lang="nl-NL" dirty="0"/>
-          </a:p>
-          <a:p>
-            <a:r>
-              <a:rPr lang="nl-NL" dirty="0"/>
-              <a:t>Test </a:t>
+              <a:t>Note</a:t>
+            </a:r>
+            <a:r>
+              <a:rPr lang="nl-NL" dirty="0"/>
+              <a:t> </a:t>
             </a:r>
             <a:r>
               <a:rPr lang="nl-NL" dirty="0" err="1"/>
-              <a:t>using</a:t>
+              <a:t>your</a:t>
+            </a:r>
+            <a:r>
+              <a:rPr lang="nl-NL" dirty="0"/>
+              <a:t> </a:t>
+            </a:r>
+            <a:r>
+              <a:rPr lang="nl-NL" dirty="0" err="1"/>
+              <a:t>local</a:t>
+            </a:r>
+            <a:r>
+              <a:rPr lang="nl-NL" dirty="0"/>
+              <a:t> IP </a:t>
+            </a:r>
+            <a:r>
+              <a:rPr lang="nl-NL" dirty="0" err="1"/>
+              <a:t>address</a:t>
+            </a:r>
+            <a:r>
+              <a:rPr lang="nl-NL" dirty="0"/>
+              <a:t> or </a:t>
+            </a:r>
+            <a:r>
+              <a:rPr lang="nl-NL" dirty="0" err="1"/>
+              <a:t>use</a:t>
+            </a:r>
+            <a:r>
+              <a:rPr lang="nl-NL" dirty="0"/>
+              <a:t> “127.0.0.1”</a:t>
+            </a:r>
+          </a:p>
+          <a:p>
+            <a:r>
+              <a:rPr lang="nl-NL" dirty="0"/>
+              <a:t>in </a:t>
+            </a:r>
+            <a:r>
+              <a:rPr lang="nl-NL" dirty="0" err="1"/>
+              <a:t>your</a:t>
+            </a:r>
+            <a:r>
+              <a:rPr lang="nl-NL" dirty="0"/>
+              <a:t> program </a:t>
+            </a:r>
+            <a:r>
+              <a:rPr lang="nl-NL" dirty="0" err="1"/>
+              <a:t>add</a:t>
             </a:r>
             <a:r>
               <a:rPr lang="nl-NL" dirty="0"/>
@@ -17147,16 +17078,40 @@
             </a:r>
             <a:r>
               <a:rPr lang="nl-NL" dirty="0"/>
-              <a:t> simulator! Just change </a:t>
-            </a:r>
-            <a:r>
-              <a:rPr lang="nl-NL" dirty="0" err="1"/>
-              <a:t>the</a:t>
-            </a:r>
-            <a:r>
-              <a:rPr lang="nl-NL" dirty="0"/>
-              <a:t> IP</a:t>
-            </a:r>
+              <a:t> line:</a:t>
+            </a:r>
+          </a:p>
+          <a:p>
+            <a:endParaRPr lang="nl-NL" dirty="0">
+              <a:latin typeface="Courier New" panose="02070309020205020404" pitchFamily="49" charset="0"/>
+              <a:cs typeface="Courier New" panose="02070309020205020404" pitchFamily="49" charset="0"/>
+            </a:endParaRPr>
+          </a:p>
+          <a:p>
+            <a:r>
+              <a:rPr lang="nl-NL" dirty="0">
+                <a:latin typeface="Courier New" panose="02070309020205020404" pitchFamily="49" charset="0"/>
+                <a:cs typeface="Courier New" panose="02070309020205020404" pitchFamily="49" charset="0"/>
+              </a:rPr>
+              <a:t>	</a:t>
+            </a:r>
+            <a:r>
+              <a:rPr lang="nl-NL" dirty="0" err="1">
+                <a:latin typeface="Courier New" panose="02070309020205020404" pitchFamily="49" charset="0"/>
+                <a:cs typeface="Courier New" panose="02070309020205020404" pitchFamily="49" charset="0"/>
+              </a:rPr>
+              <a:t>nao.InitProxy</a:t>
+            </a:r>
+            <a:r>
+              <a:rPr lang="nl-NL" dirty="0">
+                <a:latin typeface="Courier New" panose="02070309020205020404" pitchFamily="49" charset="0"/>
+                <a:cs typeface="Courier New" panose="02070309020205020404" pitchFamily="49" charset="0"/>
+              </a:rPr>
+              <a:t>(“127.0.0.1”, [0])</a:t>
+            </a:r>
+          </a:p>
+          <a:p>
+            <a:endParaRPr lang="nl-NL" dirty="0"/>
           </a:p>
           <a:p>
             <a:r>
@@ -17165,15 +17120,7 @@
             </a:r>
             <a:r>
               <a:rPr lang="nl-NL" dirty="0"/>
-              <a:t> </a:t>
-            </a:r>
-            <a:r>
-              <a:rPr lang="nl-NL" dirty="0" err="1"/>
-              <a:t>something</a:t>
-            </a:r>
-            <a:r>
-              <a:rPr lang="nl-NL" dirty="0"/>
-              <a:t> </a:t>
+              <a:t> all </a:t>
             </a:r>
             <a:r>
               <a:rPr lang="nl-NL" dirty="0" err="1"/>
@@ -17181,191 +17128,27 @@
             </a:r>
             <a:r>
               <a:rPr lang="nl-NL" dirty="0"/>
-              <a:t> wrong, </a:t>
+              <a:t> well </a:t>
             </a:r>
             <a:r>
               <a:rPr lang="nl-NL" dirty="0" err="1"/>
-              <a:t>press</a:t>
-            </a:r>
-            <a:r>
-              <a:rPr lang="nl-NL" dirty="0"/>
-              <a:t> </a:t>
+              <a:t>you</a:t>
+            </a:r>
+            <a:r>
+              <a:rPr lang="nl-NL" dirty="0"/>
+              <a:t> are </a:t>
             </a:r>
             <a:r>
               <a:rPr lang="nl-NL" dirty="0" err="1"/>
-              <a:t>the</a:t>
-            </a:r>
-            <a:r>
-              <a:rPr lang="nl-NL" dirty="0"/>
-              <a:t> </a:t>
+              <a:t>connected</a:t>
+            </a:r>
+            <a:r>
+              <a:rPr lang="nl-NL" dirty="0"/>
+              <a:t> to the </a:t>
             </a:r>
             <a:r>
               <a:rPr lang="nl-NL" dirty="0" err="1"/>
-              <a:t>chest</a:t>
-            </a:r>
-            <a:r>
-              <a:rPr lang="nl-NL" dirty="0"/>
-              <a:t> button </a:t>
-            </a:r>
-            <a:r>
-              <a:rPr lang="nl-NL" dirty="0" err="1"/>
-              <a:t>twice</a:t>
-            </a:r>
-            <a:r>
-              <a:rPr lang="nl-NL" dirty="0"/>
-              <a:t> </a:t>
-            </a:r>
-            <a:r>
-              <a:rPr lang="nl-NL" dirty="0" err="1"/>
-              <a:t>to</a:t>
-            </a:r>
-            <a:r>
-              <a:rPr lang="nl-NL" dirty="0"/>
-              <a:t> release </a:t>
-            </a:r>
-            <a:r>
-              <a:rPr lang="nl-NL" dirty="0" err="1"/>
-              <a:t>the</a:t>
-            </a:r>
-            <a:r>
-              <a:rPr lang="nl-NL" dirty="0"/>
-              <a:t> joint </a:t>
-            </a:r>
-            <a:r>
-              <a:rPr lang="nl-NL" dirty="0" err="1"/>
-              <a:t>stiffness</a:t>
-            </a:r>
-            <a:r>
-              <a:rPr lang="nl-NL" dirty="0"/>
-              <a:t> (do </a:t>
-            </a:r>
-            <a:r>
-              <a:rPr lang="nl-NL" dirty="0" err="1"/>
-              <a:t>this</a:t>
-            </a:r>
-            <a:r>
-              <a:rPr lang="nl-NL" dirty="0"/>
-              <a:t> </a:t>
-            </a:r>
-            <a:r>
-              <a:rPr lang="nl-NL" dirty="0" err="1"/>
-              <a:t>quickly</a:t>
-            </a:r>
-            <a:r>
-              <a:rPr lang="nl-NL" dirty="0"/>
-              <a:t> like a double click) </a:t>
-            </a:r>
-          </a:p>
-          <a:p>
-            <a:r>
-              <a:rPr lang="nl-NL" dirty="0"/>
-              <a:t>Always </a:t>
-            </a:r>
-            <a:r>
-              <a:rPr lang="nl-NL" dirty="0" err="1"/>
-              <a:t>pick</a:t>
-            </a:r>
-            <a:r>
-              <a:rPr lang="nl-NL" dirty="0"/>
-              <a:t> </a:t>
-            </a:r>
-            <a:r>
-              <a:rPr lang="nl-NL" dirty="0" err="1"/>
-              <a:t>it</a:t>
-            </a:r>
-            <a:r>
-              <a:rPr lang="nl-NL" dirty="0"/>
-              <a:t> up </a:t>
-            </a:r>
-            <a:r>
-              <a:rPr lang="nl-NL" dirty="0" err="1"/>
-              <a:t>by</a:t>
-            </a:r>
-            <a:r>
-              <a:rPr lang="nl-NL" dirty="0"/>
-              <a:t> </a:t>
-            </a:r>
-            <a:r>
-              <a:rPr lang="nl-NL" dirty="0" err="1"/>
-              <a:t>the</a:t>
-            </a:r>
-            <a:r>
-              <a:rPr lang="nl-NL" dirty="0"/>
-              <a:t> </a:t>
-            </a:r>
-            <a:r>
-              <a:rPr lang="nl-NL" dirty="0" err="1"/>
-              <a:t>waist</a:t>
-            </a:r>
-            <a:endParaRPr lang="nl-NL" dirty="0"/>
-          </a:p>
-          <a:p>
-            <a:r>
-              <a:rPr lang="nl-NL" dirty="0"/>
-              <a:t>Always </a:t>
-            </a:r>
-            <a:r>
-              <a:rPr lang="nl-NL" dirty="0" err="1"/>
-              <a:t>place</a:t>
-            </a:r>
-            <a:r>
-              <a:rPr lang="nl-NL" dirty="0"/>
-              <a:t> </a:t>
-            </a:r>
-            <a:r>
-              <a:rPr lang="nl-NL" dirty="0" err="1"/>
-              <a:t>the</a:t>
-            </a:r>
-            <a:r>
-              <a:rPr lang="nl-NL" dirty="0"/>
-              <a:t> robot on </a:t>
-            </a:r>
-            <a:r>
-              <a:rPr lang="nl-NL" dirty="0" err="1"/>
-              <a:t>the</a:t>
-            </a:r>
-            <a:r>
-              <a:rPr lang="nl-NL" dirty="0"/>
-              <a:t> floor </a:t>
-            </a:r>
-            <a:r>
-              <a:rPr lang="nl-NL" dirty="0" err="1"/>
-              <a:t>during</a:t>
-            </a:r>
-            <a:r>
-              <a:rPr lang="nl-NL" dirty="0"/>
-              <a:t> </a:t>
-            </a:r>
-            <a:r>
-              <a:rPr lang="nl-NL" dirty="0" err="1"/>
-              <a:t>testing</a:t>
-            </a:r>
-            <a:endParaRPr lang="nl-NL" dirty="0"/>
-          </a:p>
-          <a:p>
-            <a:r>
-              <a:rPr lang="nl-NL" dirty="0"/>
-              <a:t>Put soft </a:t>
-            </a:r>
-            <a:r>
-              <a:rPr lang="nl-NL" dirty="0" err="1"/>
-              <a:t>foam</a:t>
-            </a:r>
-            <a:r>
-              <a:rPr lang="nl-NL" dirty="0"/>
-              <a:t> </a:t>
-            </a:r>
-            <a:r>
-              <a:rPr lang="nl-NL" dirty="0" err="1"/>
-              <a:t>behind</a:t>
-            </a:r>
-            <a:r>
-              <a:rPr lang="nl-NL" dirty="0"/>
-              <a:t> </a:t>
-            </a:r>
-            <a:r>
-              <a:rPr lang="nl-NL" dirty="0" err="1"/>
-              <a:t>the</a:t>
+              <a:t>simulated</a:t>
             </a:r>
             <a:r>
               <a:rPr lang="nl-NL" dirty="0"/>
@@ -17378,7 +17161,7 @@
     </p:spTree>
     <p:extLst>
       <p:ext uri="{BB962C8B-B14F-4D97-AF65-F5344CB8AC3E}">
-        <p14:creationId xmlns:p14="http://schemas.microsoft.com/office/powerpoint/2010/main" val="1036905762"/>
+        <p14:creationId xmlns:p14="http://schemas.microsoft.com/office/powerpoint/2010/main" val="3201636391"/>
       </p:ext>
     </p:extLst>
   </p:cSld>
@@ -17419,6 +17202,827 @@
       </p:grpSpPr>
       <p:sp>
         <p:nvSpPr>
+          <p:cNvPr id="2" name="Title 1"/>
+          <p:cNvSpPr>
+            <a:spLocks noGrp="1"/>
+          </p:cNvSpPr>
+          <p:nvPr>
+            <p:ph type="title"/>
+          </p:nvPr>
+        </p:nvSpPr>
+        <p:spPr/>
+        <p:txBody>
+          <a:bodyPr/>
+          <a:lstStyle/>
+          <a:p>
+            <a:r>
+              <a:rPr lang="nl-NL" dirty="0"/>
+              <a:t>Real robot</a:t>
+            </a:r>
+            <a:endParaRPr lang="en-US" dirty="0"/>
+          </a:p>
+        </p:txBody>
+      </p:sp>
+      <p:sp>
+        <p:nvSpPr>
+          <p:cNvPr id="3" name="Content Placeholder 2"/>
+          <p:cNvSpPr>
+            <a:spLocks noGrp="1"/>
+          </p:cNvSpPr>
+          <p:nvPr>
+            <p:ph idx="1"/>
+          </p:nvPr>
+        </p:nvSpPr>
+        <p:spPr/>
+        <p:txBody>
+          <a:bodyPr/>
+          <a:lstStyle/>
+          <a:p>
+            <a:r>
+              <a:rPr lang="nl-NL" dirty="0"/>
+              <a:t>Connect </a:t>
+            </a:r>
+            <a:r>
+              <a:rPr lang="nl-NL" dirty="0" err="1"/>
+              <a:t>the</a:t>
+            </a:r>
+            <a:r>
+              <a:rPr lang="nl-NL" dirty="0"/>
+              <a:t> router</a:t>
+            </a:r>
+          </a:p>
+          <a:p>
+            <a:r>
+              <a:rPr lang="nl-NL" dirty="0"/>
+              <a:t>Start </a:t>
+            </a:r>
+            <a:r>
+              <a:rPr lang="nl-NL" dirty="0" err="1"/>
+              <a:t>the</a:t>
+            </a:r>
+            <a:r>
+              <a:rPr lang="nl-NL" dirty="0"/>
+              <a:t> robot </a:t>
+            </a:r>
+            <a:r>
+              <a:rPr lang="nl-NL" dirty="0" err="1"/>
+              <a:t>by</a:t>
+            </a:r>
+            <a:r>
+              <a:rPr lang="nl-NL" dirty="0"/>
+              <a:t> pressing </a:t>
+            </a:r>
+            <a:r>
+              <a:rPr lang="nl-NL" dirty="0" err="1"/>
+              <a:t>the</a:t>
+            </a:r>
+            <a:r>
+              <a:rPr lang="nl-NL" dirty="0"/>
+              <a:t> </a:t>
+            </a:r>
+            <a:r>
+              <a:rPr lang="nl-NL" dirty="0" err="1"/>
+              <a:t>chest</a:t>
+            </a:r>
+            <a:r>
+              <a:rPr lang="nl-NL" dirty="0"/>
+              <a:t> button</a:t>
+            </a:r>
+          </a:p>
+          <a:p>
+            <a:r>
+              <a:rPr lang="nl-NL" dirty="0"/>
+              <a:t>Press </a:t>
+            </a:r>
+            <a:r>
+              <a:rPr lang="nl-NL" dirty="0" err="1"/>
+              <a:t>once</a:t>
+            </a:r>
+            <a:r>
+              <a:rPr lang="nl-NL" dirty="0"/>
+              <a:t> on </a:t>
+            </a:r>
+            <a:r>
+              <a:rPr lang="nl-NL" dirty="0" err="1"/>
+              <a:t>the</a:t>
+            </a:r>
+            <a:r>
+              <a:rPr lang="nl-NL" dirty="0"/>
+              <a:t> </a:t>
+            </a:r>
+            <a:r>
+              <a:rPr lang="nl-NL" dirty="0" err="1"/>
+              <a:t>chest</a:t>
+            </a:r>
+            <a:r>
+              <a:rPr lang="nl-NL" dirty="0"/>
+              <a:t> button </a:t>
+            </a:r>
+            <a:r>
+              <a:rPr lang="nl-NL" dirty="0" err="1"/>
+              <a:t>to</a:t>
+            </a:r>
+            <a:r>
+              <a:rPr lang="nl-NL" dirty="0"/>
+              <a:t> </a:t>
+            </a:r>
+            <a:r>
+              <a:rPr lang="nl-NL" dirty="0" err="1"/>
+              <a:t>hear</a:t>
+            </a:r>
+            <a:r>
+              <a:rPr lang="nl-NL" dirty="0"/>
+              <a:t> </a:t>
+            </a:r>
+            <a:r>
+              <a:rPr lang="nl-NL" dirty="0" err="1"/>
+              <a:t>Nao</a:t>
+            </a:r>
+            <a:r>
+              <a:rPr lang="nl-NL" dirty="0"/>
+              <a:t> say </a:t>
+            </a:r>
+            <a:r>
+              <a:rPr lang="nl-NL" dirty="0" err="1"/>
+              <a:t>its</a:t>
+            </a:r>
+            <a:r>
+              <a:rPr lang="nl-NL" dirty="0"/>
+              <a:t> </a:t>
+            </a:r>
+            <a:r>
+              <a:rPr lang="nl-NL" dirty="0" err="1"/>
+              <a:t>own</a:t>
+            </a:r>
+            <a:r>
+              <a:rPr lang="nl-NL" dirty="0"/>
+              <a:t> </a:t>
+            </a:r>
+            <a:r>
+              <a:rPr lang="nl-NL" dirty="0" err="1"/>
+              <a:t>ip</a:t>
+            </a:r>
+            <a:r>
+              <a:rPr lang="nl-NL" dirty="0"/>
+              <a:t> </a:t>
+            </a:r>
+            <a:r>
+              <a:rPr lang="nl-NL" dirty="0" err="1"/>
+              <a:t>address</a:t>
+            </a:r>
+            <a:r>
+              <a:rPr lang="nl-NL" dirty="0"/>
+              <a:t>. </a:t>
+            </a:r>
+            <a:r>
+              <a:rPr lang="nl-NL" dirty="0" err="1"/>
+              <a:t>If</a:t>
+            </a:r>
+            <a:r>
+              <a:rPr lang="nl-NL" dirty="0"/>
+              <a:t> </a:t>
+            </a:r>
+            <a:r>
+              <a:rPr lang="nl-NL" dirty="0" err="1"/>
+              <a:t>it</a:t>
+            </a:r>
+            <a:r>
+              <a:rPr lang="nl-NL" dirty="0"/>
+              <a:t> </a:t>
+            </a:r>
+            <a:r>
+              <a:rPr lang="nl-NL" dirty="0" err="1"/>
+              <a:t>cannot</a:t>
+            </a:r>
+            <a:r>
+              <a:rPr lang="nl-NL" dirty="0"/>
+              <a:t> </a:t>
+            </a:r>
+            <a:r>
+              <a:rPr lang="nl-NL" dirty="0" err="1"/>
+              <a:t>connect</a:t>
+            </a:r>
+            <a:r>
+              <a:rPr lang="nl-NL" dirty="0"/>
+              <a:t> make </a:t>
+            </a:r>
+            <a:r>
+              <a:rPr lang="nl-NL" dirty="0" err="1"/>
+              <a:t>sure</a:t>
+            </a:r>
+            <a:r>
+              <a:rPr lang="nl-NL" dirty="0"/>
+              <a:t> </a:t>
+            </a:r>
+            <a:r>
+              <a:rPr lang="nl-NL" dirty="0" err="1"/>
+              <a:t>the</a:t>
+            </a:r>
+            <a:r>
+              <a:rPr lang="nl-NL" dirty="0"/>
+              <a:t> </a:t>
+            </a:r>
+            <a:r>
+              <a:rPr lang="nl-NL" dirty="0" err="1"/>
+              <a:t>wireless</a:t>
+            </a:r>
+            <a:r>
+              <a:rPr lang="nl-NL" dirty="0"/>
+              <a:t> </a:t>
+            </a:r>
+            <a:r>
+              <a:rPr lang="nl-NL" dirty="0" err="1"/>
+              <a:t>configuration</a:t>
+            </a:r>
+            <a:r>
+              <a:rPr lang="nl-NL" dirty="0"/>
+              <a:t> is ok (</a:t>
+            </a:r>
+            <a:r>
+              <a:rPr lang="nl-NL" dirty="0" err="1"/>
+              <a:t>ask</a:t>
+            </a:r>
+            <a:r>
+              <a:rPr lang="nl-NL" dirty="0"/>
+              <a:t> help)</a:t>
+            </a:r>
+          </a:p>
+          <a:p>
+            <a:endParaRPr lang="nl-NL" dirty="0"/>
+          </a:p>
+          <a:p>
+            <a:r>
+              <a:rPr lang="nl-NL" dirty="0" err="1"/>
+              <a:t>Note</a:t>
+            </a:r>
+            <a:r>
+              <a:rPr lang="nl-NL" dirty="0"/>
+              <a:t> </a:t>
+            </a:r>
+            <a:r>
+              <a:rPr lang="nl-NL" dirty="0" err="1"/>
+              <a:t>the</a:t>
+            </a:r>
+            <a:r>
+              <a:rPr lang="nl-NL" dirty="0"/>
+              <a:t> </a:t>
+            </a:r>
+            <a:r>
+              <a:rPr lang="nl-NL" dirty="0" err="1"/>
+              <a:t>robot’s</a:t>
+            </a:r>
+            <a:r>
+              <a:rPr lang="nl-NL" dirty="0"/>
+              <a:t> IP </a:t>
+            </a:r>
+            <a:r>
+              <a:rPr lang="nl-NL" dirty="0" err="1"/>
+              <a:t>address</a:t>
+            </a:r>
+            <a:r>
+              <a:rPr lang="nl-NL" dirty="0"/>
+              <a:t> e.g. “192.168.0.115”</a:t>
+            </a:r>
+          </a:p>
+          <a:p>
+            <a:endParaRPr lang="nl-NL" dirty="0"/>
+          </a:p>
+          <a:p>
+            <a:r>
+              <a:rPr lang="nl-NL" dirty="0"/>
+              <a:t>in </a:t>
+            </a:r>
+            <a:r>
+              <a:rPr lang="nl-NL" dirty="0" err="1"/>
+              <a:t>your</a:t>
+            </a:r>
+            <a:r>
+              <a:rPr lang="nl-NL" dirty="0"/>
+              <a:t> program </a:t>
+            </a:r>
+            <a:r>
+              <a:rPr lang="nl-NL" dirty="0" err="1"/>
+              <a:t>add</a:t>
+            </a:r>
+            <a:r>
+              <a:rPr lang="nl-NL" dirty="0"/>
+              <a:t> the </a:t>
+            </a:r>
+            <a:r>
+              <a:rPr lang="nl-NL" dirty="0" err="1"/>
+              <a:t>line</a:t>
+            </a:r>
+            <a:endParaRPr lang="nl-NL" dirty="0"/>
+          </a:p>
+          <a:p>
+            <a:pPr marL="409575" lvl="2" indent="0">
+              <a:buNone/>
+            </a:pPr>
+            <a:r>
+              <a:rPr lang="nl-NL" dirty="0" err="1">
+                <a:latin typeface="Courier"/>
+              </a:rPr>
+              <a:t>nao.InitProxy</a:t>
+            </a:r>
+            <a:r>
+              <a:rPr lang="nl-NL" dirty="0">
+                <a:latin typeface="Courier"/>
+              </a:rPr>
+              <a:t>(“192.168.0.115”, [0])</a:t>
+            </a:r>
+          </a:p>
+          <a:p>
+            <a:endParaRPr lang="nl-NL" dirty="0"/>
+          </a:p>
+          <a:p>
+            <a:r>
+              <a:rPr lang="nl-NL" dirty="0" err="1"/>
+              <a:t>If</a:t>
+            </a:r>
+            <a:r>
+              <a:rPr lang="nl-NL" dirty="0"/>
+              <a:t> all </a:t>
+            </a:r>
+            <a:r>
+              <a:rPr lang="nl-NL" dirty="0" err="1"/>
+              <a:t>goes</a:t>
+            </a:r>
+            <a:r>
+              <a:rPr lang="nl-NL" dirty="0"/>
+              <a:t> well </a:t>
+            </a:r>
+            <a:r>
+              <a:rPr lang="nl-NL" dirty="0" err="1"/>
+              <a:t>you</a:t>
+            </a:r>
+            <a:r>
+              <a:rPr lang="nl-NL" dirty="0"/>
+              <a:t> are </a:t>
+            </a:r>
+            <a:r>
+              <a:rPr lang="nl-NL" dirty="0" err="1"/>
+              <a:t>connected</a:t>
+            </a:r>
+            <a:r>
+              <a:rPr lang="nl-NL" dirty="0"/>
+              <a:t> to </a:t>
+            </a:r>
+            <a:r>
+              <a:rPr lang="nl-NL" dirty="0" err="1"/>
+              <a:t>the</a:t>
+            </a:r>
+            <a:r>
+              <a:rPr lang="nl-NL" dirty="0"/>
+              <a:t> real robot</a:t>
+            </a:r>
+            <a:endParaRPr lang="en-US" dirty="0"/>
+          </a:p>
+        </p:txBody>
+      </p:sp>
+    </p:spTree>
+  </p:cSld>
+  <p:clrMapOvr>
+    <a:masterClrMapping/>
+  </p:clrMapOvr>
+  <mc:AlternateContent xmlns:mc="http://schemas.openxmlformats.org/markup-compatibility/2006" xmlns:p14="http://schemas.microsoft.com/office/powerpoint/2010/main">
+    <mc:Choice Requires="p14">
+      <p:transition spd="med" p14:dur="700">
+        <p:fade/>
+      </p:transition>
+    </mc:Choice>
+    <mc:Fallback xmlns="">
+      <p:transition spd="med">
+        <p:fade/>
+      </p:transition>
+    </mc:Fallback>
+  </mc:AlternateContent>
+</p:sld>
+</file>
+
+<file path=ppt/slides/slide38.xml><?xml version="1.0" encoding="utf-8"?>
+<p:sld xmlns:a="http://schemas.openxmlformats.org/drawingml/2006/main" xmlns:r="http://schemas.openxmlformats.org/officeDocument/2006/relationships" xmlns:p="http://schemas.openxmlformats.org/presentationml/2006/main">
+  <p:cSld>
+    <p:spTree>
+      <p:nvGrpSpPr>
+        <p:cNvPr id="1" name=""/>
+        <p:cNvGrpSpPr/>
+        <p:nvPr/>
+      </p:nvGrpSpPr>
+      <p:grpSpPr>
+        <a:xfrm>
+          <a:off x="0" y="0"/>
+          <a:ext cx="0" cy="0"/>
+          <a:chOff x="0" y="0"/>
+          <a:chExt cx="0" cy="0"/>
+        </a:xfrm>
+      </p:grpSpPr>
+      <p:sp>
+        <p:nvSpPr>
+          <p:cNvPr id="2" name="Title 1"/>
+          <p:cNvSpPr>
+            <a:spLocks noGrp="1"/>
+          </p:cNvSpPr>
+          <p:nvPr>
+            <p:ph type="title"/>
+          </p:nvPr>
+        </p:nvSpPr>
+        <p:spPr/>
+        <p:txBody>
+          <a:bodyPr/>
+          <a:lstStyle/>
+          <a:p>
+            <a:r>
+              <a:rPr lang="nl-NL" dirty="0"/>
+              <a:t>Real robot</a:t>
+            </a:r>
+            <a:endParaRPr lang="en-US" dirty="0"/>
+          </a:p>
+        </p:txBody>
+      </p:sp>
+      <p:sp>
+        <p:nvSpPr>
+          <p:cNvPr id="3" name="Content Placeholder 2"/>
+          <p:cNvSpPr>
+            <a:spLocks noGrp="1"/>
+          </p:cNvSpPr>
+          <p:nvPr>
+            <p:ph idx="1"/>
+          </p:nvPr>
+        </p:nvSpPr>
+        <p:spPr/>
+        <p:txBody>
+          <a:bodyPr/>
+          <a:lstStyle/>
+          <a:p>
+            <a:r>
+              <a:rPr lang="nl-NL" dirty="0"/>
+              <a:t>General tips</a:t>
+            </a:r>
+          </a:p>
+          <a:p>
+            <a:r>
+              <a:rPr lang="nl-NL" dirty="0" err="1"/>
+              <a:t>To</a:t>
+            </a:r>
+            <a:r>
+              <a:rPr lang="nl-NL" dirty="0"/>
+              <a:t> </a:t>
+            </a:r>
+            <a:r>
+              <a:rPr lang="nl-NL" dirty="0" err="1"/>
+              <a:t>shut</a:t>
+            </a:r>
+            <a:r>
+              <a:rPr lang="nl-NL" dirty="0"/>
+              <a:t> down </a:t>
+            </a:r>
+            <a:r>
+              <a:rPr lang="nl-NL" dirty="0" err="1"/>
+              <a:t>the</a:t>
+            </a:r>
+            <a:r>
+              <a:rPr lang="nl-NL" dirty="0"/>
+              <a:t> robot, </a:t>
+            </a:r>
+            <a:r>
+              <a:rPr lang="nl-NL" dirty="0" err="1"/>
+              <a:t>press</a:t>
+            </a:r>
+            <a:r>
+              <a:rPr lang="nl-NL" dirty="0"/>
+              <a:t> </a:t>
+            </a:r>
+            <a:r>
+              <a:rPr lang="nl-NL" dirty="0" err="1"/>
+              <a:t>the</a:t>
+            </a:r>
+            <a:r>
+              <a:rPr lang="nl-NL" dirty="0"/>
+              <a:t> </a:t>
+            </a:r>
+            <a:r>
+              <a:rPr lang="nl-NL" dirty="0" err="1"/>
+              <a:t>chest</a:t>
+            </a:r>
+            <a:r>
+              <a:rPr lang="nl-NL" dirty="0"/>
+              <a:t> button </a:t>
+            </a:r>
+            <a:r>
+              <a:rPr lang="nl-NL" dirty="0" err="1"/>
+              <a:t>for</a:t>
+            </a:r>
+            <a:r>
+              <a:rPr lang="nl-NL" dirty="0"/>
+              <a:t> 5 </a:t>
+            </a:r>
+            <a:r>
+              <a:rPr lang="nl-NL" dirty="0" err="1"/>
+              <a:t>seconds</a:t>
+            </a:r>
+            <a:endParaRPr lang="nl-NL" dirty="0"/>
+          </a:p>
+          <a:p>
+            <a:endParaRPr lang="nl-NL" dirty="0"/>
+          </a:p>
+          <a:p>
+            <a:r>
+              <a:rPr lang="nl-NL" dirty="0" err="1"/>
+              <a:t>Testing</a:t>
+            </a:r>
+            <a:endParaRPr lang="nl-NL" dirty="0"/>
+          </a:p>
+          <a:p>
+            <a:r>
+              <a:rPr lang="nl-NL" dirty="0"/>
+              <a:t>Test </a:t>
+            </a:r>
+            <a:r>
+              <a:rPr lang="nl-NL" dirty="0" err="1"/>
+              <a:t>using</a:t>
+            </a:r>
+            <a:r>
+              <a:rPr lang="nl-NL" dirty="0"/>
+              <a:t> </a:t>
+            </a:r>
+            <a:r>
+              <a:rPr lang="nl-NL" dirty="0" err="1"/>
+              <a:t>the</a:t>
+            </a:r>
+            <a:r>
+              <a:rPr lang="nl-NL" dirty="0"/>
+              <a:t> simulator! Just change </a:t>
+            </a:r>
+            <a:r>
+              <a:rPr lang="nl-NL" dirty="0" err="1"/>
+              <a:t>the</a:t>
+            </a:r>
+            <a:r>
+              <a:rPr lang="nl-NL" dirty="0"/>
+              <a:t> IP</a:t>
+            </a:r>
+          </a:p>
+          <a:p>
+            <a:r>
+              <a:rPr lang="nl-NL" dirty="0" err="1"/>
+              <a:t>If</a:t>
+            </a:r>
+            <a:r>
+              <a:rPr lang="nl-NL" dirty="0"/>
+              <a:t> </a:t>
+            </a:r>
+            <a:r>
+              <a:rPr lang="nl-NL" dirty="0" err="1"/>
+              <a:t>something</a:t>
+            </a:r>
+            <a:r>
+              <a:rPr lang="nl-NL" dirty="0"/>
+              <a:t> </a:t>
+            </a:r>
+            <a:r>
+              <a:rPr lang="nl-NL" dirty="0" err="1"/>
+              <a:t>goes</a:t>
+            </a:r>
+            <a:r>
+              <a:rPr lang="nl-NL" dirty="0"/>
+              <a:t> wrong, </a:t>
+            </a:r>
+            <a:r>
+              <a:rPr lang="nl-NL" dirty="0" err="1"/>
+              <a:t>press</a:t>
+            </a:r>
+            <a:r>
+              <a:rPr lang="nl-NL" dirty="0"/>
+              <a:t> </a:t>
+            </a:r>
+            <a:r>
+              <a:rPr lang="nl-NL" dirty="0" err="1"/>
+              <a:t>the</a:t>
+            </a:r>
+            <a:r>
+              <a:rPr lang="nl-NL" dirty="0"/>
+              <a:t> </a:t>
+            </a:r>
+            <a:r>
+              <a:rPr lang="nl-NL" dirty="0" err="1"/>
+              <a:t>chest</a:t>
+            </a:r>
+            <a:r>
+              <a:rPr lang="nl-NL" dirty="0"/>
+              <a:t> button </a:t>
+            </a:r>
+            <a:r>
+              <a:rPr lang="nl-NL" dirty="0" err="1"/>
+              <a:t>twice</a:t>
+            </a:r>
+            <a:r>
+              <a:rPr lang="nl-NL" dirty="0"/>
+              <a:t> </a:t>
+            </a:r>
+            <a:r>
+              <a:rPr lang="nl-NL" dirty="0" err="1"/>
+              <a:t>to</a:t>
+            </a:r>
+            <a:r>
+              <a:rPr lang="nl-NL" dirty="0"/>
+              <a:t> release </a:t>
+            </a:r>
+            <a:r>
+              <a:rPr lang="nl-NL" dirty="0" err="1"/>
+              <a:t>the</a:t>
+            </a:r>
+            <a:r>
+              <a:rPr lang="nl-NL" dirty="0"/>
+              <a:t> joint </a:t>
+            </a:r>
+            <a:r>
+              <a:rPr lang="nl-NL" dirty="0" err="1"/>
+              <a:t>stiffness</a:t>
+            </a:r>
+            <a:r>
+              <a:rPr lang="nl-NL" dirty="0"/>
+              <a:t> (do </a:t>
+            </a:r>
+            <a:r>
+              <a:rPr lang="nl-NL" dirty="0" err="1"/>
+              <a:t>this</a:t>
+            </a:r>
+            <a:r>
+              <a:rPr lang="nl-NL" dirty="0"/>
+              <a:t> </a:t>
+            </a:r>
+            <a:r>
+              <a:rPr lang="nl-NL" dirty="0" err="1"/>
+              <a:t>quickly</a:t>
+            </a:r>
+            <a:r>
+              <a:rPr lang="nl-NL" dirty="0"/>
+              <a:t> like a double click) </a:t>
+            </a:r>
+          </a:p>
+          <a:p>
+            <a:r>
+              <a:rPr lang="nl-NL" dirty="0"/>
+              <a:t>Always </a:t>
+            </a:r>
+            <a:r>
+              <a:rPr lang="nl-NL" dirty="0" err="1"/>
+              <a:t>pick</a:t>
+            </a:r>
+            <a:r>
+              <a:rPr lang="nl-NL" dirty="0"/>
+              <a:t> </a:t>
+            </a:r>
+            <a:r>
+              <a:rPr lang="nl-NL" dirty="0" err="1"/>
+              <a:t>it</a:t>
+            </a:r>
+            <a:r>
+              <a:rPr lang="nl-NL" dirty="0"/>
+              <a:t> up </a:t>
+            </a:r>
+            <a:r>
+              <a:rPr lang="nl-NL" dirty="0" err="1"/>
+              <a:t>by</a:t>
+            </a:r>
+            <a:r>
+              <a:rPr lang="nl-NL" dirty="0"/>
+              <a:t> </a:t>
+            </a:r>
+            <a:r>
+              <a:rPr lang="nl-NL" dirty="0" err="1"/>
+              <a:t>the</a:t>
+            </a:r>
+            <a:r>
+              <a:rPr lang="nl-NL" dirty="0"/>
+              <a:t> </a:t>
+            </a:r>
+            <a:r>
+              <a:rPr lang="nl-NL" dirty="0" err="1"/>
+              <a:t>waist</a:t>
+            </a:r>
+            <a:endParaRPr lang="nl-NL" dirty="0"/>
+          </a:p>
+          <a:p>
+            <a:r>
+              <a:rPr lang="nl-NL" dirty="0"/>
+              <a:t>Always </a:t>
+            </a:r>
+            <a:r>
+              <a:rPr lang="nl-NL" dirty="0" err="1"/>
+              <a:t>place</a:t>
+            </a:r>
+            <a:r>
+              <a:rPr lang="nl-NL" dirty="0"/>
+              <a:t> </a:t>
+            </a:r>
+            <a:r>
+              <a:rPr lang="nl-NL" dirty="0" err="1"/>
+              <a:t>the</a:t>
+            </a:r>
+            <a:r>
+              <a:rPr lang="nl-NL" dirty="0"/>
+              <a:t> robot on </a:t>
+            </a:r>
+            <a:r>
+              <a:rPr lang="nl-NL" dirty="0" err="1"/>
+              <a:t>the</a:t>
+            </a:r>
+            <a:r>
+              <a:rPr lang="nl-NL" dirty="0"/>
+              <a:t> floor </a:t>
+            </a:r>
+            <a:r>
+              <a:rPr lang="nl-NL" dirty="0" err="1"/>
+              <a:t>during</a:t>
+            </a:r>
+            <a:r>
+              <a:rPr lang="nl-NL" dirty="0"/>
+              <a:t> </a:t>
+            </a:r>
+            <a:r>
+              <a:rPr lang="nl-NL" dirty="0" err="1"/>
+              <a:t>testing</a:t>
+            </a:r>
+            <a:endParaRPr lang="nl-NL" dirty="0"/>
+          </a:p>
+          <a:p>
+            <a:r>
+              <a:rPr lang="nl-NL" dirty="0"/>
+              <a:t>Put soft </a:t>
+            </a:r>
+            <a:r>
+              <a:rPr lang="nl-NL" dirty="0" err="1"/>
+              <a:t>foam</a:t>
+            </a:r>
+            <a:r>
+              <a:rPr lang="nl-NL" dirty="0"/>
+              <a:t> </a:t>
+            </a:r>
+            <a:r>
+              <a:rPr lang="nl-NL" dirty="0" err="1"/>
+              <a:t>behind</a:t>
+            </a:r>
+            <a:r>
+              <a:rPr lang="nl-NL" dirty="0"/>
+              <a:t> </a:t>
+            </a:r>
+            <a:r>
+              <a:rPr lang="nl-NL" dirty="0" err="1"/>
+              <a:t>the</a:t>
+            </a:r>
+            <a:r>
+              <a:rPr lang="nl-NL" dirty="0"/>
+              <a:t> robot</a:t>
+            </a:r>
+            <a:endParaRPr lang="en-US" dirty="0"/>
+          </a:p>
+        </p:txBody>
+      </p:sp>
+    </p:spTree>
+    <p:extLst>
+      <p:ext uri="{BB962C8B-B14F-4D97-AF65-F5344CB8AC3E}">
+        <p14:creationId xmlns:p14="http://schemas.microsoft.com/office/powerpoint/2010/main" val="1036905762"/>
+      </p:ext>
+    </p:extLst>
+  </p:cSld>
+  <p:clrMapOvr>
+    <a:masterClrMapping/>
+  </p:clrMapOvr>
+  <mc:AlternateContent xmlns:mc="http://schemas.openxmlformats.org/markup-compatibility/2006" xmlns:p14="http://schemas.microsoft.com/office/powerpoint/2010/main">
+    <mc:Choice Requires="p14">
+      <p:transition spd="med" p14:dur="700">
+        <p:fade/>
+      </p:transition>
+    </mc:Choice>
+    <mc:Fallback xmlns="">
+      <p:transition spd="med">
+        <p:fade/>
+      </p:transition>
+    </mc:Fallback>
+  </mc:AlternateContent>
+</p:sld>
+</file>
+
+<file path=ppt/slides/slide39.xml><?xml version="1.0" encoding="utf-8"?>
+<p:sld xmlns:a="http://schemas.openxmlformats.org/drawingml/2006/main" xmlns:r="http://schemas.openxmlformats.org/officeDocument/2006/relationships" xmlns:p="http://schemas.openxmlformats.org/presentationml/2006/main">
+  <p:cSld>
+    <p:spTree>
+      <p:nvGrpSpPr>
+        <p:cNvPr id="1" name=""/>
+        <p:cNvGrpSpPr/>
+        <p:nvPr/>
+      </p:nvGrpSpPr>
+      <p:grpSpPr>
+        <a:xfrm>
+          <a:off x="0" y="0"/>
+          <a:ext cx="0" cy="0"/>
+          <a:chOff x="0" y="0"/>
+          <a:chExt cx="0" cy="0"/>
+        </a:xfrm>
+      </p:grpSpPr>
+      <p:sp>
+        <p:nvSpPr>
           <p:cNvPr id="2" name="Titel 1"/>
           <p:cNvSpPr>
             <a:spLocks noGrp="1"/>
@@ -17643,7 +18247,7 @@
             <a:fld id="{B7CEC10D-CD46-426F-915E-6C78530279CB}" type="slidenum">
               <a:rPr lang="en-US" smtClean="0"/>
               <a:pPr/>
-              <a:t>37</a:t>
+              <a:t>39</a:t>
             </a:fld>
             <a:endParaRPr lang="en-US" dirty="0"/>
           </a:p>
@@ -18042,7 +18646,7 @@
           <a:p>
             <a:pPr lvl="3"/>
             <a:r>
-              <a:rPr lang="en-US" dirty="0"/>
+              <a:rPr lang="en-US" b="1" dirty="0"/>
               <a:t>Do not push the lid</a:t>
             </a:r>
           </a:p>
